--- a/9- Introducción a POO (2)/9- Introducción a POO (2).pptx
+++ b/9- Introducción a POO (2)/9- Introducción a POO (2).pptx
@@ -5,7 +5,7 @@
     <p:sldMasterId id="2147483780" r:id="rId1"/>
   </p:sldMasterIdLst>
   <p:notesMasterIdLst>
-    <p:notesMasterId r:id="rId46"/>
+    <p:notesMasterId r:id="rId35"/>
   </p:notesMasterIdLst>
   <p:sldIdLst>
     <p:sldId id="256" r:id="rId2"/>
@@ -34,24 +34,13 @@
     <p:sldId id="292" r:id="rId25"/>
     <p:sldId id="293" r:id="rId26"/>
     <p:sldId id="294" r:id="rId27"/>
-    <p:sldId id="295" r:id="rId28"/>
-    <p:sldId id="296" r:id="rId29"/>
-    <p:sldId id="297" r:id="rId30"/>
-    <p:sldId id="298" r:id="rId31"/>
-    <p:sldId id="299" r:id="rId32"/>
-    <p:sldId id="300" r:id="rId33"/>
-    <p:sldId id="301" r:id="rId34"/>
-    <p:sldId id="302" r:id="rId35"/>
-    <p:sldId id="303" r:id="rId36"/>
-    <p:sldId id="304" r:id="rId37"/>
-    <p:sldId id="305" r:id="rId38"/>
-    <p:sldId id="306" r:id="rId39"/>
-    <p:sldId id="307" r:id="rId40"/>
-    <p:sldId id="308" r:id="rId41"/>
-    <p:sldId id="309" r:id="rId42"/>
-    <p:sldId id="310" r:id="rId43"/>
-    <p:sldId id="311" r:id="rId44"/>
-    <p:sldId id="280" r:id="rId45"/>
+    <p:sldId id="297" r:id="rId28"/>
+    <p:sldId id="298" r:id="rId29"/>
+    <p:sldId id="299" r:id="rId30"/>
+    <p:sldId id="306" r:id="rId31"/>
+    <p:sldId id="307" r:id="rId32"/>
+    <p:sldId id="308" r:id="rId33"/>
+    <p:sldId id="280" r:id="rId34"/>
   </p:sldIdLst>
   <p:sldSz cx="9144000" cy="6858000" type="screen4x3"/>
   <p:notesSz cx="6858000" cy="9144000"/>
@@ -256,7 +245,7 @@
             <a:fld id="{9AE5E7AA-5A36-4DCE-9FB2-C049F4DC365A}" type="datetimeFigureOut">
               <a:rPr lang="es-ES" smtClean="0"/>
               <a:pPr/>
-              <a:t>04/09/2017</a:t>
+              <a:t>06/09/2017</a:t>
             </a:fld>
             <a:endParaRPr lang="es-ES"/>
           </a:p>
@@ -828,210 +817,6 @@
 </p:notes>
 </file>
 
-<file path=ppt/notesSlides/notesSlide10.xml><?xml version="1.0" encoding="utf-8"?>
-<p:notes xmlns:a="http://schemas.openxmlformats.org/drawingml/2006/main" xmlns:r="http://schemas.openxmlformats.org/officeDocument/2006/relationships" xmlns:p="http://schemas.openxmlformats.org/presentationml/2006/main">
-  <p:cSld>
-    <p:spTree>
-      <p:nvGrpSpPr>
-        <p:cNvPr id="1" name=""/>
-        <p:cNvGrpSpPr/>
-        <p:nvPr/>
-      </p:nvGrpSpPr>
-      <p:grpSpPr>
-        <a:xfrm>
-          <a:off x="0" y="0"/>
-          <a:ext cx="0" cy="0"/>
-          <a:chOff x="0" y="0"/>
-          <a:chExt cx="0" cy="0"/>
-        </a:xfrm>
-      </p:grpSpPr>
-      <p:sp>
-        <p:nvSpPr>
-          <p:cNvPr id="2" name="1 Marcador de imagen de diapositiva"/>
-          <p:cNvSpPr>
-            <a:spLocks noGrp="1" noRot="1" noChangeAspect="1"/>
-          </p:cNvSpPr>
-          <p:nvPr>
-            <p:ph type="sldImg"/>
-          </p:nvPr>
-        </p:nvSpPr>
-        <p:spPr/>
-      </p:sp>
-      <p:sp>
-        <p:nvSpPr>
-          <p:cNvPr id="3" name="2 Marcador de notas"/>
-          <p:cNvSpPr>
-            <a:spLocks noGrp="1"/>
-          </p:cNvSpPr>
-          <p:nvPr>
-            <p:ph type="body" idx="1"/>
-          </p:nvPr>
-        </p:nvSpPr>
-        <p:spPr/>
-        <p:txBody>
-          <a:bodyPr>
-            <a:normAutofit/>
-          </a:bodyPr>
-          <a:lstStyle/>
-          <a:p>
-            <a:r>
-              <a:rPr lang="es-ES" dirty="0"/>
-              <a:t>ES IMPORTANTE QUE VAYAN</a:t>
-            </a:r>
-            <a:r>
-              <a:rPr lang="es-ES" baseline="0" dirty="0"/>
-              <a:t> POR PASOS:</a:t>
-            </a:r>
-          </a:p>
-          <a:p>
-            <a:r>
-              <a:rPr lang="es-ES" baseline="0" dirty="0"/>
-              <a:t>IDENTIFICAR SI HAY CLASES</a:t>
-            </a:r>
-            <a:br>
-              <a:rPr lang="es-ES" baseline="0" dirty="0"/>
-            </a:br>
-            <a:r>
-              <a:rPr lang="es-ES" baseline="0" dirty="0"/>
-              <a:t>HAY COSAS QUE SE COMPARTEN ENTRE LAS CLASES</a:t>
-            </a:r>
-            <a:br>
-              <a:rPr lang="es-ES" baseline="0" dirty="0"/>
-            </a:br>
-            <a:r>
-              <a:rPr lang="es-ES" baseline="0" dirty="0"/>
-              <a:t>QUE PROPIEDADES TIENEN LAS CLASES</a:t>
-            </a:r>
-            <a:br>
-              <a:rPr lang="es-ES" baseline="0" dirty="0"/>
-            </a:br>
-            <a:r>
-              <a:rPr lang="es-ES" baseline="0" dirty="0"/>
-              <a:t>QUE METODOS TIENEN LAS CLASES</a:t>
-            </a:r>
-            <a:endParaRPr lang="es-ES" dirty="0"/>
-          </a:p>
-        </p:txBody>
-      </p:sp>
-      <p:sp>
-        <p:nvSpPr>
-          <p:cNvPr id="4" name="3 Marcador de número de diapositiva"/>
-          <p:cNvSpPr>
-            <a:spLocks noGrp="1"/>
-          </p:cNvSpPr>
-          <p:nvPr>
-            <p:ph type="sldNum" sz="quarter" idx="10"/>
-          </p:nvPr>
-        </p:nvSpPr>
-        <p:spPr/>
-        <p:txBody>
-          <a:bodyPr/>
-          <a:lstStyle/>
-          <a:p>
-            <a:fld id="{9934B0C7-C44F-40F6-9D56-56F683497096}" type="slidenum">
-              <a:rPr lang="es-ES" smtClean="0"/>
-              <a:pPr/>
-              <a:t>43</a:t>
-            </a:fld>
-            <a:endParaRPr lang="es-ES"/>
-          </a:p>
-        </p:txBody>
-      </p:sp>
-    </p:spTree>
-    <p:extLst>
-      <p:ext uri="{BB962C8B-B14F-4D97-AF65-F5344CB8AC3E}">
-        <p14:creationId xmlns:p14="http://schemas.microsoft.com/office/powerpoint/2010/main" val="2749123213"/>
-      </p:ext>
-    </p:extLst>
-  </p:cSld>
-  <p:clrMapOvr>
-    <a:masterClrMapping/>
-  </p:clrMapOvr>
-</p:notes>
-</file>
-
-<file path=ppt/notesSlides/notesSlide11.xml><?xml version="1.0" encoding="utf-8"?>
-<p:notes xmlns:a="http://schemas.openxmlformats.org/drawingml/2006/main" xmlns:r="http://schemas.openxmlformats.org/officeDocument/2006/relationships" xmlns:p="http://schemas.openxmlformats.org/presentationml/2006/main">
-  <p:cSld>
-    <p:spTree>
-      <p:nvGrpSpPr>
-        <p:cNvPr id="1" name=""/>
-        <p:cNvGrpSpPr/>
-        <p:nvPr/>
-      </p:nvGrpSpPr>
-      <p:grpSpPr>
-        <a:xfrm>
-          <a:off x="0" y="0"/>
-          <a:ext cx="0" cy="0"/>
-          <a:chOff x="0" y="0"/>
-          <a:chExt cx="0" cy="0"/>
-        </a:xfrm>
-      </p:grpSpPr>
-      <p:sp>
-        <p:nvSpPr>
-          <p:cNvPr id="2" name="1 Marcador de imagen de diapositiva"/>
-          <p:cNvSpPr>
-            <a:spLocks noGrp="1" noRot="1" noChangeAspect="1"/>
-          </p:cNvSpPr>
-          <p:nvPr>
-            <p:ph type="sldImg"/>
-          </p:nvPr>
-        </p:nvSpPr>
-        <p:spPr/>
-      </p:sp>
-      <p:sp>
-        <p:nvSpPr>
-          <p:cNvPr id="3" name="2 Marcador de notas"/>
-          <p:cNvSpPr>
-            <a:spLocks noGrp="1"/>
-          </p:cNvSpPr>
-          <p:nvPr>
-            <p:ph type="body" idx="1"/>
-          </p:nvPr>
-        </p:nvSpPr>
-        <p:spPr/>
-        <p:txBody>
-          <a:bodyPr>
-            <a:normAutofit/>
-          </a:bodyPr>
-          <a:lstStyle/>
-          <a:p>
-            <a:endParaRPr lang="es-ES" dirty="0"/>
-          </a:p>
-        </p:txBody>
-      </p:sp>
-      <p:sp>
-        <p:nvSpPr>
-          <p:cNvPr id="4" name="3 Marcador de número de diapositiva"/>
-          <p:cNvSpPr>
-            <a:spLocks noGrp="1"/>
-          </p:cNvSpPr>
-          <p:nvPr>
-            <p:ph type="sldNum" sz="quarter" idx="10"/>
-          </p:nvPr>
-        </p:nvSpPr>
-        <p:spPr/>
-        <p:txBody>
-          <a:bodyPr/>
-          <a:lstStyle/>
-          <a:p>
-            <a:fld id="{9934B0C7-C44F-40F6-9D56-56F683497096}" type="slidenum">
-              <a:rPr lang="es-ES" smtClean="0"/>
-              <a:pPr/>
-              <a:t>44</a:t>
-            </a:fld>
-            <a:endParaRPr lang="es-ES"/>
-          </a:p>
-        </p:txBody>
-      </p:sp>
-    </p:spTree>
-  </p:cSld>
-  <p:clrMapOvr>
-    <a:masterClrMapping/>
-  </p:clrMapOvr>
-</p:notes>
-</file>
-
 <file path=ppt/notesSlides/notesSlide2.xml><?xml version="1.0" encoding="utf-8"?>
 <p:notes xmlns:a="http://schemas.openxmlformats.org/drawingml/2006/main" xmlns:r="http://schemas.openxmlformats.org/officeDocument/2006/relationships" xmlns:p="http://schemas.openxmlformats.org/presentationml/2006/main">
   <p:cSld>
@@ -2039,18 +1824,13 @@
             <a:fld id="{9934B0C7-C44F-40F6-9D56-56F683497096}" type="slidenum">
               <a:rPr lang="es-ES" smtClean="0"/>
               <a:pPr/>
-              <a:t>34</a:t>
+              <a:t>33</a:t>
             </a:fld>
             <a:endParaRPr lang="es-ES"/>
           </a:p>
         </p:txBody>
       </p:sp>
     </p:spTree>
-    <p:extLst>
-      <p:ext uri="{BB962C8B-B14F-4D97-AF65-F5344CB8AC3E}">
-        <p14:creationId xmlns:p14="http://schemas.microsoft.com/office/powerpoint/2010/main" val="3728442872"/>
-      </p:ext>
-    </p:extLst>
   </p:cSld>
   <p:clrMapOvr>
     <a:masterClrMapping/>
@@ -2676,7 +2456,7 @@
             <a:fld id="{239704C4-DA6F-42E0-8B22-3264675741E3}" type="datetime1">
               <a:rPr lang="es-ES" smtClean="0"/>
               <a:pPr/>
-              <a:t>04/09/2017</a:t>
+              <a:t>06/09/2017</a:t>
             </a:fld>
             <a:endParaRPr lang="es-ES"/>
           </a:p>
@@ -2871,7 +2651,7 @@
             <a:fld id="{8B8C421A-2FDD-4D0F-9DE4-2FBF0F5BC02B}" type="datetime1">
               <a:rPr lang="es-ES" smtClean="0"/>
               <a:pPr/>
-              <a:t>04/09/2017</a:t>
+              <a:t>06/09/2017</a:t>
             </a:fld>
             <a:endParaRPr lang="es-ES"/>
           </a:p>
@@ -3051,7 +2831,7 @@
             <a:fld id="{B39FE55D-40D9-47BA-8992-C30699769EB5}" type="datetime1">
               <a:rPr lang="es-ES" smtClean="0"/>
               <a:pPr/>
-              <a:t>04/09/2017</a:t>
+              <a:t>06/09/2017</a:t>
             </a:fld>
             <a:endParaRPr lang="es-ES"/>
           </a:p>
@@ -3198,7 +2978,7 @@
             <a:fld id="{9D2E3949-061D-4852-8E9D-F980F0775286}" type="datetime1">
               <a:rPr lang="es-ES" smtClean="0"/>
               <a:pPr/>
-              <a:t>04/09/2017</a:t>
+              <a:t>06/09/2017</a:t>
             </a:fld>
             <a:endParaRPr lang="es-ES"/>
           </a:p>
@@ -3450,7 +3230,7 @@
             <a:fld id="{F866E4E8-7B50-49DA-B1EF-501D395A21AD}" type="datetime1">
               <a:rPr lang="es-ES" smtClean="0"/>
               <a:pPr/>
-              <a:t>04/09/2017</a:t>
+              <a:t>06/09/2017</a:t>
             </a:fld>
             <a:endParaRPr lang="es-ES"/>
           </a:p>
@@ -3854,7 +3634,7 @@
             <a:fld id="{4706EDA9-5F22-4681-9CD7-EC921B90E716}" type="datetime1">
               <a:rPr lang="es-ES" smtClean="0"/>
               <a:pPr/>
-              <a:t>04/09/2017</a:t>
+              <a:t>06/09/2017</a:t>
             </a:fld>
             <a:endParaRPr lang="es-ES"/>
           </a:p>
@@ -4297,7 +4077,7 @@
             <a:fld id="{5AAFEBD1-D74D-4336-8CB0-D81CC338C7E4}" type="datetime1">
               <a:rPr lang="es-ES" smtClean="0"/>
               <a:pPr/>
-              <a:t>04/09/2017</a:t>
+              <a:t>06/09/2017</a:t>
             </a:fld>
             <a:endParaRPr lang="es-ES"/>
           </a:p>
@@ -4397,7 +4177,7 @@
             <a:fld id="{CAB22E82-2206-467B-B4D4-4D7181B4FD8F}" type="datetime1">
               <a:rPr lang="es-ES" smtClean="0"/>
               <a:pPr/>
-              <a:t>04/09/2017</a:t>
+              <a:t>06/09/2017</a:t>
             </a:fld>
             <a:endParaRPr lang="es-ES"/>
           </a:p>
@@ -4515,7 +4295,7 @@
             <a:fld id="{FDD15159-B491-40DD-B086-794B167A94D1}" type="datetime1">
               <a:rPr lang="es-ES" smtClean="0"/>
               <a:pPr/>
-              <a:t>04/09/2017</a:t>
+              <a:t>06/09/2017</a:t>
             </a:fld>
             <a:endParaRPr lang="es-ES"/>
           </a:p>
@@ -4788,7 +4568,7 @@
             <a:fld id="{D7FEDF0F-BE94-48DD-9B40-9F8CE0028E78}" type="datetime1">
               <a:rPr lang="es-ES" smtClean="0"/>
               <a:pPr/>
-              <a:t>04/09/2017</a:t>
+              <a:t>06/09/2017</a:t>
             </a:fld>
             <a:endParaRPr lang="es-ES"/>
           </a:p>
@@ -4994,7 +4774,7 @@
             <a:fld id="{28C04C86-7BF1-481E-8043-4CF07CCB7684}" type="datetime1">
               <a:rPr lang="es-ES" smtClean="0"/>
               <a:pPr/>
-              <a:t>04/09/2017</a:t>
+              <a:t>06/09/2017</a:t>
             </a:fld>
             <a:endParaRPr lang="es-ES"/>
           </a:p>
@@ -6088,7 +5868,7 @@
             <a:fld id="{11A06465-DD29-48D3-B96C-802E79C960AC}" type="datetime1">
               <a:rPr lang="es-ES" smtClean="0"/>
               <a:pPr/>
-              <a:t>04/09/2017</a:t>
+              <a:t>06/09/2017</a:t>
             </a:fld>
             <a:endParaRPr lang="es-ES"/>
           </a:p>
@@ -12745,19 +12525,27 @@
         <p:spPr>
           <a:xfrm>
             <a:off x="457200" y="1196752"/>
-            <a:ext cx="8229600" cy="4900000"/>
+            <a:ext cx="8229600" cy="5328592"/>
           </a:xfrm>
         </p:spPr>
         <p:txBody>
           <a:bodyPr>
-            <a:normAutofit lnSpcReduction="10000"/>
+            <a:normAutofit fontScale="70000" lnSpcReduction="20000"/>
           </a:bodyPr>
           <a:lstStyle/>
           <a:p>
             <a:pPr algn="just"/>
             <a:r>
               <a:rPr lang="es-ES" dirty="0"/>
-              <a:t>Un ensamblado puede entenderse como una colección de tipos y recursos que forman una unidad lógica de funcionalidad y que se compilan para trabajar conjuntamente.</a:t>
+              <a:t>La herencia, junto con la encapsulación y el polimorfismo, es una de las tres características principales (o </a:t>
+            </a:r>
+            <a:r>
+              <a:rPr lang="es-ES" i="1" dirty="0"/>
+              <a:t>pilares</a:t>
+            </a:r>
+            <a:r>
+              <a:rPr lang="es-ES" dirty="0"/>
+              <a:t>) de la programación orientada a objetos.</a:t>
             </a:r>
           </a:p>
           <a:p>
@@ -12768,23 +12556,7 @@
             <a:pPr algn="just"/>
             <a:r>
               <a:rPr lang="es-ES" dirty="0"/>
-              <a:t>Los ensamblados adoptan la forma de un archivo ejecutable (.</a:t>
-            </a:r>
-            <a:r>
-              <a:rPr lang="es-ES" dirty="0" err="1"/>
-              <a:t>exe</a:t>
-            </a:r>
-            <a:r>
-              <a:rPr lang="es-ES" dirty="0"/>
-              <a:t>) o un archivo de biblioteca de vínculos dinámicos (.</a:t>
-            </a:r>
-            <a:r>
-              <a:rPr lang="es-ES" dirty="0" err="1"/>
-              <a:t>dll</a:t>
-            </a:r>
-            <a:r>
-              <a:rPr lang="es-ES" dirty="0"/>
-              <a:t>).</a:t>
+              <a:t>La herencia permite crear nuevas clases que reutilizan, extienden y modifican el comportamiento que se define en otras clases.</a:t>
             </a:r>
           </a:p>
           <a:p>
@@ -12795,12 +12567,70 @@
             <a:pPr algn="just"/>
             <a:r>
               <a:rPr lang="es-ES" dirty="0"/>
-              <a:t>Proporcionan al CLR la información que necesita para estar al corriente de las implementaciones de tipos.</a:t>
+              <a:t>La clase cuyos miembros se heredan se denomina </a:t>
+            </a:r>
+            <a:r>
+              <a:rPr lang="es-ES" b="1" dirty="0"/>
+              <a:t>clase base</a:t>
+            </a:r>
+            <a:r>
+              <a:rPr lang="es-ES" dirty="0"/>
+              <a:t> y la clase que hereda esos miembros se denomina </a:t>
+            </a:r>
+            <a:r>
+              <a:rPr lang="es-ES" b="1" dirty="0"/>
+              <a:t>clase derivada</a:t>
+            </a:r>
+            <a:r>
+              <a:rPr lang="es-ES" dirty="0"/>
+              <a:t>.</a:t>
             </a:r>
           </a:p>
           <a:p>
             <a:pPr algn="just"/>
             <a:endParaRPr lang="es-ES" dirty="0"/>
+          </a:p>
+          <a:p>
+            <a:pPr algn="just"/>
+            <a:r>
+              <a:rPr lang="es-ES" dirty="0"/>
+              <a:t>Conceptualmente, una clase derivada es una especialización de la clase base. </a:t>
+            </a:r>
+          </a:p>
+          <a:p>
+            <a:pPr algn="just"/>
+            <a:endParaRPr lang="es-ES" dirty="0"/>
+          </a:p>
+          <a:p>
+            <a:pPr algn="just"/>
+            <a:r>
+              <a:rPr lang="es-ES" dirty="0"/>
+              <a:t>Por ejemplo, si existe una clase base Animal, puede tener una clase derivada denominada </a:t>
+            </a:r>
+            <a:r>
+              <a:rPr lang="es-ES" dirty="0" err="1"/>
+              <a:t>Mamiferos</a:t>
+            </a:r>
+            <a:r>
+              <a:rPr lang="es-ES" dirty="0"/>
+              <a:t>. Se dice entonces que </a:t>
+            </a:r>
+            <a:r>
+              <a:rPr lang="es-ES" dirty="0" err="1"/>
+              <a:t>Mamiferos</a:t>
+            </a:r>
+            <a:r>
+              <a:rPr lang="es-ES" dirty="0"/>
+              <a:t> es Animal, pero la clase derivada representa una </a:t>
+            </a:r>
+            <a:r>
+              <a:rPr lang="es-ES" b="1" dirty="0"/>
+              <a:t>especialización</a:t>
+            </a:r>
+            <a:r>
+              <a:rPr lang="es-ES" dirty="0"/>
+              <a:t> diferente de la clase base.</a:t>
+            </a:r>
           </a:p>
         </p:txBody>
       </p:sp>
@@ -12816,7 +12646,7 @@
         </p:nvSpPr>
         <p:spPr>
           <a:xfrm>
-            <a:off x="457200" y="197768"/>
+            <a:off x="457200" y="116632"/>
             <a:ext cx="8229600" cy="1143000"/>
           </a:xfrm>
         </p:spPr>
@@ -12826,15 +12656,7 @@
           <a:p>
             <a:r>
               <a:rPr lang="es-ES" dirty="0"/>
-              <a:t>Ensamblados (</a:t>
-            </a:r>
-            <a:r>
-              <a:rPr lang="es-ES" dirty="0" err="1"/>
-              <a:t>assemblies</a:t>
-            </a:r>
-            <a:r>
-              <a:rPr lang="es-ES" dirty="0"/>
-              <a:t>)</a:t>
+              <a:t>Herencia</a:t>
             </a:r>
           </a:p>
         </p:txBody>
@@ -12842,7 +12664,7 @@
     </p:spTree>
     <p:extLst>
       <p:ext uri="{BB962C8B-B14F-4D97-AF65-F5344CB8AC3E}">
-        <p14:creationId xmlns:p14="http://schemas.microsoft.com/office/powerpoint/2010/main" val="3849303868"/>
+        <p14:creationId xmlns:p14="http://schemas.microsoft.com/office/powerpoint/2010/main" val="1884772731"/>
       </p:ext>
     </p:extLst>
   </p:cSld>
@@ -12881,56 +12703,27 @@
         </p:nvSpPr>
         <p:spPr>
           <a:xfrm>
-            <a:off x="457200" y="1268760"/>
-            <a:ext cx="8229600" cy="4968552"/>
+            <a:off x="457200" y="404664"/>
+            <a:ext cx="8229600" cy="6120680"/>
           </a:xfrm>
         </p:spPr>
         <p:txBody>
           <a:bodyPr>
-            <a:normAutofit fontScale="70000" lnSpcReduction="20000"/>
+            <a:normAutofit/>
           </a:bodyPr>
           <a:lstStyle/>
           <a:p>
             <a:pPr algn="just"/>
             <a:r>
               <a:rPr lang="es-ES" dirty="0"/>
-              <a:t>Es la forma en la cuál se crean conjuntos de enumeración.</a:t>
-            </a:r>
-          </a:p>
-          <a:p>
-            <a:pPr algn="just"/>
-            <a:endParaRPr lang="es-ES" dirty="0"/>
-          </a:p>
-          <a:p>
-            <a:pPr algn="just"/>
-            <a:r>
-              <a:rPr lang="es-ES" dirty="0"/>
-              <a:t>Este tipo, de acuerdo a lo visto anteriormente, es una estructura donde cada uno de los miembros son campos públicos constantes.</a:t>
-            </a:r>
-          </a:p>
-          <a:p>
-            <a:pPr algn="just"/>
-            <a:endParaRPr lang="es-ES" dirty="0"/>
-          </a:p>
-          <a:p>
-            <a:pPr algn="just"/>
-            <a:r>
-              <a:rPr lang="es-ES" dirty="0"/>
-              <a:t>Como principal ventaja, desde el punto de vista del lenguaje, se dice que facilitan principalmente la lectura del código.</a:t>
-            </a:r>
-          </a:p>
-          <a:p>
-            <a:pPr algn="just"/>
-            <a:endParaRPr lang="es-ES" dirty="0"/>
+              <a:t>La sintaxis para trabajar con Herencia en C# es la siguiente:</a:t>
+            </a:r>
           </a:p>
           <a:p>
             <a:pPr algn="just">
               <a:buNone/>
             </a:pPr>
-            <a:r>
-              <a:rPr lang="es-ES" dirty="0"/>
-              <a:t>	Ejemplo:</a:t>
-            </a:r>
+            <a:endParaRPr lang="es-ES" dirty="0"/>
           </a:p>
           <a:p>
             <a:pPr algn="just">
@@ -12941,33 +12734,40 @@
               <a:t>	</a:t>
             </a:r>
             <a:r>
-              <a:rPr lang="es-ES" dirty="0" err="1"/>
-              <a:t>public</a:t>
-            </a:r>
-            <a:r>
-              <a:rPr lang="es-ES" dirty="0"/>
-              <a:t> </a:t>
-            </a:r>
-            <a:r>
-              <a:rPr lang="es-ES" dirty="0" err="1"/>
-              <a:t>enum</a:t>
-            </a:r>
-            <a:r>
-              <a:rPr lang="es-ES" dirty="0"/>
-              <a:t> </a:t>
-            </a:r>
-            <a:r>
-              <a:rPr lang="es-ES" dirty="0" err="1"/>
-              <a:t>ColoresPrimarios</a:t>
-            </a:r>
-            <a:endParaRPr lang="es-ES" dirty="0"/>
+              <a:rPr lang="es-ES" sz="2000" dirty="0"/>
+              <a:t>&lt;</a:t>
+            </a:r>
+            <a:r>
+              <a:rPr lang="es-ES" sz="2000" dirty="0" err="1"/>
+              <a:t>modificadorDeAcceso</a:t>
+            </a:r>
+            <a:r>
+              <a:rPr lang="es-ES" sz="2000" dirty="0"/>
+              <a:t>&gt; </a:t>
+            </a:r>
+            <a:r>
+              <a:rPr lang="es-ES" sz="2000" dirty="0" err="1"/>
+              <a:t>class</a:t>
+            </a:r>
+            <a:r>
+              <a:rPr lang="es-ES" sz="2000" dirty="0"/>
+              <a:t> &lt;nombre&gt; </a:t>
+            </a:r>
+            <a:r>
+              <a:rPr lang="es-ES" sz="2000" dirty="0">
+                <a:solidFill>
+                  <a:srgbClr val="FF0000"/>
+                </a:solidFill>
+              </a:rPr>
+              <a:t>: &lt;superclase&gt;</a:t>
+            </a:r>
           </a:p>
           <a:p>
             <a:pPr algn="just">
               <a:buNone/>
             </a:pPr>
             <a:r>
-              <a:rPr lang="es-ES" dirty="0"/>
+              <a:rPr lang="es-ES" sz="2000" dirty="0"/>
               <a:t>	{</a:t>
             </a:r>
           </a:p>
@@ -12976,8 +12776,8 @@
               <a:buNone/>
             </a:pPr>
             <a:r>
-              <a:rPr lang="es-ES" dirty="0"/>
-              <a:t>		Amarillo = 156,</a:t>
+              <a:rPr lang="es-ES" sz="2000" dirty="0"/>
+              <a:t>		 &lt;miembro&gt;</a:t>
             </a:r>
           </a:p>
           <a:p>
@@ -12985,8 +12785,8 @@
               <a:buNone/>
             </a:pPr>
             <a:r>
-              <a:rPr lang="es-ES" dirty="0"/>
-              <a:t>		Rojo = 264</a:t>
+              <a:rPr lang="es-ES" sz="2000" dirty="0"/>
+              <a:t>		 &lt;miembro&gt;</a:t>
             </a:r>
           </a:p>
           <a:p>
@@ -12994,8 +12794,8 @@
               <a:buNone/>
             </a:pPr>
             <a:r>
-              <a:rPr lang="es-ES" dirty="0"/>
-              <a:t>		Azul = 36</a:t>
+              <a:rPr lang="es-ES" sz="2000" dirty="0"/>
+              <a:t>		 &lt;miembro&gt;</a:t>
             </a:r>
           </a:p>
           <a:p>
@@ -13003,35 +12803,8 @@
               <a:buNone/>
             </a:pPr>
             <a:r>
-              <a:rPr lang="es-ES" dirty="0"/>
+              <a:rPr lang="es-ES" sz="2000" dirty="0"/>
               <a:t>	}</a:t>
-            </a:r>
-          </a:p>
-        </p:txBody>
-      </p:sp>
-      <p:sp>
-        <p:nvSpPr>
-          <p:cNvPr id="2" name="1 Título"/>
-          <p:cNvSpPr>
-            <a:spLocks noGrp="1"/>
-          </p:cNvSpPr>
-          <p:nvPr>
-            <p:ph type="title"/>
-          </p:nvPr>
-        </p:nvSpPr>
-        <p:spPr>
-          <a:xfrm>
-            <a:off x="457200" y="116632"/>
-            <a:ext cx="8229600" cy="1143000"/>
-          </a:xfrm>
-        </p:spPr>
-        <p:txBody>
-          <a:bodyPr/>
-          <a:lstStyle/>
-          <a:p>
-            <a:r>
-              <a:rPr lang="es-ES" dirty="0"/>
-              <a:t>Enumeradores</a:t>
             </a:r>
           </a:p>
         </p:txBody>
@@ -13039,7 +12812,7 @@
     </p:spTree>
     <p:extLst>
       <p:ext uri="{BB962C8B-B14F-4D97-AF65-F5344CB8AC3E}">
-        <p14:creationId xmlns:p14="http://schemas.microsoft.com/office/powerpoint/2010/main" val="3881945519"/>
+        <p14:creationId xmlns:p14="http://schemas.microsoft.com/office/powerpoint/2010/main" val="2831099179"/>
       </p:ext>
     </p:extLst>
   </p:cSld>
@@ -13078,187 +12851,8 @@
         </p:nvSpPr>
         <p:spPr>
           <a:xfrm>
-            <a:off x="457200" y="1196752"/>
-            <a:ext cx="8229600" cy="5328592"/>
-          </a:xfrm>
-        </p:spPr>
-        <p:txBody>
-          <a:bodyPr>
-            <a:normAutofit fontScale="70000" lnSpcReduction="20000"/>
-          </a:bodyPr>
-          <a:lstStyle/>
-          <a:p>
-            <a:pPr algn="just"/>
-            <a:r>
-              <a:rPr lang="es-ES" dirty="0"/>
-              <a:t>La herencia, junto con la encapsulación y el polimorfismo, es una de las tres características principales (o </a:t>
-            </a:r>
-            <a:r>
-              <a:rPr lang="es-ES" i="1" dirty="0"/>
-              <a:t>pilares</a:t>
-            </a:r>
-            <a:r>
-              <a:rPr lang="es-ES" dirty="0"/>
-              <a:t>) de la programación orientada a objetos.</a:t>
-            </a:r>
-          </a:p>
-          <a:p>
-            <a:pPr algn="just"/>
-            <a:endParaRPr lang="es-ES" dirty="0"/>
-          </a:p>
-          <a:p>
-            <a:pPr algn="just"/>
-            <a:r>
-              <a:rPr lang="es-ES" dirty="0"/>
-              <a:t>La herencia permite crear nuevas clases que reutilizan, extienden y modifican el comportamiento que se define en otras clases.</a:t>
-            </a:r>
-          </a:p>
-          <a:p>
-            <a:pPr algn="just"/>
-            <a:endParaRPr lang="es-ES" dirty="0"/>
-          </a:p>
-          <a:p>
-            <a:pPr algn="just"/>
-            <a:r>
-              <a:rPr lang="es-ES" dirty="0"/>
-              <a:t>La clase cuyos miembros se heredan se denomina </a:t>
-            </a:r>
-            <a:r>
-              <a:rPr lang="es-ES" b="1" dirty="0"/>
-              <a:t>clase base</a:t>
-            </a:r>
-            <a:r>
-              <a:rPr lang="es-ES" dirty="0"/>
-              <a:t> y la clase que hereda esos miembros se denomina </a:t>
-            </a:r>
-            <a:r>
-              <a:rPr lang="es-ES" b="1" dirty="0"/>
-              <a:t>clase derivada</a:t>
-            </a:r>
-            <a:r>
-              <a:rPr lang="es-ES" dirty="0"/>
-              <a:t>.</a:t>
-            </a:r>
-          </a:p>
-          <a:p>
-            <a:pPr algn="just"/>
-            <a:endParaRPr lang="es-ES" dirty="0"/>
-          </a:p>
-          <a:p>
-            <a:pPr algn="just"/>
-            <a:r>
-              <a:rPr lang="es-ES" dirty="0"/>
-              <a:t>Conceptualmente, una clase derivada es una especialización de la clase base. </a:t>
-            </a:r>
-          </a:p>
-          <a:p>
-            <a:pPr algn="just"/>
-            <a:endParaRPr lang="es-ES" dirty="0"/>
-          </a:p>
-          <a:p>
-            <a:pPr algn="just"/>
-            <a:r>
-              <a:rPr lang="es-ES" dirty="0"/>
-              <a:t>Por ejemplo, si existe una clase base Animal, puede tener una clase derivada denominada </a:t>
-            </a:r>
-            <a:r>
-              <a:rPr lang="es-ES" dirty="0" err="1"/>
-              <a:t>Mamiferos</a:t>
-            </a:r>
-            <a:r>
-              <a:rPr lang="es-ES" dirty="0"/>
-              <a:t>. Se dice entonces que </a:t>
-            </a:r>
-            <a:r>
-              <a:rPr lang="es-ES" dirty="0" err="1"/>
-              <a:t>Mamiferos</a:t>
-            </a:r>
-            <a:r>
-              <a:rPr lang="es-ES" dirty="0"/>
-              <a:t> es Animal, pero la clase derivada representa una </a:t>
-            </a:r>
-            <a:r>
-              <a:rPr lang="es-ES" b="1" dirty="0"/>
-              <a:t>especialización</a:t>
-            </a:r>
-            <a:r>
-              <a:rPr lang="es-ES" dirty="0"/>
-              <a:t> diferente de la clase base.</a:t>
-            </a:r>
-          </a:p>
-        </p:txBody>
-      </p:sp>
-      <p:sp>
-        <p:nvSpPr>
-          <p:cNvPr id="2" name="1 Título"/>
-          <p:cNvSpPr>
-            <a:spLocks noGrp="1"/>
-          </p:cNvSpPr>
-          <p:nvPr>
-            <p:ph type="title"/>
-          </p:nvPr>
-        </p:nvSpPr>
-        <p:spPr>
-          <a:xfrm>
-            <a:off x="457200" y="116632"/>
-            <a:ext cx="8229600" cy="1143000"/>
-          </a:xfrm>
-        </p:spPr>
-        <p:txBody>
-          <a:bodyPr/>
-          <a:lstStyle/>
-          <a:p>
-            <a:r>
-              <a:rPr lang="es-ES" dirty="0"/>
-              <a:t>Herencia</a:t>
-            </a:r>
-          </a:p>
-        </p:txBody>
-      </p:sp>
-    </p:spTree>
-    <p:extLst>
-      <p:ext uri="{BB962C8B-B14F-4D97-AF65-F5344CB8AC3E}">
-        <p14:creationId xmlns:p14="http://schemas.microsoft.com/office/powerpoint/2010/main" val="1884772731"/>
-      </p:ext>
-    </p:extLst>
-  </p:cSld>
-  <p:clrMapOvr>
-    <a:masterClrMapping/>
-  </p:clrMapOvr>
-</p:sld>
-</file>
-
-<file path=ppt/slides/slide3.xml><?xml version="1.0" encoding="utf-8"?>
-<p:sld xmlns:a="http://schemas.openxmlformats.org/drawingml/2006/main" xmlns:r="http://schemas.openxmlformats.org/officeDocument/2006/relationships" xmlns:p="http://schemas.openxmlformats.org/presentationml/2006/main">
-  <p:cSld>
-    <p:spTree>
-      <p:nvGrpSpPr>
-        <p:cNvPr id="1" name=""/>
-        <p:cNvGrpSpPr/>
-        <p:nvPr/>
-      </p:nvGrpSpPr>
-      <p:grpSpPr>
-        <a:xfrm>
-          <a:off x="0" y="0"/>
-          <a:ext cx="0" cy="0"/>
-          <a:chOff x="0" y="0"/>
-          <a:chExt cx="0" cy="0"/>
-        </a:xfrm>
-      </p:grpSpPr>
-      <p:sp>
-        <p:nvSpPr>
-          <p:cNvPr id="3" name="2 Marcador de contenido"/>
-          <p:cNvSpPr>
-            <a:spLocks noGrp="1"/>
-          </p:cNvSpPr>
-          <p:nvPr>
-            <p:ph idx="1"/>
-          </p:nvPr>
-        </p:nvSpPr>
-        <p:spPr>
-          <a:xfrm>
-            <a:off x="457200" y="1412776"/>
-            <a:ext cx="8229600" cy="4594515"/>
+            <a:off x="457200" y="404664"/>
+            <a:ext cx="8229600" cy="5760640"/>
           </a:xfrm>
         </p:spPr>
         <p:txBody>
@@ -13267,2476 +12861,11 @@
           </a:bodyPr>
           <a:lstStyle/>
           <a:p>
-            <a:pPr lvl="1"/>
-            <a:endParaRPr lang="es-ES" dirty="0"/>
-          </a:p>
-          <a:p>
-            <a:endParaRPr lang="es-ES" dirty="0"/>
-          </a:p>
-        </p:txBody>
-      </p:sp>
-      <p:sp>
-        <p:nvSpPr>
-          <p:cNvPr id="2" name="1 Título"/>
-          <p:cNvSpPr>
-            <a:spLocks noGrp="1"/>
-          </p:cNvSpPr>
-          <p:nvPr>
-            <p:ph type="title"/>
-          </p:nvPr>
-        </p:nvSpPr>
-        <p:spPr/>
-        <p:txBody>
-          <a:bodyPr>
-            <a:normAutofit fontScale="90000"/>
-          </a:bodyPr>
-          <a:lstStyle/>
-          <a:p>
-            <a:r>
-              <a:rPr lang="es-ES" dirty="0"/>
-              <a:t>Repasemos la utilidad de las clases</a:t>
-            </a:r>
-          </a:p>
-        </p:txBody>
-      </p:sp>
-      <p:sp>
-        <p:nvSpPr>
-          <p:cNvPr id="24" name="23 Rectángulo redondeado"/>
-          <p:cNvSpPr/>
-          <p:nvPr/>
-        </p:nvSpPr>
-        <p:spPr>
-          <a:xfrm>
-            <a:off x="755576" y="1916832"/>
-            <a:ext cx="3024336" cy="2304256"/>
-          </a:xfrm>
-          <a:prstGeom prst="roundRect">
-            <a:avLst/>
-          </a:prstGeom>
-        </p:spPr>
-        <p:style>
-          <a:lnRef idx="2">
-            <a:schemeClr val="accent1">
-              <a:shade val="50000"/>
-            </a:schemeClr>
-          </a:lnRef>
-          <a:fillRef idx="1">
-            <a:schemeClr val="accent1"/>
-          </a:fillRef>
-          <a:effectRef idx="0">
-            <a:schemeClr val="accent1"/>
-          </a:effectRef>
-          <a:fontRef idx="minor">
-            <a:schemeClr val="lt1"/>
-          </a:fontRef>
-        </p:style>
-        <p:txBody>
-          <a:bodyPr rtlCol="0" anchor="t"/>
-          <a:lstStyle/>
-          <a:p>
-            <a:pPr algn="ctr"/>
-            <a:r>
-              <a:rPr lang="es-ES" sz="1400" dirty="0"/>
-              <a:t>Caja de ahorro</a:t>
-            </a:r>
-          </a:p>
-        </p:txBody>
-      </p:sp>
-      <p:sp>
-        <p:nvSpPr>
-          <p:cNvPr id="25" name="24 Elipse"/>
-          <p:cNvSpPr/>
-          <p:nvPr/>
-        </p:nvSpPr>
-        <p:spPr>
-          <a:xfrm>
-            <a:off x="899592" y="2420888"/>
-            <a:ext cx="1080120" cy="720080"/>
-          </a:xfrm>
-          <a:prstGeom prst="ellipse">
-            <a:avLst/>
-          </a:prstGeom>
-        </p:spPr>
-        <p:style>
-          <a:lnRef idx="2">
-            <a:schemeClr val="accent1">
-              <a:shade val="50000"/>
-            </a:schemeClr>
-          </a:lnRef>
-          <a:fillRef idx="1">
-            <a:schemeClr val="accent1"/>
-          </a:fillRef>
-          <a:effectRef idx="0">
-            <a:schemeClr val="accent1"/>
-          </a:effectRef>
-          <a:fontRef idx="minor">
-            <a:schemeClr val="lt1"/>
-          </a:fontRef>
-        </p:style>
-        <p:txBody>
-          <a:bodyPr rtlCol="0" anchor="ctr"/>
-          <a:lstStyle/>
-          <a:p>
-            <a:pPr algn="ctr"/>
-            <a:r>
-              <a:rPr lang="es-ES" sz="1400" dirty="0"/>
-              <a:t>saldo</a:t>
-            </a:r>
-          </a:p>
-          <a:p>
-            <a:pPr algn="ctr"/>
-            <a:r>
-              <a:rPr lang="es-ES" sz="1400" dirty="0"/>
-              <a:t>1500</a:t>
-            </a:r>
-          </a:p>
-        </p:txBody>
-      </p:sp>
-      <p:sp>
-        <p:nvSpPr>
-          <p:cNvPr id="26" name="25 Elipse"/>
-          <p:cNvSpPr/>
-          <p:nvPr/>
-        </p:nvSpPr>
-        <p:spPr>
-          <a:xfrm>
-            <a:off x="2267744" y="2420888"/>
-            <a:ext cx="1080120" cy="720080"/>
-          </a:xfrm>
-          <a:prstGeom prst="ellipse">
-            <a:avLst/>
-          </a:prstGeom>
-        </p:spPr>
-        <p:style>
-          <a:lnRef idx="2">
-            <a:schemeClr val="accent1">
-              <a:shade val="50000"/>
-            </a:schemeClr>
-          </a:lnRef>
-          <a:fillRef idx="1">
-            <a:schemeClr val="accent1"/>
-          </a:fillRef>
-          <a:effectRef idx="0">
-            <a:schemeClr val="accent1"/>
-          </a:effectRef>
-          <a:fontRef idx="minor">
-            <a:schemeClr val="lt1"/>
-          </a:fontRef>
-        </p:style>
-        <p:txBody>
-          <a:bodyPr rtlCol="0" anchor="ctr"/>
-          <a:lstStyle/>
-          <a:p>
-            <a:pPr algn="ctr"/>
-            <a:r>
-              <a:rPr lang="es-ES" sz="1400" dirty="0"/>
-              <a:t>titular</a:t>
-            </a:r>
-          </a:p>
-        </p:txBody>
-      </p:sp>
-      <p:cxnSp>
-        <p:nvCxnSpPr>
-          <p:cNvPr id="27" name="26 Conector recto de flecha"/>
-          <p:cNvCxnSpPr>
-            <a:stCxn id="26" idx="6"/>
-          </p:cNvCxnSpPr>
-          <p:nvPr/>
-        </p:nvCxnSpPr>
-        <p:spPr>
-          <a:xfrm flipV="1">
-            <a:off x="3347864" y="2420888"/>
-            <a:ext cx="2160240" cy="360040"/>
-          </a:xfrm>
-          <a:prstGeom prst="straightConnector1">
-            <a:avLst/>
-          </a:prstGeom>
-          <a:ln>
-            <a:tailEnd type="arrow"/>
-          </a:ln>
-        </p:spPr>
-        <p:style>
-          <a:lnRef idx="2">
-            <a:schemeClr val="dk1"/>
-          </a:lnRef>
-          <a:fillRef idx="0">
-            <a:schemeClr val="dk1"/>
-          </a:fillRef>
-          <a:effectRef idx="1">
-            <a:schemeClr val="dk1"/>
-          </a:effectRef>
-          <a:fontRef idx="minor">
-            <a:schemeClr val="tx1"/>
-          </a:fontRef>
-        </p:style>
-      </p:cxnSp>
-      <p:sp>
-        <p:nvSpPr>
-          <p:cNvPr id="28" name="27 Rectángulo redondeado"/>
-          <p:cNvSpPr/>
-          <p:nvPr/>
-        </p:nvSpPr>
-        <p:spPr>
-          <a:xfrm>
-            <a:off x="5508104" y="1700808"/>
-            <a:ext cx="2952328" cy="1368152"/>
-          </a:xfrm>
-          <a:prstGeom prst="roundRect">
-            <a:avLst/>
-          </a:prstGeom>
-        </p:spPr>
-        <p:style>
-          <a:lnRef idx="2">
-            <a:schemeClr val="accent1">
-              <a:shade val="50000"/>
-            </a:schemeClr>
-          </a:lnRef>
-          <a:fillRef idx="1">
-            <a:schemeClr val="accent1"/>
-          </a:fillRef>
-          <a:effectRef idx="0">
-            <a:schemeClr val="accent1"/>
-          </a:effectRef>
-          <a:fontRef idx="minor">
-            <a:schemeClr val="lt1"/>
-          </a:fontRef>
-        </p:style>
-        <p:txBody>
-          <a:bodyPr rtlCol="0" anchor="t"/>
-          <a:lstStyle/>
-          <a:p>
-            <a:pPr algn="ctr"/>
-            <a:r>
-              <a:rPr lang="es-ES" sz="1400" dirty="0"/>
-              <a:t>Persona</a:t>
-            </a:r>
-          </a:p>
-        </p:txBody>
-      </p:sp>
-      <p:sp>
-        <p:nvSpPr>
-          <p:cNvPr id="29" name="28 Elipse"/>
-          <p:cNvSpPr/>
-          <p:nvPr/>
-        </p:nvSpPr>
-        <p:spPr>
-          <a:xfrm>
-            <a:off x="5580112" y="2132856"/>
-            <a:ext cx="1368152" cy="864096"/>
-          </a:xfrm>
-          <a:prstGeom prst="ellipse">
-            <a:avLst/>
-          </a:prstGeom>
-        </p:spPr>
-        <p:style>
-          <a:lnRef idx="2">
-            <a:schemeClr val="accent1">
-              <a:shade val="50000"/>
-            </a:schemeClr>
-          </a:lnRef>
-          <a:fillRef idx="1">
-            <a:schemeClr val="accent1"/>
-          </a:fillRef>
-          <a:effectRef idx="0">
-            <a:schemeClr val="accent1"/>
-          </a:effectRef>
-          <a:fontRef idx="minor">
-            <a:schemeClr val="lt1"/>
-          </a:fontRef>
-        </p:style>
-        <p:txBody>
-          <a:bodyPr rtlCol="0" anchor="ctr"/>
-          <a:lstStyle/>
-          <a:p>
-            <a:pPr algn="ctr"/>
-            <a:r>
-              <a:rPr lang="es-ES" sz="1400" dirty="0"/>
-              <a:t>nombre</a:t>
-            </a:r>
-          </a:p>
-          <a:p>
-            <a:pPr algn="ctr"/>
-            <a:r>
-              <a:rPr lang="es-ES" sz="1400" dirty="0"/>
-              <a:t>Pedro</a:t>
-            </a:r>
-          </a:p>
-        </p:txBody>
-      </p:sp>
-      <p:sp>
-        <p:nvSpPr>
-          <p:cNvPr id="30" name="29 Elipse"/>
-          <p:cNvSpPr/>
-          <p:nvPr/>
-        </p:nvSpPr>
-        <p:spPr>
-          <a:xfrm>
-            <a:off x="7020272" y="2132856"/>
-            <a:ext cx="1368152" cy="864096"/>
-          </a:xfrm>
-          <a:prstGeom prst="ellipse">
-            <a:avLst/>
-          </a:prstGeom>
-        </p:spPr>
-        <p:style>
-          <a:lnRef idx="2">
-            <a:schemeClr val="accent1">
-              <a:shade val="50000"/>
-            </a:schemeClr>
-          </a:lnRef>
-          <a:fillRef idx="1">
-            <a:schemeClr val="accent1"/>
-          </a:fillRef>
-          <a:effectRef idx="0">
-            <a:schemeClr val="accent1"/>
-          </a:effectRef>
-          <a:fontRef idx="minor">
-            <a:schemeClr val="lt1"/>
-          </a:fontRef>
-        </p:style>
-        <p:txBody>
-          <a:bodyPr rtlCol="0" anchor="ctr"/>
-          <a:lstStyle/>
-          <a:p>
-            <a:pPr algn="ctr"/>
-            <a:endParaRPr lang="es-ES" sz="1200" dirty="0"/>
-          </a:p>
-        </p:txBody>
-      </p:sp>
-      <p:sp>
-        <p:nvSpPr>
-          <p:cNvPr id="31" name="30 CuadroTexto"/>
-          <p:cNvSpPr txBox="1"/>
-          <p:nvPr/>
-        </p:nvSpPr>
-        <p:spPr>
-          <a:xfrm>
-            <a:off x="7020272" y="2329135"/>
-            <a:ext cx="1351652" cy="307777"/>
-          </a:xfrm>
-          <a:prstGeom prst="rect">
-            <a:avLst/>
-          </a:prstGeom>
-          <a:noFill/>
-        </p:spPr>
-        <p:txBody>
-          <a:bodyPr wrap="none" rtlCol="0">
-            <a:spAutoFit/>
-          </a:bodyPr>
-          <a:lstStyle/>
-          <a:p>
-            <a:r>
-              <a:rPr lang="es-ES" sz="1400" dirty="0">
-                <a:solidFill>
-                  <a:schemeClr val="bg1"/>
-                </a:solidFill>
-              </a:rPr>
-              <a:t>identificación</a:t>
-            </a:r>
-          </a:p>
-        </p:txBody>
-      </p:sp>
-      <p:sp>
-        <p:nvSpPr>
-          <p:cNvPr id="32" name="31 CuadroTexto"/>
-          <p:cNvSpPr txBox="1"/>
-          <p:nvPr/>
-        </p:nvSpPr>
-        <p:spPr>
-          <a:xfrm>
-            <a:off x="7109034" y="2617167"/>
-            <a:ext cx="1207382" cy="307777"/>
-          </a:xfrm>
-          <a:prstGeom prst="rect">
-            <a:avLst/>
-          </a:prstGeom>
-          <a:noFill/>
-        </p:spPr>
-        <p:txBody>
-          <a:bodyPr wrap="none" rtlCol="0">
-            <a:spAutoFit/>
-          </a:bodyPr>
-          <a:lstStyle/>
-          <a:p>
-            <a:r>
-              <a:rPr lang="es-ES" sz="1400" dirty="0">
-                <a:solidFill>
-                  <a:schemeClr val="bg1"/>
-                </a:solidFill>
-              </a:rPr>
-              <a:t>41.567.321</a:t>
-            </a:r>
-          </a:p>
-        </p:txBody>
-      </p:sp>
-      <p:sp>
-        <p:nvSpPr>
-          <p:cNvPr id="34" name="33 Elipse"/>
-          <p:cNvSpPr/>
-          <p:nvPr/>
-        </p:nvSpPr>
-        <p:spPr>
-          <a:xfrm>
-            <a:off x="899592" y="3284984"/>
-            <a:ext cx="1224136" cy="864096"/>
-          </a:xfrm>
-          <a:prstGeom prst="ellipse">
-            <a:avLst/>
-          </a:prstGeom>
-        </p:spPr>
-        <p:style>
-          <a:lnRef idx="2">
-            <a:schemeClr val="accent1">
-              <a:shade val="50000"/>
-            </a:schemeClr>
-          </a:lnRef>
-          <a:fillRef idx="1">
-            <a:schemeClr val="accent1"/>
-          </a:fillRef>
-          <a:effectRef idx="0">
-            <a:schemeClr val="accent1"/>
-          </a:effectRef>
-          <a:fontRef idx="minor">
-            <a:schemeClr val="lt1"/>
-          </a:fontRef>
-        </p:style>
-        <p:txBody>
-          <a:bodyPr rtlCol="0" anchor="ctr"/>
-          <a:lstStyle/>
-          <a:p>
-            <a:pPr algn="ctr"/>
-            <a:r>
-              <a:rPr lang="es-ES" sz="1400" dirty="0"/>
-              <a:t>movimiento</a:t>
-            </a:r>
-          </a:p>
-        </p:txBody>
-      </p:sp>
-      <p:sp>
-        <p:nvSpPr>
-          <p:cNvPr id="36" name="35 Elipse"/>
-          <p:cNvSpPr/>
-          <p:nvPr/>
-        </p:nvSpPr>
-        <p:spPr>
-          <a:xfrm>
-            <a:off x="1043608" y="3284984"/>
-            <a:ext cx="1224136" cy="864096"/>
-          </a:xfrm>
-          <a:prstGeom prst="ellipse">
-            <a:avLst/>
-          </a:prstGeom>
-        </p:spPr>
-        <p:style>
-          <a:lnRef idx="2">
-            <a:schemeClr val="accent1">
-              <a:shade val="50000"/>
-            </a:schemeClr>
-          </a:lnRef>
-          <a:fillRef idx="1">
-            <a:schemeClr val="accent1"/>
-          </a:fillRef>
-          <a:effectRef idx="0">
-            <a:schemeClr val="accent1"/>
-          </a:effectRef>
-          <a:fontRef idx="minor">
-            <a:schemeClr val="lt1"/>
-          </a:fontRef>
-        </p:style>
-        <p:txBody>
-          <a:bodyPr rtlCol="0" anchor="ctr"/>
-          <a:lstStyle/>
-          <a:p>
-            <a:pPr algn="ctr"/>
-            <a:r>
-              <a:rPr lang="es-ES" sz="1400" dirty="0"/>
-              <a:t>movimiento</a:t>
-            </a:r>
-          </a:p>
-        </p:txBody>
-      </p:sp>
-      <p:sp>
-        <p:nvSpPr>
-          <p:cNvPr id="37" name="36 Elipse"/>
-          <p:cNvSpPr/>
-          <p:nvPr/>
-        </p:nvSpPr>
-        <p:spPr>
-          <a:xfrm>
-            <a:off x="1187624" y="3284984"/>
-            <a:ext cx="1224136" cy="864096"/>
-          </a:xfrm>
-          <a:prstGeom prst="ellipse">
-            <a:avLst/>
-          </a:prstGeom>
-        </p:spPr>
-        <p:style>
-          <a:lnRef idx="2">
-            <a:schemeClr val="accent1">
-              <a:shade val="50000"/>
-            </a:schemeClr>
-          </a:lnRef>
-          <a:fillRef idx="1">
-            <a:schemeClr val="accent1"/>
-          </a:fillRef>
-          <a:effectRef idx="0">
-            <a:schemeClr val="accent1"/>
-          </a:effectRef>
-          <a:fontRef idx="minor">
-            <a:schemeClr val="lt1"/>
-          </a:fontRef>
-        </p:style>
-        <p:txBody>
-          <a:bodyPr rtlCol="0" anchor="ctr"/>
-          <a:lstStyle/>
-          <a:p>
-            <a:pPr algn="ctr"/>
-            <a:r>
-              <a:rPr lang="es-ES" sz="1400" dirty="0"/>
-              <a:t>movimiento</a:t>
-            </a:r>
-          </a:p>
-        </p:txBody>
-      </p:sp>
-      <p:sp>
-        <p:nvSpPr>
-          <p:cNvPr id="38" name="37 Elipse"/>
-          <p:cNvSpPr/>
-          <p:nvPr/>
-        </p:nvSpPr>
-        <p:spPr>
-          <a:xfrm>
-            <a:off x="1331640" y="3284984"/>
-            <a:ext cx="1224136" cy="864096"/>
-          </a:xfrm>
-          <a:prstGeom prst="ellipse">
-            <a:avLst/>
-          </a:prstGeom>
-        </p:spPr>
-        <p:style>
-          <a:lnRef idx="2">
-            <a:schemeClr val="accent1">
-              <a:shade val="50000"/>
-            </a:schemeClr>
-          </a:lnRef>
-          <a:fillRef idx="1">
-            <a:schemeClr val="accent1"/>
-          </a:fillRef>
-          <a:effectRef idx="0">
-            <a:schemeClr val="accent1"/>
-          </a:effectRef>
-          <a:fontRef idx="minor">
-            <a:schemeClr val="lt1"/>
-          </a:fontRef>
-        </p:style>
-        <p:txBody>
-          <a:bodyPr rtlCol="0" anchor="ctr"/>
-          <a:lstStyle/>
-          <a:p>
-            <a:pPr algn="ctr"/>
-            <a:r>
-              <a:rPr lang="es-ES" sz="1400" dirty="0"/>
-              <a:t>movimiento</a:t>
-            </a:r>
-          </a:p>
-        </p:txBody>
-      </p:sp>
-      <p:sp>
-        <p:nvSpPr>
-          <p:cNvPr id="39" name="38 Elipse"/>
-          <p:cNvSpPr/>
-          <p:nvPr/>
-        </p:nvSpPr>
-        <p:spPr>
-          <a:xfrm>
-            <a:off x="1475656" y="3284984"/>
-            <a:ext cx="1224136" cy="864096"/>
-          </a:xfrm>
-          <a:prstGeom prst="ellipse">
-            <a:avLst/>
-          </a:prstGeom>
-        </p:spPr>
-        <p:style>
-          <a:lnRef idx="2">
-            <a:schemeClr val="accent1">
-              <a:shade val="50000"/>
-            </a:schemeClr>
-          </a:lnRef>
-          <a:fillRef idx="1">
-            <a:schemeClr val="accent1"/>
-          </a:fillRef>
-          <a:effectRef idx="0">
-            <a:schemeClr val="accent1"/>
-          </a:effectRef>
-          <a:fontRef idx="minor">
-            <a:schemeClr val="lt1"/>
-          </a:fontRef>
-        </p:style>
-        <p:txBody>
-          <a:bodyPr rtlCol="0" anchor="ctr"/>
-          <a:lstStyle/>
-          <a:p>
-            <a:pPr algn="ctr"/>
-            <a:r>
-              <a:rPr lang="es-ES" sz="1400" dirty="0"/>
-              <a:t>movimiento</a:t>
-            </a:r>
-          </a:p>
-        </p:txBody>
-      </p:sp>
-      <p:sp>
-        <p:nvSpPr>
-          <p:cNvPr id="40" name="39 Elipse"/>
-          <p:cNvSpPr/>
-          <p:nvPr/>
-        </p:nvSpPr>
-        <p:spPr>
-          <a:xfrm>
-            <a:off x="1619672" y="3284984"/>
-            <a:ext cx="1224136" cy="864096"/>
-          </a:xfrm>
-          <a:prstGeom prst="ellipse">
-            <a:avLst/>
-          </a:prstGeom>
-        </p:spPr>
-        <p:style>
-          <a:lnRef idx="2">
-            <a:schemeClr val="accent1">
-              <a:shade val="50000"/>
-            </a:schemeClr>
-          </a:lnRef>
-          <a:fillRef idx="1">
-            <a:schemeClr val="accent1"/>
-          </a:fillRef>
-          <a:effectRef idx="0">
-            <a:schemeClr val="accent1"/>
-          </a:effectRef>
-          <a:fontRef idx="minor">
-            <a:schemeClr val="lt1"/>
-          </a:fontRef>
-        </p:style>
-        <p:txBody>
-          <a:bodyPr rtlCol="0" anchor="ctr"/>
-          <a:lstStyle/>
-          <a:p>
-            <a:pPr algn="ctr"/>
-            <a:r>
-              <a:rPr lang="es-ES" sz="1400" dirty="0"/>
-              <a:t>movimiento</a:t>
-            </a:r>
-          </a:p>
-        </p:txBody>
-      </p:sp>
-      <p:sp>
-        <p:nvSpPr>
-          <p:cNvPr id="41" name="40 Elipse"/>
-          <p:cNvSpPr/>
-          <p:nvPr/>
-        </p:nvSpPr>
-        <p:spPr>
-          <a:xfrm>
-            <a:off x="1763688" y="3284984"/>
-            <a:ext cx="1224136" cy="864096"/>
-          </a:xfrm>
-          <a:prstGeom prst="ellipse">
-            <a:avLst/>
-          </a:prstGeom>
-        </p:spPr>
-        <p:style>
-          <a:lnRef idx="2">
-            <a:schemeClr val="accent1">
-              <a:shade val="50000"/>
-            </a:schemeClr>
-          </a:lnRef>
-          <a:fillRef idx="1">
-            <a:schemeClr val="accent1"/>
-          </a:fillRef>
-          <a:effectRef idx="0">
-            <a:schemeClr val="accent1"/>
-          </a:effectRef>
-          <a:fontRef idx="minor">
-            <a:schemeClr val="lt1"/>
-          </a:fontRef>
-        </p:style>
-        <p:txBody>
-          <a:bodyPr rtlCol="0" anchor="ctr"/>
-          <a:lstStyle/>
-          <a:p>
-            <a:pPr algn="ctr"/>
-            <a:r>
-              <a:rPr lang="es-ES" sz="1400" dirty="0"/>
-              <a:t>movimiento</a:t>
-            </a:r>
-          </a:p>
-        </p:txBody>
-      </p:sp>
-      <p:sp>
-        <p:nvSpPr>
-          <p:cNvPr id="42" name="41 Elipse"/>
-          <p:cNvSpPr/>
-          <p:nvPr/>
-        </p:nvSpPr>
-        <p:spPr>
-          <a:xfrm>
-            <a:off x="1907704" y="3284984"/>
-            <a:ext cx="1224136" cy="864096"/>
-          </a:xfrm>
-          <a:prstGeom prst="ellipse">
-            <a:avLst/>
-          </a:prstGeom>
-        </p:spPr>
-        <p:style>
-          <a:lnRef idx="2">
-            <a:schemeClr val="accent1">
-              <a:shade val="50000"/>
-            </a:schemeClr>
-          </a:lnRef>
-          <a:fillRef idx="1">
-            <a:schemeClr val="accent1"/>
-          </a:fillRef>
-          <a:effectRef idx="0">
-            <a:schemeClr val="accent1"/>
-          </a:effectRef>
-          <a:fontRef idx="minor">
-            <a:schemeClr val="lt1"/>
-          </a:fontRef>
-        </p:style>
-        <p:txBody>
-          <a:bodyPr rtlCol="0" anchor="ctr"/>
-          <a:lstStyle/>
-          <a:p>
-            <a:pPr algn="ctr"/>
-            <a:r>
-              <a:rPr lang="es-ES" sz="1400" dirty="0"/>
-              <a:t>movimiento</a:t>
-            </a:r>
-          </a:p>
-        </p:txBody>
-      </p:sp>
-      <p:sp>
-        <p:nvSpPr>
-          <p:cNvPr id="43" name="42 Elipse"/>
-          <p:cNvSpPr/>
-          <p:nvPr/>
-        </p:nvSpPr>
-        <p:spPr>
-          <a:xfrm>
-            <a:off x="2051720" y="3284984"/>
-            <a:ext cx="1224136" cy="864096"/>
-          </a:xfrm>
-          <a:prstGeom prst="ellipse">
-            <a:avLst/>
-          </a:prstGeom>
-        </p:spPr>
-        <p:style>
-          <a:lnRef idx="2">
-            <a:schemeClr val="accent1">
-              <a:shade val="50000"/>
-            </a:schemeClr>
-          </a:lnRef>
-          <a:fillRef idx="1">
-            <a:schemeClr val="accent1"/>
-          </a:fillRef>
-          <a:effectRef idx="0">
-            <a:schemeClr val="accent1"/>
-          </a:effectRef>
-          <a:fontRef idx="minor">
-            <a:schemeClr val="lt1"/>
-          </a:fontRef>
-        </p:style>
-        <p:txBody>
-          <a:bodyPr rtlCol="0" anchor="ctr"/>
-          <a:lstStyle/>
-          <a:p>
-            <a:pPr algn="ctr"/>
-            <a:r>
-              <a:rPr lang="es-ES" sz="1400" dirty="0"/>
-              <a:t>movimiento</a:t>
-            </a:r>
-          </a:p>
-        </p:txBody>
-      </p:sp>
-      <p:sp>
-        <p:nvSpPr>
-          <p:cNvPr id="44" name="43 Elipse"/>
-          <p:cNvSpPr/>
-          <p:nvPr/>
-        </p:nvSpPr>
-        <p:spPr>
-          <a:xfrm>
-            <a:off x="2195736" y="3284984"/>
-            <a:ext cx="1224136" cy="864096"/>
-          </a:xfrm>
-          <a:prstGeom prst="ellipse">
-            <a:avLst/>
-          </a:prstGeom>
-        </p:spPr>
-        <p:style>
-          <a:lnRef idx="2">
-            <a:schemeClr val="accent1">
-              <a:shade val="50000"/>
-            </a:schemeClr>
-          </a:lnRef>
-          <a:fillRef idx="1">
-            <a:schemeClr val="accent1"/>
-          </a:fillRef>
-          <a:effectRef idx="0">
-            <a:schemeClr val="accent1"/>
-          </a:effectRef>
-          <a:fontRef idx="minor">
-            <a:schemeClr val="lt1"/>
-          </a:fontRef>
-        </p:style>
-        <p:txBody>
-          <a:bodyPr rtlCol="0" anchor="ctr"/>
-          <a:lstStyle/>
-          <a:p>
-            <a:pPr algn="ctr"/>
-            <a:r>
-              <a:rPr lang="es-ES" sz="1400" dirty="0"/>
-              <a:t>movimiento</a:t>
-            </a:r>
-          </a:p>
-        </p:txBody>
-      </p:sp>
-      <p:sp>
-        <p:nvSpPr>
-          <p:cNvPr id="45" name="44 Elipse"/>
-          <p:cNvSpPr/>
-          <p:nvPr/>
-        </p:nvSpPr>
-        <p:spPr>
-          <a:xfrm>
-            <a:off x="2339752" y="3284984"/>
-            <a:ext cx="1224136" cy="864096"/>
-          </a:xfrm>
-          <a:prstGeom prst="ellipse">
-            <a:avLst/>
-          </a:prstGeom>
-        </p:spPr>
-        <p:style>
-          <a:lnRef idx="2">
-            <a:schemeClr val="accent1">
-              <a:shade val="50000"/>
-            </a:schemeClr>
-          </a:lnRef>
-          <a:fillRef idx="1">
-            <a:schemeClr val="accent1"/>
-          </a:fillRef>
-          <a:effectRef idx="0">
-            <a:schemeClr val="accent1"/>
-          </a:effectRef>
-          <a:fontRef idx="minor">
-            <a:schemeClr val="lt1"/>
-          </a:fontRef>
-        </p:style>
-        <p:txBody>
-          <a:bodyPr rtlCol="0" anchor="ctr"/>
-          <a:lstStyle/>
-          <a:p>
-            <a:pPr algn="ctr"/>
-            <a:r>
-              <a:rPr lang="es-ES" sz="1400" dirty="0"/>
-              <a:t>movimiento</a:t>
-            </a:r>
-          </a:p>
-        </p:txBody>
-      </p:sp>
-      <p:sp>
-        <p:nvSpPr>
-          <p:cNvPr id="46" name="45 Elipse"/>
-          <p:cNvSpPr/>
-          <p:nvPr/>
-        </p:nvSpPr>
-        <p:spPr>
-          <a:xfrm>
-            <a:off x="2483768" y="3284984"/>
-            <a:ext cx="1224136" cy="864096"/>
-          </a:xfrm>
-          <a:prstGeom prst="ellipse">
-            <a:avLst/>
-          </a:prstGeom>
-        </p:spPr>
-        <p:style>
-          <a:lnRef idx="2">
-            <a:schemeClr val="accent1">
-              <a:shade val="50000"/>
-            </a:schemeClr>
-          </a:lnRef>
-          <a:fillRef idx="1">
-            <a:schemeClr val="accent1"/>
-          </a:fillRef>
-          <a:effectRef idx="0">
-            <a:schemeClr val="accent1"/>
-          </a:effectRef>
-          <a:fontRef idx="minor">
-            <a:schemeClr val="lt1"/>
-          </a:fontRef>
-        </p:style>
-        <p:txBody>
-          <a:bodyPr rtlCol="0" anchor="ctr"/>
-          <a:lstStyle/>
-          <a:p>
-            <a:pPr algn="ctr"/>
-            <a:r>
-              <a:rPr lang="es-ES" sz="1400" dirty="0"/>
-              <a:t>movimiento</a:t>
-            </a:r>
-          </a:p>
-        </p:txBody>
-      </p:sp>
-      <p:grpSp>
-        <p:nvGrpSpPr>
-          <p:cNvPr id="53" name="52 Grupo"/>
-          <p:cNvGrpSpPr/>
-          <p:nvPr/>
-        </p:nvGrpSpPr>
-        <p:grpSpPr>
-          <a:xfrm>
-            <a:off x="6804248" y="4653136"/>
-            <a:ext cx="1800200" cy="1368152"/>
-            <a:chOff x="6804248" y="4653136"/>
-            <a:chExt cx="1800200" cy="1368152"/>
-          </a:xfrm>
-        </p:grpSpPr>
-        <p:sp>
-          <p:nvSpPr>
-            <p:cNvPr id="47" name="46 Rectángulo redondeado"/>
-            <p:cNvSpPr/>
-            <p:nvPr/>
-          </p:nvSpPr>
-          <p:spPr>
-            <a:xfrm>
-              <a:off x="6804248" y="4653136"/>
-              <a:ext cx="1800200" cy="1368152"/>
-            </a:xfrm>
-            <a:prstGeom prst="roundRect">
-              <a:avLst/>
-            </a:prstGeom>
-          </p:spPr>
-          <p:style>
-            <a:lnRef idx="2">
-              <a:schemeClr val="accent1">
-                <a:shade val="50000"/>
-              </a:schemeClr>
-            </a:lnRef>
-            <a:fillRef idx="1">
-              <a:schemeClr val="accent1"/>
-            </a:fillRef>
-            <a:effectRef idx="0">
-              <a:schemeClr val="accent1"/>
-            </a:effectRef>
-            <a:fontRef idx="minor">
-              <a:schemeClr val="lt1"/>
-            </a:fontRef>
-          </p:style>
-          <p:txBody>
-            <a:bodyPr rtlCol="0" anchor="t"/>
-            <a:lstStyle/>
-            <a:p>
-              <a:pPr algn="ctr"/>
-              <a:r>
-                <a:rPr lang="es-ES" sz="1400" dirty="0"/>
-                <a:t>Movimiento</a:t>
-              </a:r>
-            </a:p>
-          </p:txBody>
-        </p:sp>
-        <p:sp>
-          <p:nvSpPr>
-            <p:cNvPr id="48" name="47 Elipse"/>
-            <p:cNvSpPr/>
-            <p:nvPr/>
-          </p:nvSpPr>
-          <p:spPr>
-            <a:xfrm>
-              <a:off x="7020272" y="5013176"/>
-              <a:ext cx="1368152" cy="864096"/>
-            </a:xfrm>
-            <a:prstGeom prst="ellipse">
-              <a:avLst/>
-            </a:prstGeom>
-          </p:spPr>
-          <p:style>
-            <a:lnRef idx="2">
-              <a:schemeClr val="accent1">
-                <a:shade val="50000"/>
-              </a:schemeClr>
-            </a:lnRef>
-            <a:fillRef idx="1">
-              <a:schemeClr val="accent1"/>
-            </a:fillRef>
-            <a:effectRef idx="0">
-              <a:schemeClr val="accent1"/>
-            </a:effectRef>
-            <a:fontRef idx="minor">
-              <a:schemeClr val="lt1"/>
-            </a:fontRef>
-          </p:style>
-          <p:txBody>
-            <a:bodyPr rtlCol="0" anchor="ctr"/>
-            <a:lstStyle/>
-            <a:p>
-              <a:pPr algn="ctr"/>
-              <a:r>
-                <a:rPr lang="es-ES" sz="1400" dirty="0"/>
-                <a:t>valor</a:t>
-              </a:r>
-            </a:p>
-            <a:p>
-              <a:pPr algn="ctr"/>
-              <a:r>
-                <a:rPr lang="es-ES" sz="1400" dirty="0"/>
-                <a:t>230</a:t>
-              </a:r>
-            </a:p>
-          </p:txBody>
-        </p:sp>
-      </p:grpSp>
-      <p:grpSp>
-        <p:nvGrpSpPr>
-          <p:cNvPr id="54" name="53 Grupo"/>
-          <p:cNvGrpSpPr/>
-          <p:nvPr/>
-        </p:nvGrpSpPr>
-        <p:grpSpPr>
-          <a:xfrm>
-            <a:off x="4860032" y="5085184"/>
-            <a:ext cx="1800200" cy="1368152"/>
-            <a:chOff x="6804248" y="4653136"/>
-            <a:chExt cx="1800200" cy="1368152"/>
-          </a:xfrm>
-        </p:grpSpPr>
-        <p:sp>
-          <p:nvSpPr>
-            <p:cNvPr id="55" name="54 Rectángulo redondeado"/>
-            <p:cNvSpPr/>
-            <p:nvPr/>
-          </p:nvSpPr>
-          <p:spPr>
-            <a:xfrm>
-              <a:off x="6804248" y="4653136"/>
-              <a:ext cx="1800200" cy="1368152"/>
-            </a:xfrm>
-            <a:prstGeom prst="roundRect">
-              <a:avLst/>
-            </a:prstGeom>
-          </p:spPr>
-          <p:style>
-            <a:lnRef idx="2">
-              <a:schemeClr val="accent1">
-                <a:shade val="50000"/>
-              </a:schemeClr>
-            </a:lnRef>
-            <a:fillRef idx="1">
-              <a:schemeClr val="accent1"/>
-            </a:fillRef>
-            <a:effectRef idx="0">
-              <a:schemeClr val="accent1"/>
-            </a:effectRef>
-            <a:fontRef idx="minor">
-              <a:schemeClr val="lt1"/>
-            </a:fontRef>
-          </p:style>
-          <p:txBody>
-            <a:bodyPr rtlCol="0" anchor="t"/>
-            <a:lstStyle/>
-            <a:p>
-              <a:pPr algn="ctr"/>
-              <a:r>
-                <a:rPr lang="es-ES" sz="1400" dirty="0"/>
-                <a:t>Movimiento</a:t>
-              </a:r>
-            </a:p>
-          </p:txBody>
-        </p:sp>
-        <p:sp>
-          <p:nvSpPr>
-            <p:cNvPr id="56" name="55 Elipse"/>
-            <p:cNvSpPr/>
-            <p:nvPr/>
-          </p:nvSpPr>
-          <p:spPr>
-            <a:xfrm>
-              <a:off x="7020272" y="5013176"/>
-              <a:ext cx="1368152" cy="864096"/>
-            </a:xfrm>
-            <a:prstGeom prst="ellipse">
-              <a:avLst/>
-            </a:prstGeom>
-          </p:spPr>
-          <p:style>
-            <a:lnRef idx="2">
-              <a:schemeClr val="accent1">
-                <a:shade val="50000"/>
-              </a:schemeClr>
-            </a:lnRef>
-            <a:fillRef idx="1">
-              <a:schemeClr val="accent1"/>
-            </a:fillRef>
-            <a:effectRef idx="0">
-              <a:schemeClr val="accent1"/>
-            </a:effectRef>
-            <a:fontRef idx="minor">
-              <a:schemeClr val="lt1"/>
-            </a:fontRef>
-          </p:style>
-          <p:txBody>
-            <a:bodyPr rtlCol="0" anchor="ctr"/>
-            <a:lstStyle/>
-            <a:p>
-              <a:pPr algn="ctr"/>
-              <a:r>
-                <a:rPr lang="es-ES" sz="1400" dirty="0"/>
-                <a:t>valor</a:t>
-              </a:r>
-            </a:p>
-            <a:p>
-              <a:pPr algn="ctr"/>
-              <a:r>
-                <a:rPr lang="es-ES" sz="1400" dirty="0"/>
-                <a:t>230</a:t>
-              </a:r>
-            </a:p>
-          </p:txBody>
-        </p:sp>
-      </p:grpSp>
-      <p:grpSp>
-        <p:nvGrpSpPr>
-          <p:cNvPr id="57" name="56 Grupo"/>
-          <p:cNvGrpSpPr/>
-          <p:nvPr/>
-        </p:nvGrpSpPr>
-        <p:grpSpPr>
-          <a:xfrm>
-            <a:off x="4932040" y="4509120"/>
-            <a:ext cx="1800200" cy="1368152"/>
-            <a:chOff x="6804248" y="4653136"/>
-            <a:chExt cx="1800200" cy="1368152"/>
-          </a:xfrm>
-        </p:grpSpPr>
-        <p:sp>
-          <p:nvSpPr>
-            <p:cNvPr id="58" name="57 Rectángulo redondeado"/>
-            <p:cNvSpPr/>
-            <p:nvPr/>
-          </p:nvSpPr>
-          <p:spPr>
-            <a:xfrm>
-              <a:off x="6804248" y="4653136"/>
-              <a:ext cx="1800200" cy="1368152"/>
-            </a:xfrm>
-            <a:prstGeom prst="roundRect">
-              <a:avLst/>
-            </a:prstGeom>
-          </p:spPr>
-          <p:style>
-            <a:lnRef idx="2">
-              <a:schemeClr val="accent1">
-                <a:shade val="50000"/>
-              </a:schemeClr>
-            </a:lnRef>
-            <a:fillRef idx="1">
-              <a:schemeClr val="accent1"/>
-            </a:fillRef>
-            <a:effectRef idx="0">
-              <a:schemeClr val="accent1"/>
-            </a:effectRef>
-            <a:fontRef idx="minor">
-              <a:schemeClr val="lt1"/>
-            </a:fontRef>
-          </p:style>
-          <p:txBody>
-            <a:bodyPr rtlCol="0" anchor="t"/>
-            <a:lstStyle/>
-            <a:p>
-              <a:pPr algn="ctr"/>
-              <a:r>
-                <a:rPr lang="es-ES" sz="1400" dirty="0"/>
-                <a:t>Movimiento</a:t>
-              </a:r>
-            </a:p>
-          </p:txBody>
-        </p:sp>
-        <p:sp>
-          <p:nvSpPr>
-            <p:cNvPr id="59" name="58 Elipse"/>
-            <p:cNvSpPr/>
-            <p:nvPr/>
-          </p:nvSpPr>
-          <p:spPr>
-            <a:xfrm>
-              <a:off x="7020272" y="5013176"/>
-              <a:ext cx="1368152" cy="864096"/>
-            </a:xfrm>
-            <a:prstGeom prst="ellipse">
-              <a:avLst/>
-            </a:prstGeom>
-          </p:spPr>
-          <p:style>
-            <a:lnRef idx="2">
-              <a:schemeClr val="accent1">
-                <a:shade val="50000"/>
-              </a:schemeClr>
-            </a:lnRef>
-            <a:fillRef idx="1">
-              <a:schemeClr val="accent1"/>
-            </a:fillRef>
-            <a:effectRef idx="0">
-              <a:schemeClr val="accent1"/>
-            </a:effectRef>
-            <a:fontRef idx="minor">
-              <a:schemeClr val="lt1"/>
-            </a:fontRef>
-          </p:style>
-          <p:txBody>
-            <a:bodyPr rtlCol="0" anchor="ctr"/>
-            <a:lstStyle/>
-            <a:p>
-              <a:pPr algn="ctr"/>
-              <a:r>
-                <a:rPr lang="es-ES" sz="1400" dirty="0"/>
-                <a:t>valor</a:t>
-              </a:r>
-            </a:p>
-            <a:p>
-              <a:pPr algn="ctr"/>
-              <a:r>
-                <a:rPr lang="es-ES" sz="1400" dirty="0"/>
-                <a:t>170</a:t>
-              </a:r>
-            </a:p>
-          </p:txBody>
-        </p:sp>
-      </p:grpSp>
-      <p:grpSp>
-        <p:nvGrpSpPr>
-          <p:cNvPr id="60" name="59 Grupo"/>
-          <p:cNvGrpSpPr/>
-          <p:nvPr/>
-        </p:nvGrpSpPr>
-        <p:grpSpPr>
-          <a:xfrm>
-            <a:off x="3851920" y="5157192"/>
-            <a:ext cx="1800200" cy="1368152"/>
-            <a:chOff x="6804248" y="4653136"/>
-            <a:chExt cx="1800200" cy="1368152"/>
-          </a:xfrm>
-        </p:grpSpPr>
-        <p:sp>
-          <p:nvSpPr>
-            <p:cNvPr id="61" name="60 Rectángulo redondeado"/>
-            <p:cNvSpPr/>
-            <p:nvPr/>
-          </p:nvSpPr>
-          <p:spPr>
-            <a:xfrm>
-              <a:off x="6804248" y="4653136"/>
-              <a:ext cx="1800200" cy="1368152"/>
-            </a:xfrm>
-            <a:prstGeom prst="roundRect">
-              <a:avLst/>
-            </a:prstGeom>
-          </p:spPr>
-          <p:style>
-            <a:lnRef idx="2">
-              <a:schemeClr val="accent1">
-                <a:shade val="50000"/>
-              </a:schemeClr>
-            </a:lnRef>
-            <a:fillRef idx="1">
-              <a:schemeClr val="accent1"/>
-            </a:fillRef>
-            <a:effectRef idx="0">
-              <a:schemeClr val="accent1"/>
-            </a:effectRef>
-            <a:fontRef idx="minor">
-              <a:schemeClr val="lt1"/>
-            </a:fontRef>
-          </p:style>
-          <p:txBody>
-            <a:bodyPr rtlCol="0" anchor="t"/>
-            <a:lstStyle/>
-            <a:p>
-              <a:pPr algn="ctr"/>
-              <a:r>
-                <a:rPr lang="es-ES" sz="1400" dirty="0"/>
-                <a:t>Movimiento</a:t>
-              </a:r>
-            </a:p>
-          </p:txBody>
-        </p:sp>
-        <p:sp>
-          <p:nvSpPr>
-            <p:cNvPr id="62" name="61 Elipse"/>
-            <p:cNvSpPr/>
-            <p:nvPr/>
-          </p:nvSpPr>
-          <p:spPr>
-            <a:xfrm>
-              <a:off x="7020272" y="5013176"/>
-              <a:ext cx="1368152" cy="864096"/>
-            </a:xfrm>
-            <a:prstGeom prst="ellipse">
-              <a:avLst/>
-            </a:prstGeom>
-          </p:spPr>
-          <p:style>
-            <a:lnRef idx="2">
-              <a:schemeClr val="accent1">
-                <a:shade val="50000"/>
-              </a:schemeClr>
-            </a:lnRef>
-            <a:fillRef idx="1">
-              <a:schemeClr val="accent1"/>
-            </a:fillRef>
-            <a:effectRef idx="0">
-              <a:schemeClr val="accent1"/>
-            </a:effectRef>
-            <a:fontRef idx="minor">
-              <a:schemeClr val="lt1"/>
-            </a:fontRef>
-          </p:style>
-          <p:txBody>
-            <a:bodyPr rtlCol="0" anchor="ctr"/>
-            <a:lstStyle/>
-            <a:p>
-              <a:pPr algn="ctr"/>
-              <a:r>
-                <a:rPr lang="es-ES" sz="1400" dirty="0"/>
-                <a:t>valor</a:t>
-              </a:r>
-            </a:p>
-            <a:p>
-              <a:pPr algn="ctr"/>
-              <a:r>
-                <a:rPr lang="es-ES" sz="1400" dirty="0"/>
-                <a:t>250</a:t>
-              </a:r>
-            </a:p>
-          </p:txBody>
-        </p:sp>
-      </p:grpSp>
-      <p:grpSp>
-        <p:nvGrpSpPr>
-          <p:cNvPr id="63" name="62 Grupo"/>
-          <p:cNvGrpSpPr/>
-          <p:nvPr/>
-        </p:nvGrpSpPr>
-        <p:grpSpPr>
-          <a:xfrm>
-            <a:off x="6516216" y="5157192"/>
-            <a:ext cx="1800200" cy="1368152"/>
-            <a:chOff x="6804248" y="4653136"/>
-            <a:chExt cx="1800200" cy="1368152"/>
-          </a:xfrm>
-        </p:grpSpPr>
-        <p:sp>
-          <p:nvSpPr>
-            <p:cNvPr id="64" name="63 Rectángulo redondeado"/>
-            <p:cNvSpPr/>
-            <p:nvPr/>
-          </p:nvSpPr>
-          <p:spPr>
-            <a:xfrm>
-              <a:off x="6804248" y="4653136"/>
-              <a:ext cx="1800200" cy="1368152"/>
-            </a:xfrm>
-            <a:prstGeom prst="roundRect">
-              <a:avLst/>
-            </a:prstGeom>
-          </p:spPr>
-          <p:style>
-            <a:lnRef idx="2">
-              <a:schemeClr val="accent1">
-                <a:shade val="50000"/>
-              </a:schemeClr>
-            </a:lnRef>
-            <a:fillRef idx="1">
-              <a:schemeClr val="accent1"/>
-            </a:fillRef>
-            <a:effectRef idx="0">
-              <a:schemeClr val="accent1"/>
-            </a:effectRef>
-            <a:fontRef idx="minor">
-              <a:schemeClr val="lt1"/>
-            </a:fontRef>
-          </p:style>
-          <p:txBody>
-            <a:bodyPr rtlCol="0" anchor="t"/>
-            <a:lstStyle/>
-            <a:p>
-              <a:pPr algn="ctr"/>
-              <a:r>
-                <a:rPr lang="es-ES" sz="1400" dirty="0"/>
-                <a:t>Movimiento</a:t>
-              </a:r>
-            </a:p>
-          </p:txBody>
-        </p:sp>
-        <p:sp>
-          <p:nvSpPr>
-            <p:cNvPr id="65" name="64 Elipse"/>
-            <p:cNvSpPr/>
-            <p:nvPr/>
-          </p:nvSpPr>
-          <p:spPr>
-            <a:xfrm>
-              <a:off x="7020272" y="5013176"/>
-              <a:ext cx="1368152" cy="864096"/>
-            </a:xfrm>
-            <a:prstGeom prst="ellipse">
-              <a:avLst/>
-            </a:prstGeom>
-          </p:spPr>
-          <p:style>
-            <a:lnRef idx="2">
-              <a:schemeClr val="accent1">
-                <a:shade val="50000"/>
-              </a:schemeClr>
-            </a:lnRef>
-            <a:fillRef idx="1">
-              <a:schemeClr val="accent1"/>
-            </a:fillRef>
-            <a:effectRef idx="0">
-              <a:schemeClr val="accent1"/>
-            </a:effectRef>
-            <a:fontRef idx="minor">
-              <a:schemeClr val="lt1"/>
-            </a:fontRef>
-          </p:style>
-          <p:txBody>
-            <a:bodyPr rtlCol="0" anchor="ctr"/>
-            <a:lstStyle/>
-            <a:p>
-              <a:pPr algn="ctr"/>
-              <a:r>
-                <a:rPr lang="es-ES" sz="1400" dirty="0"/>
-                <a:t>valor</a:t>
-              </a:r>
-            </a:p>
-            <a:p>
-              <a:pPr algn="ctr"/>
-              <a:r>
-                <a:rPr lang="es-ES" sz="1400" dirty="0"/>
-                <a:t>415</a:t>
-              </a:r>
-            </a:p>
-          </p:txBody>
-        </p:sp>
-      </p:grpSp>
-      <p:grpSp>
-        <p:nvGrpSpPr>
-          <p:cNvPr id="66" name="65 Grupo"/>
-          <p:cNvGrpSpPr/>
-          <p:nvPr/>
-        </p:nvGrpSpPr>
-        <p:grpSpPr>
-          <a:xfrm>
-            <a:off x="3779912" y="4365104"/>
-            <a:ext cx="1800200" cy="1368152"/>
-            <a:chOff x="6804248" y="4653136"/>
-            <a:chExt cx="1800200" cy="1368152"/>
-          </a:xfrm>
-        </p:grpSpPr>
-        <p:sp>
-          <p:nvSpPr>
-            <p:cNvPr id="67" name="66 Rectángulo redondeado"/>
-            <p:cNvSpPr/>
-            <p:nvPr/>
-          </p:nvSpPr>
-          <p:spPr>
-            <a:xfrm>
-              <a:off x="6804248" y="4653136"/>
-              <a:ext cx="1800200" cy="1368152"/>
-            </a:xfrm>
-            <a:prstGeom prst="roundRect">
-              <a:avLst/>
-            </a:prstGeom>
-          </p:spPr>
-          <p:style>
-            <a:lnRef idx="2">
-              <a:schemeClr val="accent1">
-                <a:shade val="50000"/>
-              </a:schemeClr>
-            </a:lnRef>
-            <a:fillRef idx="1">
-              <a:schemeClr val="accent1"/>
-            </a:fillRef>
-            <a:effectRef idx="0">
-              <a:schemeClr val="accent1"/>
-            </a:effectRef>
-            <a:fontRef idx="minor">
-              <a:schemeClr val="lt1"/>
-            </a:fontRef>
-          </p:style>
-          <p:txBody>
-            <a:bodyPr rtlCol="0" anchor="t"/>
-            <a:lstStyle/>
-            <a:p>
-              <a:pPr algn="ctr"/>
-              <a:r>
-                <a:rPr lang="es-ES" sz="1400" dirty="0"/>
-                <a:t>Movimiento</a:t>
-              </a:r>
-            </a:p>
-          </p:txBody>
-        </p:sp>
-        <p:sp>
-          <p:nvSpPr>
-            <p:cNvPr id="68" name="67 Elipse"/>
-            <p:cNvSpPr/>
-            <p:nvPr/>
-          </p:nvSpPr>
-          <p:spPr>
-            <a:xfrm>
-              <a:off x="7020272" y="5013176"/>
-              <a:ext cx="1368152" cy="864096"/>
-            </a:xfrm>
-            <a:prstGeom prst="ellipse">
-              <a:avLst/>
-            </a:prstGeom>
-          </p:spPr>
-          <p:style>
-            <a:lnRef idx="2">
-              <a:schemeClr val="accent1">
-                <a:shade val="50000"/>
-              </a:schemeClr>
-            </a:lnRef>
-            <a:fillRef idx="1">
-              <a:schemeClr val="accent1"/>
-            </a:fillRef>
-            <a:effectRef idx="0">
-              <a:schemeClr val="accent1"/>
-            </a:effectRef>
-            <a:fontRef idx="minor">
-              <a:schemeClr val="lt1"/>
-            </a:fontRef>
-          </p:style>
-          <p:txBody>
-            <a:bodyPr rtlCol="0" anchor="ctr"/>
-            <a:lstStyle/>
-            <a:p>
-              <a:pPr algn="ctr"/>
-              <a:r>
-                <a:rPr lang="es-ES" sz="1400" dirty="0"/>
-                <a:t>valor</a:t>
-              </a:r>
-            </a:p>
-            <a:p>
-              <a:pPr algn="ctr"/>
-              <a:r>
-                <a:rPr lang="es-ES" sz="1400" dirty="0"/>
-                <a:t>700</a:t>
-              </a:r>
-            </a:p>
-          </p:txBody>
-        </p:sp>
-      </p:grpSp>
-      <p:grpSp>
-        <p:nvGrpSpPr>
-          <p:cNvPr id="69" name="68 Grupo"/>
-          <p:cNvGrpSpPr/>
-          <p:nvPr/>
-        </p:nvGrpSpPr>
-        <p:grpSpPr>
-          <a:xfrm>
-            <a:off x="2555776" y="4941168"/>
-            <a:ext cx="1800200" cy="1368152"/>
-            <a:chOff x="6804248" y="4653136"/>
-            <a:chExt cx="1800200" cy="1368152"/>
-          </a:xfrm>
-        </p:grpSpPr>
-        <p:sp>
-          <p:nvSpPr>
-            <p:cNvPr id="70" name="69 Rectángulo redondeado"/>
-            <p:cNvSpPr/>
-            <p:nvPr/>
-          </p:nvSpPr>
-          <p:spPr>
-            <a:xfrm>
-              <a:off x="6804248" y="4653136"/>
-              <a:ext cx="1800200" cy="1368152"/>
-            </a:xfrm>
-            <a:prstGeom prst="roundRect">
-              <a:avLst/>
-            </a:prstGeom>
-          </p:spPr>
-          <p:style>
-            <a:lnRef idx="2">
-              <a:schemeClr val="accent1">
-                <a:shade val="50000"/>
-              </a:schemeClr>
-            </a:lnRef>
-            <a:fillRef idx="1">
-              <a:schemeClr val="accent1"/>
-            </a:fillRef>
-            <a:effectRef idx="0">
-              <a:schemeClr val="accent1"/>
-            </a:effectRef>
-            <a:fontRef idx="minor">
-              <a:schemeClr val="lt1"/>
-            </a:fontRef>
-          </p:style>
-          <p:txBody>
-            <a:bodyPr rtlCol="0" anchor="t"/>
-            <a:lstStyle/>
-            <a:p>
-              <a:pPr algn="ctr"/>
-              <a:r>
-                <a:rPr lang="es-ES" sz="1400" dirty="0"/>
-                <a:t>Movimiento</a:t>
-              </a:r>
-            </a:p>
-          </p:txBody>
-        </p:sp>
-        <p:sp>
-          <p:nvSpPr>
-            <p:cNvPr id="71" name="70 Elipse"/>
-            <p:cNvSpPr/>
-            <p:nvPr/>
-          </p:nvSpPr>
-          <p:spPr>
-            <a:xfrm>
-              <a:off x="7020272" y="5013176"/>
-              <a:ext cx="1368152" cy="864096"/>
-            </a:xfrm>
-            <a:prstGeom prst="ellipse">
-              <a:avLst/>
-            </a:prstGeom>
-          </p:spPr>
-          <p:style>
-            <a:lnRef idx="2">
-              <a:schemeClr val="accent1">
-                <a:shade val="50000"/>
-              </a:schemeClr>
-            </a:lnRef>
-            <a:fillRef idx="1">
-              <a:schemeClr val="accent1"/>
-            </a:fillRef>
-            <a:effectRef idx="0">
-              <a:schemeClr val="accent1"/>
-            </a:effectRef>
-            <a:fontRef idx="minor">
-              <a:schemeClr val="lt1"/>
-            </a:fontRef>
-          </p:style>
-          <p:txBody>
-            <a:bodyPr rtlCol="0" anchor="ctr"/>
-            <a:lstStyle/>
-            <a:p>
-              <a:pPr algn="ctr"/>
-              <a:r>
-                <a:rPr lang="es-ES" sz="1400" dirty="0"/>
-                <a:t>valor</a:t>
-              </a:r>
-            </a:p>
-            <a:p>
-              <a:pPr algn="ctr"/>
-              <a:r>
-                <a:rPr lang="es-ES" sz="1400" dirty="0"/>
-                <a:t>110</a:t>
-              </a:r>
-            </a:p>
-          </p:txBody>
-        </p:sp>
-      </p:grpSp>
-      <p:grpSp>
-        <p:nvGrpSpPr>
-          <p:cNvPr id="72" name="71 Grupo"/>
-          <p:cNvGrpSpPr/>
-          <p:nvPr/>
-        </p:nvGrpSpPr>
-        <p:grpSpPr>
-          <a:xfrm>
-            <a:off x="2051720" y="4365104"/>
-            <a:ext cx="1800200" cy="1368152"/>
-            <a:chOff x="6804248" y="4653136"/>
-            <a:chExt cx="1800200" cy="1368152"/>
-          </a:xfrm>
-        </p:grpSpPr>
-        <p:sp>
-          <p:nvSpPr>
-            <p:cNvPr id="73" name="72 Rectángulo redondeado"/>
-            <p:cNvSpPr/>
-            <p:nvPr/>
-          </p:nvSpPr>
-          <p:spPr>
-            <a:xfrm>
-              <a:off x="6804248" y="4653136"/>
-              <a:ext cx="1800200" cy="1368152"/>
-            </a:xfrm>
-            <a:prstGeom prst="roundRect">
-              <a:avLst/>
-            </a:prstGeom>
-          </p:spPr>
-          <p:style>
-            <a:lnRef idx="2">
-              <a:schemeClr val="accent1">
-                <a:shade val="50000"/>
-              </a:schemeClr>
-            </a:lnRef>
-            <a:fillRef idx="1">
-              <a:schemeClr val="accent1"/>
-            </a:fillRef>
-            <a:effectRef idx="0">
-              <a:schemeClr val="accent1"/>
-            </a:effectRef>
-            <a:fontRef idx="minor">
-              <a:schemeClr val="lt1"/>
-            </a:fontRef>
-          </p:style>
-          <p:txBody>
-            <a:bodyPr rtlCol="0" anchor="t"/>
-            <a:lstStyle/>
-            <a:p>
-              <a:pPr algn="ctr"/>
-              <a:r>
-                <a:rPr lang="es-ES" sz="1400" dirty="0"/>
-                <a:t>Movimiento</a:t>
-              </a:r>
-            </a:p>
-          </p:txBody>
-        </p:sp>
-        <p:sp>
-          <p:nvSpPr>
-            <p:cNvPr id="74" name="73 Elipse"/>
-            <p:cNvSpPr/>
-            <p:nvPr/>
-          </p:nvSpPr>
-          <p:spPr>
-            <a:xfrm>
-              <a:off x="7020272" y="5013176"/>
-              <a:ext cx="1368152" cy="864096"/>
-            </a:xfrm>
-            <a:prstGeom prst="ellipse">
-              <a:avLst/>
-            </a:prstGeom>
-          </p:spPr>
-          <p:style>
-            <a:lnRef idx="2">
-              <a:schemeClr val="accent1">
-                <a:shade val="50000"/>
-              </a:schemeClr>
-            </a:lnRef>
-            <a:fillRef idx="1">
-              <a:schemeClr val="accent1"/>
-            </a:fillRef>
-            <a:effectRef idx="0">
-              <a:schemeClr val="accent1"/>
-            </a:effectRef>
-            <a:fontRef idx="minor">
-              <a:schemeClr val="lt1"/>
-            </a:fontRef>
-          </p:style>
-          <p:txBody>
-            <a:bodyPr rtlCol="0" anchor="ctr"/>
-            <a:lstStyle/>
-            <a:p>
-              <a:pPr algn="ctr"/>
-              <a:r>
-                <a:rPr lang="es-ES" sz="1400" dirty="0"/>
-                <a:t>valor</a:t>
-              </a:r>
-            </a:p>
-            <a:p>
-              <a:pPr algn="ctr"/>
-              <a:r>
-                <a:rPr lang="es-ES" sz="1400" dirty="0"/>
-                <a:t>230</a:t>
-              </a:r>
-            </a:p>
-          </p:txBody>
-        </p:sp>
-      </p:grpSp>
-      <p:grpSp>
-        <p:nvGrpSpPr>
-          <p:cNvPr id="75" name="74 Grupo"/>
-          <p:cNvGrpSpPr/>
-          <p:nvPr/>
-        </p:nvGrpSpPr>
-        <p:grpSpPr>
-          <a:xfrm>
-            <a:off x="1115616" y="4437112"/>
-            <a:ext cx="1800200" cy="1368152"/>
-            <a:chOff x="6804248" y="4653136"/>
-            <a:chExt cx="1800200" cy="1368152"/>
-          </a:xfrm>
-        </p:grpSpPr>
-        <p:sp>
-          <p:nvSpPr>
-            <p:cNvPr id="76" name="75 Rectángulo redondeado"/>
-            <p:cNvSpPr/>
-            <p:nvPr/>
-          </p:nvSpPr>
-          <p:spPr>
-            <a:xfrm>
-              <a:off x="6804248" y="4653136"/>
-              <a:ext cx="1800200" cy="1368152"/>
-            </a:xfrm>
-            <a:prstGeom prst="roundRect">
-              <a:avLst/>
-            </a:prstGeom>
-          </p:spPr>
-          <p:style>
-            <a:lnRef idx="2">
-              <a:schemeClr val="accent1">
-                <a:shade val="50000"/>
-              </a:schemeClr>
-            </a:lnRef>
-            <a:fillRef idx="1">
-              <a:schemeClr val="accent1"/>
-            </a:fillRef>
-            <a:effectRef idx="0">
-              <a:schemeClr val="accent1"/>
-            </a:effectRef>
-            <a:fontRef idx="minor">
-              <a:schemeClr val="lt1"/>
-            </a:fontRef>
-          </p:style>
-          <p:txBody>
-            <a:bodyPr rtlCol="0" anchor="t"/>
-            <a:lstStyle/>
-            <a:p>
-              <a:pPr algn="ctr"/>
-              <a:r>
-                <a:rPr lang="es-ES" sz="1400" dirty="0"/>
-                <a:t>Movimiento</a:t>
-              </a:r>
-            </a:p>
-          </p:txBody>
-        </p:sp>
-        <p:sp>
-          <p:nvSpPr>
-            <p:cNvPr id="77" name="76 Elipse"/>
-            <p:cNvSpPr/>
-            <p:nvPr/>
-          </p:nvSpPr>
-          <p:spPr>
-            <a:xfrm>
-              <a:off x="7020272" y="5013176"/>
-              <a:ext cx="1368152" cy="864096"/>
-            </a:xfrm>
-            <a:prstGeom prst="ellipse">
-              <a:avLst/>
-            </a:prstGeom>
-          </p:spPr>
-          <p:style>
-            <a:lnRef idx="2">
-              <a:schemeClr val="accent1">
-                <a:shade val="50000"/>
-              </a:schemeClr>
-            </a:lnRef>
-            <a:fillRef idx="1">
-              <a:schemeClr val="accent1"/>
-            </a:fillRef>
-            <a:effectRef idx="0">
-              <a:schemeClr val="accent1"/>
-            </a:effectRef>
-            <a:fontRef idx="minor">
-              <a:schemeClr val="lt1"/>
-            </a:fontRef>
-          </p:style>
-          <p:txBody>
-            <a:bodyPr rtlCol="0" anchor="ctr"/>
-            <a:lstStyle/>
-            <a:p>
-              <a:pPr algn="ctr"/>
-              <a:r>
-                <a:rPr lang="es-ES" sz="1400" dirty="0"/>
-                <a:t>valor</a:t>
-              </a:r>
-            </a:p>
-            <a:p>
-              <a:pPr algn="ctr"/>
-              <a:r>
-                <a:rPr lang="es-ES" sz="1400" dirty="0"/>
-                <a:t>230</a:t>
-              </a:r>
-            </a:p>
-          </p:txBody>
-        </p:sp>
-      </p:grpSp>
-      <p:grpSp>
-        <p:nvGrpSpPr>
-          <p:cNvPr id="78" name="77 Grupo"/>
-          <p:cNvGrpSpPr/>
-          <p:nvPr/>
-        </p:nvGrpSpPr>
-        <p:grpSpPr>
-          <a:xfrm>
-            <a:off x="251520" y="4365104"/>
-            <a:ext cx="1800200" cy="1368152"/>
-            <a:chOff x="6804248" y="4653136"/>
-            <a:chExt cx="1800200" cy="1368152"/>
-          </a:xfrm>
-        </p:grpSpPr>
-        <p:sp>
-          <p:nvSpPr>
-            <p:cNvPr id="79" name="78 Rectángulo redondeado"/>
-            <p:cNvSpPr/>
-            <p:nvPr/>
-          </p:nvSpPr>
-          <p:spPr>
-            <a:xfrm>
-              <a:off x="6804248" y="4653136"/>
-              <a:ext cx="1800200" cy="1368152"/>
-            </a:xfrm>
-            <a:prstGeom prst="roundRect">
-              <a:avLst/>
-            </a:prstGeom>
-          </p:spPr>
-          <p:style>
-            <a:lnRef idx="2">
-              <a:schemeClr val="accent1">
-                <a:shade val="50000"/>
-              </a:schemeClr>
-            </a:lnRef>
-            <a:fillRef idx="1">
-              <a:schemeClr val="accent1"/>
-            </a:fillRef>
-            <a:effectRef idx="0">
-              <a:schemeClr val="accent1"/>
-            </a:effectRef>
-            <a:fontRef idx="minor">
-              <a:schemeClr val="lt1"/>
-            </a:fontRef>
-          </p:style>
-          <p:txBody>
-            <a:bodyPr rtlCol="0" anchor="t"/>
-            <a:lstStyle/>
-            <a:p>
-              <a:pPr algn="ctr"/>
-              <a:r>
-                <a:rPr lang="es-ES" sz="1400" dirty="0"/>
-                <a:t>Movimiento</a:t>
-              </a:r>
-            </a:p>
-          </p:txBody>
-        </p:sp>
-        <p:sp>
-          <p:nvSpPr>
-            <p:cNvPr id="80" name="79 Elipse"/>
-            <p:cNvSpPr/>
-            <p:nvPr/>
-          </p:nvSpPr>
-          <p:spPr>
-            <a:xfrm>
-              <a:off x="7020272" y="5013176"/>
-              <a:ext cx="1368152" cy="864096"/>
-            </a:xfrm>
-            <a:prstGeom prst="ellipse">
-              <a:avLst/>
-            </a:prstGeom>
-          </p:spPr>
-          <p:style>
-            <a:lnRef idx="2">
-              <a:schemeClr val="accent1">
-                <a:shade val="50000"/>
-              </a:schemeClr>
-            </a:lnRef>
-            <a:fillRef idx="1">
-              <a:schemeClr val="accent1"/>
-            </a:fillRef>
-            <a:effectRef idx="0">
-              <a:schemeClr val="accent1"/>
-            </a:effectRef>
-            <a:fontRef idx="minor">
-              <a:schemeClr val="lt1"/>
-            </a:fontRef>
-          </p:style>
-          <p:txBody>
-            <a:bodyPr rtlCol="0" anchor="ctr"/>
-            <a:lstStyle/>
-            <a:p>
-              <a:pPr algn="ctr"/>
-              <a:r>
-                <a:rPr lang="es-ES" sz="1400" dirty="0"/>
-                <a:t>valor</a:t>
-              </a:r>
-            </a:p>
-            <a:p>
-              <a:pPr algn="ctr"/>
-              <a:r>
-                <a:rPr lang="es-ES" sz="1400" dirty="0"/>
-                <a:t>140</a:t>
-              </a:r>
-            </a:p>
-          </p:txBody>
-        </p:sp>
-      </p:grpSp>
-      <p:cxnSp>
-        <p:nvCxnSpPr>
-          <p:cNvPr id="81" name="80 Conector recto de flecha"/>
-          <p:cNvCxnSpPr/>
-          <p:nvPr/>
-        </p:nvCxnSpPr>
-        <p:spPr>
-          <a:xfrm>
-            <a:off x="3707904" y="3645024"/>
-            <a:ext cx="4176464" cy="936104"/>
-          </a:xfrm>
-          <a:prstGeom prst="straightConnector1">
-            <a:avLst/>
-          </a:prstGeom>
-          <a:ln>
-            <a:tailEnd type="arrow"/>
-          </a:ln>
-        </p:spPr>
-        <p:style>
-          <a:lnRef idx="2">
-            <a:schemeClr val="dk1"/>
-          </a:lnRef>
-          <a:fillRef idx="0">
-            <a:schemeClr val="dk1"/>
-          </a:fillRef>
-          <a:effectRef idx="1">
-            <a:schemeClr val="dk1"/>
-          </a:effectRef>
-          <a:fontRef idx="minor">
-            <a:schemeClr val="tx1"/>
-          </a:fontRef>
-        </p:style>
-      </p:cxnSp>
-      <p:cxnSp>
-        <p:nvCxnSpPr>
-          <p:cNvPr id="83" name="82 Conector recto de flecha"/>
-          <p:cNvCxnSpPr>
-            <a:endCxn id="64" idx="0"/>
-          </p:cNvCxnSpPr>
-          <p:nvPr/>
-        </p:nvCxnSpPr>
-        <p:spPr>
-          <a:xfrm>
-            <a:off x="3707904" y="3645024"/>
-            <a:ext cx="3708412" cy="1512168"/>
-          </a:xfrm>
-          <a:prstGeom prst="straightConnector1">
-            <a:avLst/>
-          </a:prstGeom>
-          <a:ln>
-            <a:tailEnd type="arrow"/>
-          </a:ln>
-        </p:spPr>
-        <p:style>
-          <a:lnRef idx="2">
-            <a:schemeClr val="dk1"/>
-          </a:lnRef>
-          <a:fillRef idx="0">
-            <a:schemeClr val="dk1"/>
-          </a:fillRef>
-          <a:effectRef idx="1">
-            <a:schemeClr val="dk1"/>
-          </a:effectRef>
-          <a:fontRef idx="minor">
-            <a:schemeClr val="tx1"/>
-          </a:fontRef>
-        </p:style>
-      </p:cxnSp>
-      <p:cxnSp>
-        <p:nvCxnSpPr>
-          <p:cNvPr id="85" name="84 Conector recto de flecha"/>
-          <p:cNvCxnSpPr>
-            <a:stCxn id="46" idx="6"/>
-            <a:endCxn id="67" idx="0"/>
-          </p:cNvCxnSpPr>
-          <p:nvPr/>
-        </p:nvCxnSpPr>
-        <p:spPr>
-          <a:xfrm>
-            <a:off x="3707904" y="3717032"/>
-            <a:ext cx="972108" cy="648072"/>
-          </a:xfrm>
-          <a:prstGeom prst="straightConnector1">
-            <a:avLst/>
-          </a:prstGeom>
-          <a:ln>
-            <a:tailEnd type="arrow"/>
-          </a:ln>
-        </p:spPr>
-        <p:style>
-          <a:lnRef idx="2">
-            <a:schemeClr val="dk1"/>
-          </a:lnRef>
-          <a:fillRef idx="0">
-            <a:schemeClr val="dk1"/>
-          </a:fillRef>
-          <a:effectRef idx="1">
-            <a:schemeClr val="dk1"/>
-          </a:effectRef>
-          <a:fontRef idx="minor">
-            <a:schemeClr val="tx1"/>
-          </a:fontRef>
-        </p:style>
-      </p:cxnSp>
-      <p:cxnSp>
-        <p:nvCxnSpPr>
-          <p:cNvPr id="87" name="86 Conector recto de flecha"/>
-          <p:cNvCxnSpPr>
-            <a:stCxn id="39" idx="3"/>
-            <a:endCxn id="73" idx="0"/>
-          </p:cNvCxnSpPr>
-          <p:nvPr/>
-        </p:nvCxnSpPr>
-        <p:spPr>
-          <a:xfrm>
-            <a:off x="1654927" y="4022536"/>
-            <a:ext cx="1296893" cy="342568"/>
-          </a:xfrm>
-          <a:prstGeom prst="straightConnector1">
-            <a:avLst/>
-          </a:prstGeom>
-          <a:ln>
-            <a:tailEnd type="arrow"/>
-          </a:ln>
-        </p:spPr>
-        <p:style>
-          <a:lnRef idx="2">
-            <a:schemeClr val="dk1"/>
-          </a:lnRef>
-          <a:fillRef idx="0">
-            <a:schemeClr val="dk1"/>
-          </a:fillRef>
-          <a:effectRef idx="1">
-            <a:schemeClr val="dk1"/>
-          </a:effectRef>
-          <a:fontRef idx="minor">
-            <a:schemeClr val="tx1"/>
-          </a:fontRef>
-        </p:style>
-      </p:cxnSp>
-      <p:cxnSp>
-        <p:nvCxnSpPr>
-          <p:cNvPr id="90" name="89 Conector recto de flecha"/>
-          <p:cNvCxnSpPr/>
-          <p:nvPr/>
-        </p:nvCxnSpPr>
-        <p:spPr>
-          <a:xfrm flipH="1">
-            <a:off x="395536" y="4077072"/>
-            <a:ext cx="792088" cy="288032"/>
-          </a:xfrm>
-          <a:prstGeom prst="straightConnector1">
-            <a:avLst/>
-          </a:prstGeom>
-          <a:ln>
-            <a:tailEnd type="arrow"/>
-          </a:ln>
-        </p:spPr>
-        <p:style>
-          <a:lnRef idx="2">
-            <a:schemeClr val="dk1"/>
-          </a:lnRef>
-          <a:fillRef idx="0">
-            <a:schemeClr val="dk1"/>
-          </a:fillRef>
-          <a:effectRef idx="1">
-            <a:schemeClr val="dk1"/>
-          </a:effectRef>
-          <a:fontRef idx="minor">
-            <a:schemeClr val="tx1"/>
-          </a:fontRef>
-        </p:style>
-      </p:cxnSp>
-      <p:cxnSp>
-        <p:nvCxnSpPr>
-          <p:cNvPr id="92" name="91 Conector recto de flecha"/>
-          <p:cNvCxnSpPr/>
-          <p:nvPr/>
-        </p:nvCxnSpPr>
-        <p:spPr>
-          <a:xfrm>
-            <a:off x="1403648" y="4149080"/>
-            <a:ext cx="1008112" cy="432048"/>
-          </a:xfrm>
-          <a:prstGeom prst="straightConnector1">
-            <a:avLst/>
-          </a:prstGeom>
-          <a:ln>
-            <a:tailEnd type="arrow"/>
-          </a:ln>
-        </p:spPr>
-        <p:style>
-          <a:lnRef idx="2">
-            <a:schemeClr val="dk1"/>
-          </a:lnRef>
-          <a:fillRef idx="0">
-            <a:schemeClr val="dk1"/>
-          </a:fillRef>
-          <a:effectRef idx="1">
-            <a:schemeClr val="dk1"/>
-          </a:effectRef>
-          <a:fontRef idx="minor">
-            <a:schemeClr val="tx1"/>
-          </a:fontRef>
-        </p:style>
-      </p:cxnSp>
-      <p:cxnSp>
-        <p:nvCxnSpPr>
-          <p:cNvPr id="94" name="93 Conector recto de flecha"/>
-          <p:cNvCxnSpPr/>
-          <p:nvPr/>
-        </p:nvCxnSpPr>
-        <p:spPr>
-          <a:xfrm>
-            <a:off x="2339752" y="4005064"/>
-            <a:ext cx="1656184" cy="936104"/>
-          </a:xfrm>
-          <a:prstGeom prst="straightConnector1">
-            <a:avLst/>
-          </a:prstGeom>
-          <a:ln>
-            <a:tailEnd type="arrow"/>
-          </a:ln>
-        </p:spPr>
-        <p:style>
-          <a:lnRef idx="2">
-            <a:schemeClr val="dk1"/>
-          </a:lnRef>
-          <a:fillRef idx="0">
-            <a:schemeClr val="dk1"/>
-          </a:fillRef>
-          <a:effectRef idx="1">
-            <a:schemeClr val="dk1"/>
-          </a:effectRef>
-          <a:fontRef idx="minor">
-            <a:schemeClr val="tx1"/>
-          </a:fontRef>
-        </p:style>
-      </p:cxnSp>
-      <p:cxnSp>
-        <p:nvCxnSpPr>
-          <p:cNvPr id="96" name="95 Conector recto de flecha"/>
-          <p:cNvCxnSpPr/>
-          <p:nvPr/>
-        </p:nvCxnSpPr>
-        <p:spPr>
-          <a:xfrm>
-            <a:off x="2843808" y="4005064"/>
-            <a:ext cx="3096344" cy="1800200"/>
-          </a:xfrm>
-          <a:prstGeom prst="straightConnector1">
-            <a:avLst/>
-          </a:prstGeom>
-          <a:ln>
-            <a:tailEnd type="arrow"/>
-          </a:ln>
-        </p:spPr>
-        <p:style>
-          <a:lnRef idx="2">
-            <a:schemeClr val="dk1"/>
-          </a:lnRef>
-          <a:fillRef idx="0">
-            <a:schemeClr val="dk1"/>
-          </a:fillRef>
-          <a:effectRef idx="1">
-            <a:schemeClr val="dk1"/>
-          </a:effectRef>
-          <a:fontRef idx="minor">
-            <a:schemeClr val="tx1"/>
-          </a:fontRef>
-        </p:style>
-      </p:cxnSp>
-    </p:spTree>
-  </p:cSld>
-  <p:clrMapOvr>
-    <a:masterClrMapping/>
-  </p:clrMapOvr>
-</p:sld>
-</file>
-
-<file path=ppt/slides/slide30.xml><?xml version="1.0" encoding="utf-8"?>
-<p:sld xmlns:a="http://schemas.openxmlformats.org/drawingml/2006/main" xmlns:r="http://schemas.openxmlformats.org/officeDocument/2006/relationships" xmlns:p="http://schemas.openxmlformats.org/presentationml/2006/main">
-  <p:cSld>
-    <p:spTree>
-      <p:nvGrpSpPr>
-        <p:cNvPr id="1" name=""/>
-        <p:cNvGrpSpPr/>
-        <p:nvPr/>
-      </p:nvGrpSpPr>
-      <p:grpSpPr>
-        <a:xfrm>
-          <a:off x="0" y="0"/>
-          <a:ext cx="0" cy="0"/>
-          <a:chOff x="0" y="0"/>
-          <a:chExt cx="0" cy="0"/>
-        </a:xfrm>
-      </p:grpSpPr>
-      <p:sp>
-        <p:nvSpPr>
-          <p:cNvPr id="3" name="2 Marcador de contenido"/>
-          <p:cNvSpPr>
-            <a:spLocks noGrp="1"/>
-          </p:cNvSpPr>
-          <p:nvPr>
-            <p:ph idx="1"/>
-          </p:nvPr>
-        </p:nvSpPr>
-        <p:spPr>
-          <a:xfrm>
-            <a:off x="457200" y="404664"/>
-            <a:ext cx="8229600" cy="6120680"/>
-          </a:xfrm>
-        </p:spPr>
-        <p:txBody>
-          <a:bodyPr>
-            <a:normAutofit/>
-          </a:bodyPr>
-          <a:lstStyle/>
-          <a:p>
-            <a:pPr algn="just"/>
-            <a:r>
-              <a:rPr lang="es-ES" dirty="0"/>
-              <a:t>La sintaxis para trabajar con Herencia en C# es la siguiente:</a:t>
-            </a:r>
-          </a:p>
-          <a:p>
-            <a:pPr algn="just">
-              <a:buNone/>
-            </a:pPr>
-            <a:endParaRPr lang="es-ES" dirty="0"/>
-          </a:p>
-          <a:p>
-            <a:pPr algn="just">
-              <a:buNone/>
-            </a:pPr>
-            <a:r>
-              <a:rPr lang="es-ES" dirty="0"/>
-              <a:t>	</a:t>
-            </a:r>
-            <a:r>
-              <a:rPr lang="es-ES" sz="2000" dirty="0"/>
-              <a:t>&lt;</a:t>
-            </a:r>
-            <a:r>
-              <a:rPr lang="es-ES" sz="2000" dirty="0" err="1"/>
-              <a:t>modificadorDeAcceso</a:t>
-            </a:r>
-            <a:r>
-              <a:rPr lang="es-ES" sz="2000" dirty="0"/>
-              <a:t>&gt; </a:t>
-            </a:r>
-            <a:r>
-              <a:rPr lang="es-ES" sz="2000" dirty="0" err="1"/>
-              <a:t>class</a:t>
-            </a:r>
-            <a:r>
-              <a:rPr lang="es-ES" sz="2000" dirty="0"/>
-              <a:t> &lt;nombre&gt; </a:t>
-            </a:r>
-            <a:r>
-              <a:rPr lang="es-ES" sz="2000" dirty="0">
-                <a:solidFill>
-                  <a:srgbClr val="FF0000"/>
-                </a:solidFill>
-              </a:rPr>
-              <a:t>: &lt;superclase&gt;</a:t>
-            </a:r>
-          </a:p>
-          <a:p>
-            <a:pPr algn="just">
-              <a:buNone/>
-            </a:pPr>
-            <a:r>
-              <a:rPr lang="es-ES" sz="2000" dirty="0"/>
-              <a:t>	{</a:t>
-            </a:r>
-          </a:p>
-          <a:p>
-            <a:pPr algn="just">
-              <a:buNone/>
-            </a:pPr>
-            <a:r>
-              <a:rPr lang="es-ES" sz="2000" dirty="0"/>
-              <a:t>		 &lt;miembro&gt;</a:t>
-            </a:r>
-          </a:p>
-          <a:p>
-            <a:pPr algn="just">
-              <a:buNone/>
-            </a:pPr>
-            <a:r>
-              <a:rPr lang="es-ES" sz="2000" dirty="0"/>
-              <a:t>		 &lt;miembro&gt;</a:t>
-            </a:r>
-          </a:p>
-          <a:p>
-            <a:pPr algn="just">
-              <a:buNone/>
-            </a:pPr>
-            <a:r>
-              <a:rPr lang="es-ES" sz="2000" dirty="0"/>
-              <a:t>		 &lt;miembro&gt;</a:t>
-            </a:r>
-          </a:p>
-          <a:p>
-            <a:pPr algn="just">
-              <a:buNone/>
-            </a:pPr>
-            <a:r>
-              <a:rPr lang="es-ES" sz="2000" dirty="0"/>
-              <a:t>	}</a:t>
-            </a:r>
-          </a:p>
-        </p:txBody>
-      </p:sp>
-    </p:spTree>
-    <p:extLst>
-      <p:ext uri="{BB962C8B-B14F-4D97-AF65-F5344CB8AC3E}">
-        <p14:creationId xmlns:p14="http://schemas.microsoft.com/office/powerpoint/2010/main" val="2831099179"/>
-      </p:ext>
-    </p:extLst>
-  </p:cSld>
-  <p:clrMapOvr>
-    <a:masterClrMapping/>
-  </p:clrMapOvr>
-</p:sld>
-</file>
-
-<file path=ppt/slides/slide31.xml><?xml version="1.0" encoding="utf-8"?>
-<p:sld xmlns:a="http://schemas.openxmlformats.org/drawingml/2006/main" xmlns:r="http://schemas.openxmlformats.org/officeDocument/2006/relationships" xmlns:p="http://schemas.openxmlformats.org/presentationml/2006/main">
-  <p:cSld>
-    <p:spTree>
-      <p:nvGrpSpPr>
-        <p:cNvPr id="1" name=""/>
-        <p:cNvGrpSpPr/>
-        <p:nvPr/>
-      </p:nvGrpSpPr>
-      <p:grpSpPr>
-        <a:xfrm>
-          <a:off x="0" y="0"/>
-          <a:ext cx="0" cy="0"/>
-          <a:chOff x="0" y="0"/>
-          <a:chExt cx="0" cy="0"/>
-        </a:xfrm>
-      </p:grpSpPr>
-      <p:sp>
-        <p:nvSpPr>
-          <p:cNvPr id="3" name="2 Marcador de contenido"/>
-          <p:cNvSpPr>
-            <a:spLocks noGrp="1"/>
-          </p:cNvSpPr>
-          <p:nvPr>
-            <p:ph idx="1"/>
-          </p:nvPr>
-        </p:nvSpPr>
-        <p:spPr>
-          <a:xfrm>
-            <a:off x="457200" y="404664"/>
-            <a:ext cx="8229600" cy="5760640"/>
-          </a:xfrm>
-        </p:spPr>
-        <p:txBody>
-          <a:bodyPr>
-            <a:normAutofit fontScale="62500" lnSpcReduction="20000"/>
-          </a:bodyPr>
-          <a:lstStyle/>
-          <a:p>
             <a:pPr>
               <a:buNone/>
             </a:pPr>
             <a:r>
-              <a:rPr lang="es-ES" dirty="0"/>
+              <a:rPr lang="es-ES" sz="2000" dirty="0"/>
               <a:t>Ejemplo:</a:t>
             </a:r>
           </a:p>
@@ -15744,26 +12873,26 @@
             <a:pPr>
               <a:buNone/>
             </a:pPr>
-            <a:endParaRPr lang="es-ES" dirty="0"/>
+            <a:endParaRPr lang="es-ES" sz="2000" dirty="0"/>
           </a:p>
           <a:p>
             <a:pPr>
               <a:buNone/>
             </a:pPr>
             <a:r>
-              <a:rPr lang="es-ES" dirty="0" err="1"/>
+              <a:rPr lang="es-ES" sz="2000" dirty="0" err="1"/>
               <a:t>public</a:t>
             </a:r>
             <a:r>
-              <a:rPr lang="es-ES" dirty="0"/>
+              <a:rPr lang="es-ES" sz="2000" dirty="0"/>
               <a:t> </a:t>
             </a:r>
             <a:r>
-              <a:rPr lang="es-ES" dirty="0" err="1"/>
+              <a:rPr lang="es-ES" sz="2000" dirty="0" err="1"/>
               <a:t>class</a:t>
             </a:r>
             <a:r>
-              <a:rPr lang="es-ES" dirty="0"/>
+              <a:rPr lang="es-ES" sz="2000" dirty="0"/>
               <a:t> Animal</a:t>
             </a:r>
           </a:p>
@@ -15772,7 +12901,7 @@
               <a:buNone/>
             </a:pPr>
             <a:r>
-              <a:rPr lang="es-ES" dirty="0"/>
+              <a:rPr lang="es-ES" sz="2000" dirty="0"/>
               <a:t>{</a:t>
             </a:r>
           </a:p>
@@ -15781,24 +12910,32 @@
               <a:buNone/>
             </a:pPr>
             <a:r>
-              <a:rPr lang="es-ES" dirty="0"/>
+              <a:rPr lang="es-ES" sz="2000" dirty="0"/>
               <a:t>	</a:t>
             </a:r>
             <a:r>
-              <a:rPr lang="es-ES" dirty="0" err="1"/>
-              <a:t>private</a:t>
-            </a:r>
-            <a:r>
-              <a:rPr lang="es-ES" dirty="0"/>
+              <a:rPr lang="es-ES" sz="2000" dirty="0" err="1"/>
+              <a:t>public</a:t>
+            </a:r>
+            <a:r>
+              <a:rPr lang="es-ES" sz="2000" dirty="0"/>
               <a:t> </a:t>
             </a:r>
             <a:r>
-              <a:rPr lang="es-ES" dirty="0" err="1"/>
+              <a:rPr lang="es-ES" sz="2000" dirty="0" err="1"/>
               <a:t>string</a:t>
             </a:r>
             <a:r>
-              <a:rPr lang="es-ES" dirty="0"/>
-              <a:t> nombre;</a:t>
+              <a:rPr lang="es-ES" sz="2000" dirty="0"/>
+              <a:t> Nombre {</a:t>
+            </a:r>
+            <a:r>
+              <a:rPr lang="es-ES" sz="2000" dirty="0" err="1"/>
+              <a:t>get</a:t>
+            </a:r>
+            <a:r>
+              <a:rPr lang="es-ES" sz="2000" dirty="0"/>
+              <a:t>; set;}	</a:t>
             </a:r>
           </a:p>
           <a:p>
@@ -15806,58 +12943,43 @@
               <a:buNone/>
             </a:pPr>
             <a:r>
-              <a:rPr lang="es-ES" dirty="0"/>
-              <a:t>	</a:t>
-            </a:r>
-            <a:r>
-              <a:rPr lang="es-ES" dirty="0" err="1"/>
-              <a:t>public</a:t>
-            </a:r>
-            <a:r>
-              <a:rPr lang="es-ES" dirty="0"/>
-              <a:t> </a:t>
-            </a:r>
-            <a:r>
-              <a:rPr lang="es-ES" dirty="0" err="1"/>
-              <a:t>string</a:t>
-            </a:r>
-            <a:r>
-              <a:rPr lang="es-ES" dirty="0"/>
-              <a:t> Nombre </a:t>
+              <a:rPr lang="es-ES" sz="2000" dirty="0"/>
+              <a:t>}</a:t>
             </a:r>
           </a:p>
           <a:p>
             <a:pPr>
               <a:buNone/>
             </a:pPr>
-            <a:r>
-              <a:rPr lang="es-ES" dirty="0"/>
-              <a:t>	{</a:t>
-            </a:r>
+            <a:endParaRPr lang="es-ES" sz="2000" dirty="0"/>
           </a:p>
           <a:p>
             <a:pPr>
               <a:buNone/>
             </a:pPr>
             <a:r>
-              <a:rPr lang="es-ES" dirty="0"/>
-              <a:t>		</a:t>
-            </a:r>
-            <a:r>
-              <a:rPr lang="es-ES" dirty="0" err="1"/>
-              <a:t>get</a:t>
-            </a:r>
-            <a:r>
-              <a:rPr lang="es-ES" dirty="0"/>
-              <a:t> { </a:t>
-            </a:r>
-            <a:r>
-              <a:rPr lang="es-ES" dirty="0" err="1"/>
-              <a:t>return</a:t>
-            </a:r>
-            <a:r>
-              <a:rPr lang="es-ES" dirty="0"/>
-              <a:t> nombre; }</a:t>
+              <a:rPr lang="es-ES" sz="2000" dirty="0" err="1"/>
+              <a:t>public</a:t>
+            </a:r>
+            <a:r>
+              <a:rPr lang="es-ES" sz="2000" dirty="0"/>
+              <a:t> </a:t>
+            </a:r>
+            <a:r>
+              <a:rPr lang="es-ES" sz="2000" dirty="0" err="1"/>
+              <a:t>class</a:t>
+            </a:r>
+            <a:r>
+              <a:rPr lang="es-ES" sz="2000" dirty="0"/>
+              <a:t> </a:t>
+            </a:r>
+            <a:r>
+              <a:rPr lang="es-ES" sz="2000" dirty="0" err="1"/>
+              <a:t>Mamifero</a:t>
+            </a:r>
+            <a:r>
+              <a:rPr lang="es-ES" sz="2000" dirty="0"/>
+              <a:t>: Animal</a:t>
             </a:r>
           </a:p>
           <a:p>
@@ -15865,16 +12987,8 @@
               <a:buNone/>
             </a:pPr>
             <a:r>
-              <a:rPr lang="es-ES" dirty="0"/>
-              <a:t>		set { nombre = </a:t>
-            </a:r>
-            <a:r>
-              <a:rPr lang="es-ES" dirty="0" err="1"/>
-              <a:t>value</a:t>
-            </a:r>
-            <a:r>
-              <a:rPr lang="es-ES" dirty="0"/>
-              <a:t> }</a:t>
+              <a:rPr lang="es-ES" sz="2000" dirty="0"/>
+              <a:t>{</a:t>
             </a:r>
           </a:p>
           <a:p>
@@ -15882,8 +12996,32 @@
               <a:buNone/>
             </a:pPr>
             <a:r>
-              <a:rPr lang="es-ES" dirty="0"/>
-              <a:t>	}</a:t>
+              <a:rPr lang="es-ES" sz="2000" dirty="0"/>
+              <a:t>	</a:t>
+            </a:r>
+            <a:r>
+              <a:rPr lang="es-ES" sz="2000" dirty="0" err="1"/>
+              <a:t>public</a:t>
+            </a:r>
+            <a:r>
+              <a:rPr lang="es-ES" sz="2000" dirty="0"/>
+              <a:t> </a:t>
+            </a:r>
+            <a:r>
+              <a:rPr lang="es-ES" sz="2000" dirty="0" err="1"/>
+              <a:t>bool</a:t>
+            </a:r>
+            <a:r>
+              <a:rPr lang="es-ES" sz="2000" dirty="0"/>
+              <a:t> Masculino {</a:t>
+            </a:r>
+            <a:r>
+              <a:rPr lang="es-ES" sz="2000" dirty="0" err="1"/>
+              <a:t>get</a:t>
+            </a:r>
+            <a:r>
+              <a:rPr lang="es-ES" sz="2000" dirty="0"/>
+              <a:t>; set;}</a:t>
             </a:r>
           </a:p>
           <a:p>
@@ -15891,170 +13029,7 @@
               <a:buNone/>
             </a:pPr>
             <a:r>
-              <a:rPr lang="es-ES" dirty="0"/>
-              <a:t>}</a:t>
-            </a:r>
-          </a:p>
-          <a:p>
-            <a:pPr>
-              <a:buNone/>
-            </a:pPr>
-            <a:endParaRPr lang="es-ES" dirty="0"/>
-          </a:p>
-          <a:p>
-            <a:pPr>
-              <a:buNone/>
-            </a:pPr>
-            <a:r>
-              <a:rPr lang="es-ES" dirty="0" err="1"/>
-              <a:t>public</a:t>
-            </a:r>
-            <a:r>
-              <a:rPr lang="es-ES" dirty="0"/>
-              <a:t> </a:t>
-            </a:r>
-            <a:r>
-              <a:rPr lang="es-ES" dirty="0" err="1"/>
-              <a:t>class</a:t>
-            </a:r>
-            <a:r>
-              <a:rPr lang="es-ES" dirty="0"/>
-              <a:t> </a:t>
-            </a:r>
-            <a:r>
-              <a:rPr lang="es-ES" dirty="0" err="1"/>
-              <a:t>Mamifero</a:t>
-            </a:r>
-            <a:r>
-              <a:rPr lang="es-ES" dirty="0"/>
-              <a:t>: Animal</a:t>
-            </a:r>
-          </a:p>
-          <a:p>
-            <a:pPr>
-              <a:buNone/>
-            </a:pPr>
-            <a:r>
-              <a:rPr lang="es-ES" dirty="0"/>
-              <a:t>{</a:t>
-            </a:r>
-          </a:p>
-          <a:p>
-            <a:pPr>
-              <a:buNone/>
-            </a:pPr>
-            <a:r>
-              <a:rPr lang="es-ES" dirty="0"/>
-              <a:t>	</a:t>
-            </a:r>
-            <a:r>
-              <a:rPr lang="es-ES" dirty="0" err="1"/>
-              <a:t>private</a:t>
-            </a:r>
-            <a:r>
-              <a:rPr lang="es-ES" dirty="0"/>
-              <a:t> </a:t>
-            </a:r>
-            <a:r>
-              <a:rPr lang="es-ES" dirty="0" err="1"/>
-              <a:t>bool</a:t>
-            </a:r>
-            <a:r>
-              <a:rPr lang="es-ES" dirty="0"/>
-              <a:t> masculino;</a:t>
-            </a:r>
-          </a:p>
-          <a:p>
-            <a:pPr>
-              <a:buNone/>
-            </a:pPr>
-            <a:r>
-              <a:rPr lang="es-ES" dirty="0"/>
-              <a:t>	</a:t>
-            </a:r>
-            <a:r>
-              <a:rPr lang="es-ES" dirty="0" err="1"/>
-              <a:t>public</a:t>
-            </a:r>
-            <a:r>
-              <a:rPr lang="es-ES" dirty="0"/>
-              <a:t> </a:t>
-            </a:r>
-            <a:r>
-              <a:rPr lang="es-ES" dirty="0" err="1"/>
-              <a:t>bool</a:t>
-            </a:r>
-            <a:r>
-              <a:rPr lang="es-ES" dirty="0"/>
-              <a:t> Masculino</a:t>
-            </a:r>
-          </a:p>
-          <a:p>
-            <a:pPr>
-              <a:buNone/>
-            </a:pPr>
-            <a:r>
-              <a:rPr lang="es-ES" dirty="0"/>
-              <a:t>	{</a:t>
-            </a:r>
-          </a:p>
-          <a:p>
-            <a:pPr>
-              <a:buNone/>
-            </a:pPr>
-            <a:r>
-              <a:rPr lang="es-ES" dirty="0"/>
-              <a:t>		</a:t>
-            </a:r>
-            <a:r>
-              <a:rPr lang="es-ES" dirty="0" err="1"/>
-              <a:t>get</a:t>
-            </a:r>
-            <a:r>
-              <a:rPr lang="es-ES" dirty="0"/>
-              <a:t> { </a:t>
-            </a:r>
-            <a:r>
-              <a:rPr lang="es-ES" dirty="0" err="1"/>
-              <a:t>return</a:t>
-            </a:r>
-            <a:r>
-              <a:rPr lang="es-ES" dirty="0"/>
-              <a:t> masculino; }</a:t>
-            </a:r>
-          </a:p>
-          <a:p>
-            <a:pPr>
-              <a:buNone/>
-            </a:pPr>
-            <a:r>
-              <a:rPr lang="es-ES" dirty="0"/>
-              <a:t>		set { masculino = </a:t>
-            </a:r>
-            <a:r>
-              <a:rPr lang="es-ES" dirty="0" err="1"/>
-              <a:t>value</a:t>
-            </a:r>
-            <a:r>
-              <a:rPr lang="es-ES" dirty="0"/>
-              <a:t> }</a:t>
-            </a:r>
-          </a:p>
-          <a:p>
-            <a:pPr>
-              <a:buNone/>
-            </a:pPr>
-            <a:r>
-              <a:rPr lang="es-ES" dirty="0"/>
-              <a:t>	}</a:t>
-            </a:r>
-          </a:p>
-          <a:p>
-            <a:pPr>
-              <a:buNone/>
-            </a:pPr>
-            <a:r>
-              <a:rPr lang="es-ES" dirty="0"/>
+              <a:rPr lang="es-ES" sz="2000" dirty="0"/>
               <a:t>}</a:t>
             </a:r>
           </a:p>
@@ -16089,13 +13064,15 @@
       <p:cxnSp>
         <p:nvCxnSpPr>
           <p:cNvPr id="7" name="6 Conector recto de flecha"/>
-          <p:cNvCxnSpPr/>
+          <p:cNvCxnSpPr>
+            <a:cxnSpLocks/>
+          </p:cNvCxnSpPr>
           <p:nvPr/>
         </p:nvCxnSpPr>
         <p:spPr>
           <a:xfrm>
-            <a:off x="2627784" y="5589240"/>
-            <a:ext cx="1440160" cy="432048"/>
+            <a:off x="2771800" y="4149080"/>
+            <a:ext cx="1296144" cy="1872208"/>
           </a:xfrm>
           <a:prstGeom prst="straightConnector1">
             <a:avLst/>
@@ -16278,6 +13255,2656 @@
 </p:sld>
 </file>
 
+<file path=ppt/slides/slide3.xml><?xml version="1.0" encoding="utf-8"?>
+<p:sld xmlns:a="http://schemas.openxmlformats.org/drawingml/2006/main" xmlns:r="http://schemas.openxmlformats.org/officeDocument/2006/relationships" xmlns:p="http://schemas.openxmlformats.org/presentationml/2006/main">
+  <p:cSld>
+    <p:spTree>
+      <p:nvGrpSpPr>
+        <p:cNvPr id="1" name=""/>
+        <p:cNvGrpSpPr/>
+        <p:nvPr/>
+      </p:nvGrpSpPr>
+      <p:grpSpPr>
+        <a:xfrm>
+          <a:off x="0" y="0"/>
+          <a:ext cx="0" cy="0"/>
+          <a:chOff x="0" y="0"/>
+          <a:chExt cx="0" cy="0"/>
+        </a:xfrm>
+      </p:grpSpPr>
+      <p:sp>
+        <p:nvSpPr>
+          <p:cNvPr id="3" name="2 Marcador de contenido"/>
+          <p:cNvSpPr>
+            <a:spLocks noGrp="1"/>
+          </p:cNvSpPr>
+          <p:nvPr>
+            <p:ph idx="1"/>
+          </p:nvPr>
+        </p:nvSpPr>
+        <p:spPr>
+          <a:xfrm>
+            <a:off x="457200" y="1412776"/>
+            <a:ext cx="8229600" cy="4594515"/>
+          </a:xfrm>
+        </p:spPr>
+        <p:txBody>
+          <a:bodyPr>
+            <a:normAutofit/>
+          </a:bodyPr>
+          <a:lstStyle/>
+          <a:p>
+            <a:pPr lvl="1"/>
+            <a:endParaRPr lang="es-ES" dirty="0"/>
+          </a:p>
+          <a:p>
+            <a:endParaRPr lang="es-ES" dirty="0"/>
+          </a:p>
+        </p:txBody>
+      </p:sp>
+      <p:sp>
+        <p:nvSpPr>
+          <p:cNvPr id="2" name="1 Título"/>
+          <p:cNvSpPr>
+            <a:spLocks noGrp="1"/>
+          </p:cNvSpPr>
+          <p:nvPr>
+            <p:ph type="title"/>
+          </p:nvPr>
+        </p:nvSpPr>
+        <p:spPr/>
+        <p:txBody>
+          <a:bodyPr>
+            <a:normAutofit fontScale="90000"/>
+          </a:bodyPr>
+          <a:lstStyle/>
+          <a:p>
+            <a:r>
+              <a:rPr lang="es-ES" dirty="0"/>
+              <a:t>Repasemos la utilidad de las clases</a:t>
+            </a:r>
+          </a:p>
+        </p:txBody>
+      </p:sp>
+      <p:sp>
+        <p:nvSpPr>
+          <p:cNvPr id="24" name="23 Rectángulo redondeado"/>
+          <p:cNvSpPr/>
+          <p:nvPr/>
+        </p:nvSpPr>
+        <p:spPr>
+          <a:xfrm>
+            <a:off x="755576" y="1916832"/>
+            <a:ext cx="3024336" cy="2304256"/>
+          </a:xfrm>
+          <a:prstGeom prst="roundRect">
+            <a:avLst/>
+          </a:prstGeom>
+        </p:spPr>
+        <p:style>
+          <a:lnRef idx="2">
+            <a:schemeClr val="accent1">
+              <a:shade val="50000"/>
+            </a:schemeClr>
+          </a:lnRef>
+          <a:fillRef idx="1">
+            <a:schemeClr val="accent1"/>
+          </a:fillRef>
+          <a:effectRef idx="0">
+            <a:schemeClr val="accent1"/>
+          </a:effectRef>
+          <a:fontRef idx="minor">
+            <a:schemeClr val="lt1"/>
+          </a:fontRef>
+        </p:style>
+        <p:txBody>
+          <a:bodyPr rtlCol="0" anchor="t"/>
+          <a:lstStyle/>
+          <a:p>
+            <a:pPr algn="ctr"/>
+            <a:r>
+              <a:rPr lang="es-ES" sz="1400" dirty="0"/>
+              <a:t>Caja de ahorro</a:t>
+            </a:r>
+          </a:p>
+        </p:txBody>
+      </p:sp>
+      <p:sp>
+        <p:nvSpPr>
+          <p:cNvPr id="25" name="24 Elipse"/>
+          <p:cNvSpPr/>
+          <p:nvPr/>
+        </p:nvSpPr>
+        <p:spPr>
+          <a:xfrm>
+            <a:off x="899592" y="2420888"/>
+            <a:ext cx="1080120" cy="720080"/>
+          </a:xfrm>
+          <a:prstGeom prst="ellipse">
+            <a:avLst/>
+          </a:prstGeom>
+        </p:spPr>
+        <p:style>
+          <a:lnRef idx="2">
+            <a:schemeClr val="accent1">
+              <a:shade val="50000"/>
+            </a:schemeClr>
+          </a:lnRef>
+          <a:fillRef idx="1">
+            <a:schemeClr val="accent1"/>
+          </a:fillRef>
+          <a:effectRef idx="0">
+            <a:schemeClr val="accent1"/>
+          </a:effectRef>
+          <a:fontRef idx="minor">
+            <a:schemeClr val="lt1"/>
+          </a:fontRef>
+        </p:style>
+        <p:txBody>
+          <a:bodyPr rtlCol="0" anchor="ctr"/>
+          <a:lstStyle/>
+          <a:p>
+            <a:pPr algn="ctr"/>
+            <a:r>
+              <a:rPr lang="es-ES" sz="1400" dirty="0"/>
+              <a:t>saldo</a:t>
+            </a:r>
+          </a:p>
+          <a:p>
+            <a:pPr algn="ctr"/>
+            <a:r>
+              <a:rPr lang="es-ES" sz="1400" dirty="0"/>
+              <a:t>1500</a:t>
+            </a:r>
+          </a:p>
+        </p:txBody>
+      </p:sp>
+      <p:sp>
+        <p:nvSpPr>
+          <p:cNvPr id="26" name="25 Elipse"/>
+          <p:cNvSpPr/>
+          <p:nvPr/>
+        </p:nvSpPr>
+        <p:spPr>
+          <a:xfrm>
+            <a:off x="2267744" y="2420888"/>
+            <a:ext cx="1080120" cy="720080"/>
+          </a:xfrm>
+          <a:prstGeom prst="ellipse">
+            <a:avLst/>
+          </a:prstGeom>
+        </p:spPr>
+        <p:style>
+          <a:lnRef idx="2">
+            <a:schemeClr val="accent1">
+              <a:shade val="50000"/>
+            </a:schemeClr>
+          </a:lnRef>
+          <a:fillRef idx="1">
+            <a:schemeClr val="accent1"/>
+          </a:fillRef>
+          <a:effectRef idx="0">
+            <a:schemeClr val="accent1"/>
+          </a:effectRef>
+          <a:fontRef idx="minor">
+            <a:schemeClr val="lt1"/>
+          </a:fontRef>
+        </p:style>
+        <p:txBody>
+          <a:bodyPr rtlCol="0" anchor="ctr"/>
+          <a:lstStyle/>
+          <a:p>
+            <a:pPr algn="ctr"/>
+            <a:r>
+              <a:rPr lang="es-ES" sz="1400" dirty="0"/>
+              <a:t>titular</a:t>
+            </a:r>
+          </a:p>
+        </p:txBody>
+      </p:sp>
+      <p:cxnSp>
+        <p:nvCxnSpPr>
+          <p:cNvPr id="27" name="26 Conector recto de flecha"/>
+          <p:cNvCxnSpPr>
+            <a:stCxn id="26" idx="6"/>
+          </p:cNvCxnSpPr>
+          <p:nvPr/>
+        </p:nvCxnSpPr>
+        <p:spPr>
+          <a:xfrm flipV="1">
+            <a:off x="3347864" y="2420888"/>
+            <a:ext cx="2160240" cy="360040"/>
+          </a:xfrm>
+          <a:prstGeom prst="straightConnector1">
+            <a:avLst/>
+          </a:prstGeom>
+          <a:ln>
+            <a:tailEnd type="arrow"/>
+          </a:ln>
+        </p:spPr>
+        <p:style>
+          <a:lnRef idx="2">
+            <a:schemeClr val="dk1"/>
+          </a:lnRef>
+          <a:fillRef idx="0">
+            <a:schemeClr val="dk1"/>
+          </a:fillRef>
+          <a:effectRef idx="1">
+            <a:schemeClr val="dk1"/>
+          </a:effectRef>
+          <a:fontRef idx="minor">
+            <a:schemeClr val="tx1"/>
+          </a:fontRef>
+        </p:style>
+      </p:cxnSp>
+      <p:sp>
+        <p:nvSpPr>
+          <p:cNvPr id="28" name="27 Rectángulo redondeado"/>
+          <p:cNvSpPr/>
+          <p:nvPr/>
+        </p:nvSpPr>
+        <p:spPr>
+          <a:xfrm>
+            <a:off x="5508104" y="1700808"/>
+            <a:ext cx="2952328" cy="1368152"/>
+          </a:xfrm>
+          <a:prstGeom prst="roundRect">
+            <a:avLst/>
+          </a:prstGeom>
+        </p:spPr>
+        <p:style>
+          <a:lnRef idx="2">
+            <a:schemeClr val="accent1">
+              <a:shade val="50000"/>
+            </a:schemeClr>
+          </a:lnRef>
+          <a:fillRef idx="1">
+            <a:schemeClr val="accent1"/>
+          </a:fillRef>
+          <a:effectRef idx="0">
+            <a:schemeClr val="accent1"/>
+          </a:effectRef>
+          <a:fontRef idx="minor">
+            <a:schemeClr val="lt1"/>
+          </a:fontRef>
+        </p:style>
+        <p:txBody>
+          <a:bodyPr rtlCol="0" anchor="t"/>
+          <a:lstStyle/>
+          <a:p>
+            <a:pPr algn="ctr"/>
+            <a:r>
+              <a:rPr lang="es-ES" sz="1400" dirty="0"/>
+              <a:t>Persona</a:t>
+            </a:r>
+          </a:p>
+        </p:txBody>
+      </p:sp>
+      <p:sp>
+        <p:nvSpPr>
+          <p:cNvPr id="29" name="28 Elipse"/>
+          <p:cNvSpPr/>
+          <p:nvPr/>
+        </p:nvSpPr>
+        <p:spPr>
+          <a:xfrm>
+            <a:off x="5580112" y="2132856"/>
+            <a:ext cx="1368152" cy="864096"/>
+          </a:xfrm>
+          <a:prstGeom prst="ellipse">
+            <a:avLst/>
+          </a:prstGeom>
+        </p:spPr>
+        <p:style>
+          <a:lnRef idx="2">
+            <a:schemeClr val="accent1">
+              <a:shade val="50000"/>
+            </a:schemeClr>
+          </a:lnRef>
+          <a:fillRef idx="1">
+            <a:schemeClr val="accent1"/>
+          </a:fillRef>
+          <a:effectRef idx="0">
+            <a:schemeClr val="accent1"/>
+          </a:effectRef>
+          <a:fontRef idx="minor">
+            <a:schemeClr val="lt1"/>
+          </a:fontRef>
+        </p:style>
+        <p:txBody>
+          <a:bodyPr rtlCol="0" anchor="ctr"/>
+          <a:lstStyle/>
+          <a:p>
+            <a:pPr algn="ctr"/>
+            <a:r>
+              <a:rPr lang="es-ES" sz="1400" dirty="0"/>
+              <a:t>nombre</a:t>
+            </a:r>
+          </a:p>
+          <a:p>
+            <a:pPr algn="ctr"/>
+            <a:r>
+              <a:rPr lang="es-ES" sz="1400" dirty="0"/>
+              <a:t>Pedro</a:t>
+            </a:r>
+          </a:p>
+        </p:txBody>
+      </p:sp>
+      <p:sp>
+        <p:nvSpPr>
+          <p:cNvPr id="30" name="29 Elipse"/>
+          <p:cNvSpPr/>
+          <p:nvPr/>
+        </p:nvSpPr>
+        <p:spPr>
+          <a:xfrm>
+            <a:off x="7020272" y="2132856"/>
+            <a:ext cx="1368152" cy="864096"/>
+          </a:xfrm>
+          <a:prstGeom prst="ellipse">
+            <a:avLst/>
+          </a:prstGeom>
+        </p:spPr>
+        <p:style>
+          <a:lnRef idx="2">
+            <a:schemeClr val="accent1">
+              <a:shade val="50000"/>
+            </a:schemeClr>
+          </a:lnRef>
+          <a:fillRef idx="1">
+            <a:schemeClr val="accent1"/>
+          </a:fillRef>
+          <a:effectRef idx="0">
+            <a:schemeClr val="accent1"/>
+          </a:effectRef>
+          <a:fontRef idx="minor">
+            <a:schemeClr val="lt1"/>
+          </a:fontRef>
+        </p:style>
+        <p:txBody>
+          <a:bodyPr rtlCol="0" anchor="ctr"/>
+          <a:lstStyle/>
+          <a:p>
+            <a:pPr algn="ctr"/>
+            <a:endParaRPr lang="es-ES" sz="1200" dirty="0"/>
+          </a:p>
+        </p:txBody>
+      </p:sp>
+      <p:sp>
+        <p:nvSpPr>
+          <p:cNvPr id="31" name="30 CuadroTexto"/>
+          <p:cNvSpPr txBox="1"/>
+          <p:nvPr/>
+        </p:nvSpPr>
+        <p:spPr>
+          <a:xfrm>
+            <a:off x="7020272" y="2329135"/>
+            <a:ext cx="1351652" cy="307777"/>
+          </a:xfrm>
+          <a:prstGeom prst="rect">
+            <a:avLst/>
+          </a:prstGeom>
+          <a:noFill/>
+        </p:spPr>
+        <p:txBody>
+          <a:bodyPr wrap="none" rtlCol="0">
+            <a:spAutoFit/>
+          </a:bodyPr>
+          <a:lstStyle/>
+          <a:p>
+            <a:r>
+              <a:rPr lang="es-ES" sz="1400" dirty="0">
+                <a:solidFill>
+                  <a:schemeClr val="bg1"/>
+                </a:solidFill>
+              </a:rPr>
+              <a:t>identificación</a:t>
+            </a:r>
+          </a:p>
+        </p:txBody>
+      </p:sp>
+      <p:sp>
+        <p:nvSpPr>
+          <p:cNvPr id="32" name="31 CuadroTexto"/>
+          <p:cNvSpPr txBox="1"/>
+          <p:nvPr/>
+        </p:nvSpPr>
+        <p:spPr>
+          <a:xfrm>
+            <a:off x="7109034" y="2617167"/>
+            <a:ext cx="1207382" cy="307777"/>
+          </a:xfrm>
+          <a:prstGeom prst="rect">
+            <a:avLst/>
+          </a:prstGeom>
+          <a:noFill/>
+        </p:spPr>
+        <p:txBody>
+          <a:bodyPr wrap="none" rtlCol="0">
+            <a:spAutoFit/>
+          </a:bodyPr>
+          <a:lstStyle/>
+          <a:p>
+            <a:r>
+              <a:rPr lang="es-ES" sz="1400" dirty="0">
+                <a:solidFill>
+                  <a:schemeClr val="bg1"/>
+                </a:solidFill>
+              </a:rPr>
+              <a:t>41.567.321</a:t>
+            </a:r>
+          </a:p>
+        </p:txBody>
+      </p:sp>
+      <p:sp>
+        <p:nvSpPr>
+          <p:cNvPr id="34" name="33 Elipse"/>
+          <p:cNvSpPr/>
+          <p:nvPr/>
+        </p:nvSpPr>
+        <p:spPr>
+          <a:xfrm>
+            <a:off x="899592" y="3284984"/>
+            <a:ext cx="1224136" cy="864096"/>
+          </a:xfrm>
+          <a:prstGeom prst="ellipse">
+            <a:avLst/>
+          </a:prstGeom>
+        </p:spPr>
+        <p:style>
+          <a:lnRef idx="2">
+            <a:schemeClr val="accent1">
+              <a:shade val="50000"/>
+            </a:schemeClr>
+          </a:lnRef>
+          <a:fillRef idx="1">
+            <a:schemeClr val="accent1"/>
+          </a:fillRef>
+          <a:effectRef idx="0">
+            <a:schemeClr val="accent1"/>
+          </a:effectRef>
+          <a:fontRef idx="minor">
+            <a:schemeClr val="lt1"/>
+          </a:fontRef>
+        </p:style>
+        <p:txBody>
+          <a:bodyPr rtlCol="0" anchor="ctr"/>
+          <a:lstStyle/>
+          <a:p>
+            <a:pPr algn="ctr"/>
+            <a:r>
+              <a:rPr lang="es-ES" sz="1400" dirty="0"/>
+              <a:t>movimiento</a:t>
+            </a:r>
+          </a:p>
+        </p:txBody>
+      </p:sp>
+      <p:sp>
+        <p:nvSpPr>
+          <p:cNvPr id="36" name="35 Elipse"/>
+          <p:cNvSpPr/>
+          <p:nvPr/>
+        </p:nvSpPr>
+        <p:spPr>
+          <a:xfrm>
+            <a:off x="1043608" y="3284984"/>
+            <a:ext cx="1224136" cy="864096"/>
+          </a:xfrm>
+          <a:prstGeom prst="ellipse">
+            <a:avLst/>
+          </a:prstGeom>
+        </p:spPr>
+        <p:style>
+          <a:lnRef idx="2">
+            <a:schemeClr val="accent1">
+              <a:shade val="50000"/>
+            </a:schemeClr>
+          </a:lnRef>
+          <a:fillRef idx="1">
+            <a:schemeClr val="accent1"/>
+          </a:fillRef>
+          <a:effectRef idx="0">
+            <a:schemeClr val="accent1"/>
+          </a:effectRef>
+          <a:fontRef idx="minor">
+            <a:schemeClr val="lt1"/>
+          </a:fontRef>
+        </p:style>
+        <p:txBody>
+          <a:bodyPr rtlCol="0" anchor="ctr"/>
+          <a:lstStyle/>
+          <a:p>
+            <a:pPr algn="ctr"/>
+            <a:r>
+              <a:rPr lang="es-ES" sz="1400" dirty="0"/>
+              <a:t>movimiento</a:t>
+            </a:r>
+          </a:p>
+        </p:txBody>
+      </p:sp>
+      <p:sp>
+        <p:nvSpPr>
+          <p:cNvPr id="37" name="36 Elipse"/>
+          <p:cNvSpPr/>
+          <p:nvPr/>
+        </p:nvSpPr>
+        <p:spPr>
+          <a:xfrm>
+            <a:off x="1187624" y="3284984"/>
+            <a:ext cx="1224136" cy="864096"/>
+          </a:xfrm>
+          <a:prstGeom prst="ellipse">
+            <a:avLst/>
+          </a:prstGeom>
+        </p:spPr>
+        <p:style>
+          <a:lnRef idx="2">
+            <a:schemeClr val="accent1">
+              <a:shade val="50000"/>
+            </a:schemeClr>
+          </a:lnRef>
+          <a:fillRef idx="1">
+            <a:schemeClr val="accent1"/>
+          </a:fillRef>
+          <a:effectRef idx="0">
+            <a:schemeClr val="accent1"/>
+          </a:effectRef>
+          <a:fontRef idx="minor">
+            <a:schemeClr val="lt1"/>
+          </a:fontRef>
+        </p:style>
+        <p:txBody>
+          <a:bodyPr rtlCol="0" anchor="ctr"/>
+          <a:lstStyle/>
+          <a:p>
+            <a:pPr algn="ctr"/>
+            <a:r>
+              <a:rPr lang="es-ES" sz="1400" dirty="0"/>
+              <a:t>movimiento</a:t>
+            </a:r>
+          </a:p>
+        </p:txBody>
+      </p:sp>
+      <p:sp>
+        <p:nvSpPr>
+          <p:cNvPr id="38" name="37 Elipse"/>
+          <p:cNvSpPr/>
+          <p:nvPr/>
+        </p:nvSpPr>
+        <p:spPr>
+          <a:xfrm>
+            <a:off x="1331640" y="3284984"/>
+            <a:ext cx="1224136" cy="864096"/>
+          </a:xfrm>
+          <a:prstGeom prst="ellipse">
+            <a:avLst/>
+          </a:prstGeom>
+        </p:spPr>
+        <p:style>
+          <a:lnRef idx="2">
+            <a:schemeClr val="accent1">
+              <a:shade val="50000"/>
+            </a:schemeClr>
+          </a:lnRef>
+          <a:fillRef idx="1">
+            <a:schemeClr val="accent1"/>
+          </a:fillRef>
+          <a:effectRef idx="0">
+            <a:schemeClr val="accent1"/>
+          </a:effectRef>
+          <a:fontRef idx="minor">
+            <a:schemeClr val="lt1"/>
+          </a:fontRef>
+        </p:style>
+        <p:txBody>
+          <a:bodyPr rtlCol="0" anchor="ctr"/>
+          <a:lstStyle/>
+          <a:p>
+            <a:pPr algn="ctr"/>
+            <a:r>
+              <a:rPr lang="es-ES" sz="1400" dirty="0"/>
+              <a:t>movimiento</a:t>
+            </a:r>
+          </a:p>
+        </p:txBody>
+      </p:sp>
+      <p:sp>
+        <p:nvSpPr>
+          <p:cNvPr id="39" name="38 Elipse"/>
+          <p:cNvSpPr/>
+          <p:nvPr/>
+        </p:nvSpPr>
+        <p:spPr>
+          <a:xfrm>
+            <a:off x="1475656" y="3284984"/>
+            <a:ext cx="1224136" cy="864096"/>
+          </a:xfrm>
+          <a:prstGeom prst="ellipse">
+            <a:avLst/>
+          </a:prstGeom>
+        </p:spPr>
+        <p:style>
+          <a:lnRef idx="2">
+            <a:schemeClr val="accent1">
+              <a:shade val="50000"/>
+            </a:schemeClr>
+          </a:lnRef>
+          <a:fillRef idx="1">
+            <a:schemeClr val="accent1"/>
+          </a:fillRef>
+          <a:effectRef idx="0">
+            <a:schemeClr val="accent1"/>
+          </a:effectRef>
+          <a:fontRef idx="minor">
+            <a:schemeClr val="lt1"/>
+          </a:fontRef>
+        </p:style>
+        <p:txBody>
+          <a:bodyPr rtlCol="0" anchor="ctr"/>
+          <a:lstStyle/>
+          <a:p>
+            <a:pPr algn="ctr"/>
+            <a:r>
+              <a:rPr lang="es-ES" sz="1400" dirty="0"/>
+              <a:t>movimiento</a:t>
+            </a:r>
+          </a:p>
+        </p:txBody>
+      </p:sp>
+      <p:sp>
+        <p:nvSpPr>
+          <p:cNvPr id="40" name="39 Elipse"/>
+          <p:cNvSpPr/>
+          <p:nvPr/>
+        </p:nvSpPr>
+        <p:spPr>
+          <a:xfrm>
+            <a:off x="1619672" y="3284984"/>
+            <a:ext cx="1224136" cy="864096"/>
+          </a:xfrm>
+          <a:prstGeom prst="ellipse">
+            <a:avLst/>
+          </a:prstGeom>
+        </p:spPr>
+        <p:style>
+          <a:lnRef idx="2">
+            <a:schemeClr val="accent1">
+              <a:shade val="50000"/>
+            </a:schemeClr>
+          </a:lnRef>
+          <a:fillRef idx="1">
+            <a:schemeClr val="accent1"/>
+          </a:fillRef>
+          <a:effectRef idx="0">
+            <a:schemeClr val="accent1"/>
+          </a:effectRef>
+          <a:fontRef idx="minor">
+            <a:schemeClr val="lt1"/>
+          </a:fontRef>
+        </p:style>
+        <p:txBody>
+          <a:bodyPr rtlCol="0" anchor="ctr"/>
+          <a:lstStyle/>
+          <a:p>
+            <a:pPr algn="ctr"/>
+            <a:r>
+              <a:rPr lang="es-ES" sz="1400" dirty="0"/>
+              <a:t>movimiento</a:t>
+            </a:r>
+          </a:p>
+        </p:txBody>
+      </p:sp>
+      <p:sp>
+        <p:nvSpPr>
+          <p:cNvPr id="41" name="40 Elipse"/>
+          <p:cNvSpPr/>
+          <p:nvPr/>
+        </p:nvSpPr>
+        <p:spPr>
+          <a:xfrm>
+            <a:off x="1763688" y="3284984"/>
+            <a:ext cx="1224136" cy="864096"/>
+          </a:xfrm>
+          <a:prstGeom prst="ellipse">
+            <a:avLst/>
+          </a:prstGeom>
+        </p:spPr>
+        <p:style>
+          <a:lnRef idx="2">
+            <a:schemeClr val="accent1">
+              <a:shade val="50000"/>
+            </a:schemeClr>
+          </a:lnRef>
+          <a:fillRef idx="1">
+            <a:schemeClr val="accent1"/>
+          </a:fillRef>
+          <a:effectRef idx="0">
+            <a:schemeClr val="accent1"/>
+          </a:effectRef>
+          <a:fontRef idx="minor">
+            <a:schemeClr val="lt1"/>
+          </a:fontRef>
+        </p:style>
+        <p:txBody>
+          <a:bodyPr rtlCol="0" anchor="ctr"/>
+          <a:lstStyle/>
+          <a:p>
+            <a:pPr algn="ctr"/>
+            <a:r>
+              <a:rPr lang="es-ES" sz="1400" dirty="0"/>
+              <a:t>movimiento</a:t>
+            </a:r>
+          </a:p>
+        </p:txBody>
+      </p:sp>
+      <p:sp>
+        <p:nvSpPr>
+          <p:cNvPr id="42" name="41 Elipse"/>
+          <p:cNvSpPr/>
+          <p:nvPr/>
+        </p:nvSpPr>
+        <p:spPr>
+          <a:xfrm>
+            <a:off x="1907704" y="3284984"/>
+            <a:ext cx="1224136" cy="864096"/>
+          </a:xfrm>
+          <a:prstGeom prst="ellipse">
+            <a:avLst/>
+          </a:prstGeom>
+        </p:spPr>
+        <p:style>
+          <a:lnRef idx="2">
+            <a:schemeClr val="accent1">
+              <a:shade val="50000"/>
+            </a:schemeClr>
+          </a:lnRef>
+          <a:fillRef idx="1">
+            <a:schemeClr val="accent1"/>
+          </a:fillRef>
+          <a:effectRef idx="0">
+            <a:schemeClr val="accent1"/>
+          </a:effectRef>
+          <a:fontRef idx="minor">
+            <a:schemeClr val="lt1"/>
+          </a:fontRef>
+        </p:style>
+        <p:txBody>
+          <a:bodyPr rtlCol="0" anchor="ctr"/>
+          <a:lstStyle/>
+          <a:p>
+            <a:pPr algn="ctr"/>
+            <a:r>
+              <a:rPr lang="es-ES" sz="1400" dirty="0"/>
+              <a:t>movimiento</a:t>
+            </a:r>
+          </a:p>
+        </p:txBody>
+      </p:sp>
+      <p:sp>
+        <p:nvSpPr>
+          <p:cNvPr id="43" name="42 Elipse"/>
+          <p:cNvSpPr/>
+          <p:nvPr/>
+        </p:nvSpPr>
+        <p:spPr>
+          <a:xfrm>
+            <a:off x="2051720" y="3284984"/>
+            <a:ext cx="1224136" cy="864096"/>
+          </a:xfrm>
+          <a:prstGeom prst="ellipse">
+            <a:avLst/>
+          </a:prstGeom>
+        </p:spPr>
+        <p:style>
+          <a:lnRef idx="2">
+            <a:schemeClr val="accent1">
+              <a:shade val="50000"/>
+            </a:schemeClr>
+          </a:lnRef>
+          <a:fillRef idx="1">
+            <a:schemeClr val="accent1"/>
+          </a:fillRef>
+          <a:effectRef idx="0">
+            <a:schemeClr val="accent1"/>
+          </a:effectRef>
+          <a:fontRef idx="minor">
+            <a:schemeClr val="lt1"/>
+          </a:fontRef>
+        </p:style>
+        <p:txBody>
+          <a:bodyPr rtlCol="0" anchor="ctr"/>
+          <a:lstStyle/>
+          <a:p>
+            <a:pPr algn="ctr"/>
+            <a:r>
+              <a:rPr lang="es-ES" sz="1400" dirty="0"/>
+              <a:t>movimiento</a:t>
+            </a:r>
+          </a:p>
+        </p:txBody>
+      </p:sp>
+      <p:sp>
+        <p:nvSpPr>
+          <p:cNvPr id="44" name="43 Elipse"/>
+          <p:cNvSpPr/>
+          <p:nvPr/>
+        </p:nvSpPr>
+        <p:spPr>
+          <a:xfrm>
+            <a:off x="2195736" y="3284984"/>
+            <a:ext cx="1224136" cy="864096"/>
+          </a:xfrm>
+          <a:prstGeom prst="ellipse">
+            <a:avLst/>
+          </a:prstGeom>
+        </p:spPr>
+        <p:style>
+          <a:lnRef idx="2">
+            <a:schemeClr val="accent1">
+              <a:shade val="50000"/>
+            </a:schemeClr>
+          </a:lnRef>
+          <a:fillRef idx="1">
+            <a:schemeClr val="accent1"/>
+          </a:fillRef>
+          <a:effectRef idx="0">
+            <a:schemeClr val="accent1"/>
+          </a:effectRef>
+          <a:fontRef idx="minor">
+            <a:schemeClr val="lt1"/>
+          </a:fontRef>
+        </p:style>
+        <p:txBody>
+          <a:bodyPr rtlCol="0" anchor="ctr"/>
+          <a:lstStyle/>
+          <a:p>
+            <a:pPr algn="ctr"/>
+            <a:r>
+              <a:rPr lang="es-ES" sz="1400" dirty="0"/>
+              <a:t>movimiento</a:t>
+            </a:r>
+          </a:p>
+        </p:txBody>
+      </p:sp>
+      <p:sp>
+        <p:nvSpPr>
+          <p:cNvPr id="45" name="44 Elipse"/>
+          <p:cNvSpPr/>
+          <p:nvPr/>
+        </p:nvSpPr>
+        <p:spPr>
+          <a:xfrm>
+            <a:off x="2339752" y="3284984"/>
+            <a:ext cx="1224136" cy="864096"/>
+          </a:xfrm>
+          <a:prstGeom prst="ellipse">
+            <a:avLst/>
+          </a:prstGeom>
+        </p:spPr>
+        <p:style>
+          <a:lnRef idx="2">
+            <a:schemeClr val="accent1">
+              <a:shade val="50000"/>
+            </a:schemeClr>
+          </a:lnRef>
+          <a:fillRef idx="1">
+            <a:schemeClr val="accent1"/>
+          </a:fillRef>
+          <a:effectRef idx="0">
+            <a:schemeClr val="accent1"/>
+          </a:effectRef>
+          <a:fontRef idx="minor">
+            <a:schemeClr val="lt1"/>
+          </a:fontRef>
+        </p:style>
+        <p:txBody>
+          <a:bodyPr rtlCol="0" anchor="ctr"/>
+          <a:lstStyle/>
+          <a:p>
+            <a:pPr algn="ctr"/>
+            <a:r>
+              <a:rPr lang="es-ES" sz="1400" dirty="0"/>
+              <a:t>movimiento</a:t>
+            </a:r>
+          </a:p>
+        </p:txBody>
+      </p:sp>
+      <p:sp>
+        <p:nvSpPr>
+          <p:cNvPr id="46" name="45 Elipse"/>
+          <p:cNvSpPr/>
+          <p:nvPr/>
+        </p:nvSpPr>
+        <p:spPr>
+          <a:xfrm>
+            <a:off x="2483768" y="3284984"/>
+            <a:ext cx="1224136" cy="864096"/>
+          </a:xfrm>
+          <a:prstGeom prst="ellipse">
+            <a:avLst/>
+          </a:prstGeom>
+        </p:spPr>
+        <p:style>
+          <a:lnRef idx="2">
+            <a:schemeClr val="accent1">
+              <a:shade val="50000"/>
+            </a:schemeClr>
+          </a:lnRef>
+          <a:fillRef idx="1">
+            <a:schemeClr val="accent1"/>
+          </a:fillRef>
+          <a:effectRef idx="0">
+            <a:schemeClr val="accent1"/>
+          </a:effectRef>
+          <a:fontRef idx="minor">
+            <a:schemeClr val="lt1"/>
+          </a:fontRef>
+        </p:style>
+        <p:txBody>
+          <a:bodyPr rtlCol="0" anchor="ctr"/>
+          <a:lstStyle/>
+          <a:p>
+            <a:pPr algn="ctr"/>
+            <a:r>
+              <a:rPr lang="es-ES" sz="1400" dirty="0"/>
+              <a:t>movimiento</a:t>
+            </a:r>
+          </a:p>
+        </p:txBody>
+      </p:sp>
+      <p:grpSp>
+        <p:nvGrpSpPr>
+          <p:cNvPr id="53" name="52 Grupo"/>
+          <p:cNvGrpSpPr/>
+          <p:nvPr/>
+        </p:nvGrpSpPr>
+        <p:grpSpPr>
+          <a:xfrm>
+            <a:off x="6804248" y="4653136"/>
+            <a:ext cx="1800200" cy="1368152"/>
+            <a:chOff x="6804248" y="4653136"/>
+            <a:chExt cx="1800200" cy="1368152"/>
+          </a:xfrm>
+        </p:grpSpPr>
+        <p:sp>
+          <p:nvSpPr>
+            <p:cNvPr id="47" name="46 Rectángulo redondeado"/>
+            <p:cNvSpPr/>
+            <p:nvPr/>
+          </p:nvSpPr>
+          <p:spPr>
+            <a:xfrm>
+              <a:off x="6804248" y="4653136"/>
+              <a:ext cx="1800200" cy="1368152"/>
+            </a:xfrm>
+            <a:prstGeom prst="roundRect">
+              <a:avLst/>
+            </a:prstGeom>
+          </p:spPr>
+          <p:style>
+            <a:lnRef idx="2">
+              <a:schemeClr val="accent1">
+                <a:shade val="50000"/>
+              </a:schemeClr>
+            </a:lnRef>
+            <a:fillRef idx="1">
+              <a:schemeClr val="accent1"/>
+            </a:fillRef>
+            <a:effectRef idx="0">
+              <a:schemeClr val="accent1"/>
+            </a:effectRef>
+            <a:fontRef idx="minor">
+              <a:schemeClr val="lt1"/>
+            </a:fontRef>
+          </p:style>
+          <p:txBody>
+            <a:bodyPr rtlCol="0" anchor="t"/>
+            <a:lstStyle/>
+            <a:p>
+              <a:pPr algn="ctr"/>
+              <a:r>
+                <a:rPr lang="es-ES" sz="1400" dirty="0"/>
+                <a:t>Movimiento</a:t>
+              </a:r>
+            </a:p>
+          </p:txBody>
+        </p:sp>
+        <p:sp>
+          <p:nvSpPr>
+            <p:cNvPr id="48" name="47 Elipse"/>
+            <p:cNvSpPr/>
+            <p:nvPr/>
+          </p:nvSpPr>
+          <p:spPr>
+            <a:xfrm>
+              <a:off x="7020272" y="5013176"/>
+              <a:ext cx="1368152" cy="864096"/>
+            </a:xfrm>
+            <a:prstGeom prst="ellipse">
+              <a:avLst/>
+            </a:prstGeom>
+          </p:spPr>
+          <p:style>
+            <a:lnRef idx="2">
+              <a:schemeClr val="accent1">
+                <a:shade val="50000"/>
+              </a:schemeClr>
+            </a:lnRef>
+            <a:fillRef idx="1">
+              <a:schemeClr val="accent1"/>
+            </a:fillRef>
+            <a:effectRef idx="0">
+              <a:schemeClr val="accent1"/>
+            </a:effectRef>
+            <a:fontRef idx="minor">
+              <a:schemeClr val="lt1"/>
+            </a:fontRef>
+          </p:style>
+          <p:txBody>
+            <a:bodyPr rtlCol="0" anchor="ctr"/>
+            <a:lstStyle/>
+            <a:p>
+              <a:pPr algn="ctr"/>
+              <a:r>
+                <a:rPr lang="es-ES" sz="1400" dirty="0"/>
+                <a:t>valor</a:t>
+              </a:r>
+            </a:p>
+            <a:p>
+              <a:pPr algn="ctr"/>
+              <a:r>
+                <a:rPr lang="es-ES" sz="1400" dirty="0"/>
+                <a:t>230</a:t>
+              </a:r>
+            </a:p>
+          </p:txBody>
+        </p:sp>
+      </p:grpSp>
+      <p:grpSp>
+        <p:nvGrpSpPr>
+          <p:cNvPr id="54" name="53 Grupo"/>
+          <p:cNvGrpSpPr/>
+          <p:nvPr/>
+        </p:nvGrpSpPr>
+        <p:grpSpPr>
+          <a:xfrm>
+            <a:off x="4860032" y="5085184"/>
+            <a:ext cx="1800200" cy="1368152"/>
+            <a:chOff x="6804248" y="4653136"/>
+            <a:chExt cx="1800200" cy="1368152"/>
+          </a:xfrm>
+        </p:grpSpPr>
+        <p:sp>
+          <p:nvSpPr>
+            <p:cNvPr id="55" name="54 Rectángulo redondeado"/>
+            <p:cNvSpPr/>
+            <p:nvPr/>
+          </p:nvSpPr>
+          <p:spPr>
+            <a:xfrm>
+              <a:off x="6804248" y="4653136"/>
+              <a:ext cx="1800200" cy="1368152"/>
+            </a:xfrm>
+            <a:prstGeom prst="roundRect">
+              <a:avLst/>
+            </a:prstGeom>
+          </p:spPr>
+          <p:style>
+            <a:lnRef idx="2">
+              <a:schemeClr val="accent1">
+                <a:shade val="50000"/>
+              </a:schemeClr>
+            </a:lnRef>
+            <a:fillRef idx="1">
+              <a:schemeClr val="accent1"/>
+            </a:fillRef>
+            <a:effectRef idx="0">
+              <a:schemeClr val="accent1"/>
+            </a:effectRef>
+            <a:fontRef idx="minor">
+              <a:schemeClr val="lt1"/>
+            </a:fontRef>
+          </p:style>
+          <p:txBody>
+            <a:bodyPr rtlCol="0" anchor="t"/>
+            <a:lstStyle/>
+            <a:p>
+              <a:pPr algn="ctr"/>
+              <a:r>
+                <a:rPr lang="es-ES" sz="1400" dirty="0"/>
+                <a:t>Movimiento</a:t>
+              </a:r>
+            </a:p>
+          </p:txBody>
+        </p:sp>
+        <p:sp>
+          <p:nvSpPr>
+            <p:cNvPr id="56" name="55 Elipse"/>
+            <p:cNvSpPr/>
+            <p:nvPr/>
+          </p:nvSpPr>
+          <p:spPr>
+            <a:xfrm>
+              <a:off x="7020272" y="5013176"/>
+              <a:ext cx="1368152" cy="864096"/>
+            </a:xfrm>
+            <a:prstGeom prst="ellipse">
+              <a:avLst/>
+            </a:prstGeom>
+          </p:spPr>
+          <p:style>
+            <a:lnRef idx="2">
+              <a:schemeClr val="accent1">
+                <a:shade val="50000"/>
+              </a:schemeClr>
+            </a:lnRef>
+            <a:fillRef idx="1">
+              <a:schemeClr val="accent1"/>
+            </a:fillRef>
+            <a:effectRef idx="0">
+              <a:schemeClr val="accent1"/>
+            </a:effectRef>
+            <a:fontRef idx="minor">
+              <a:schemeClr val="lt1"/>
+            </a:fontRef>
+          </p:style>
+          <p:txBody>
+            <a:bodyPr rtlCol="0" anchor="ctr"/>
+            <a:lstStyle/>
+            <a:p>
+              <a:pPr algn="ctr"/>
+              <a:r>
+                <a:rPr lang="es-ES" sz="1400" dirty="0"/>
+                <a:t>valor</a:t>
+              </a:r>
+            </a:p>
+            <a:p>
+              <a:pPr algn="ctr"/>
+              <a:r>
+                <a:rPr lang="es-ES" sz="1400" dirty="0"/>
+                <a:t>230</a:t>
+              </a:r>
+            </a:p>
+          </p:txBody>
+        </p:sp>
+      </p:grpSp>
+      <p:grpSp>
+        <p:nvGrpSpPr>
+          <p:cNvPr id="57" name="56 Grupo"/>
+          <p:cNvGrpSpPr/>
+          <p:nvPr/>
+        </p:nvGrpSpPr>
+        <p:grpSpPr>
+          <a:xfrm>
+            <a:off x="4932040" y="4509120"/>
+            <a:ext cx="1800200" cy="1368152"/>
+            <a:chOff x="6804248" y="4653136"/>
+            <a:chExt cx="1800200" cy="1368152"/>
+          </a:xfrm>
+        </p:grpSpPr>
+        <p:sp>
+          <p:nvSpPr>
+            <p:cNvPr id="58" name="57 Rectángulo redondeado"/>
+            <p:cNvSpPr/>
+            <p:nvPr/>
+          </p:nvSpPr>
+          <p:spPr>
+            <a:xfrm>
+              <a:off x="6804248" y="4653136"/>
+              <a:ext cx="1800200" cy="1368152"/>
+            </a:xfrm>
+            <a:prstGeom prst="roundRect">
+              <a:avLst/>
+            </a:prstGeom>
+          </p:spPr>
+          <p:style>
+            <a:lnRef idx="2">
+              <a:schemeClr val="accent1">
+                <a:shade val="50000"/>
+              </a:schemeClr>
+            </a:lnRef>
+            <a:fillRef idx="1">
+              <a:schemeClr val="accent1"/>
+            </a:fillRef>
+            <a:effectRef idx="0">
+              <a:schemeClr val="accent1"/>
+            </a:effectRef>
+            <a:fontRef idx="minor">
+              <a:schemeClr val="lt1"/>
+            </a:fontRef>
+          </p:style>
+          <p:txBody>
+            <a:bodyPr rtlCol="0" anchor="t"/>
+            <a:lstStyle/>
+            <a:p>
+              <a:pPr algn="ctr"/>
+              <a:r>
+                <a:rPr lang="es-ES" sz="1400" dirty="0"/>
+                <a:t>Movimiento</a:t>
+              </a:r>
+            </a:p>
+          </p:txBody>
+        </p:sp>
+        <p:sp>
+          <p:nvSpPr>
+            <p:cNvPr id="59" name="58 Elipse"/>
+            <p:cNvSpPr/>
+            <p:nvPr/>
+          </p:nvSpPr>
+          <p:spPr>
+            <a:xfrm>
+              <a:off x="7020272" y="5013176"/>
+              <a:ext cx="1368152" cy="864096"/>
+            </a:xfrm>
+            <a:prstGeom prst="ellipse">
+              <a:avLst/>
+            </a:prstGeom>
+          </p:spPr>
+          <p:style>
+            <a:lnRef idx="2">
+              <a:schemeClr val="accent1">
+                <a:shade val="50000"/>
+              </a:schemeClr>
+            </a:lnRef>
+            <a:fillRef idx="1">
+              <a:schemeClr val="accent1"/>
+            </a:fillRef>
+            <a:effectRef idx="0">
+              <a:schemeClr val="accent1"/>
+            </a:effectRef>
+            <a:fontRef idx="minor">
+              <a:schemeClr val="lt1"/>
+            </a:fontRef>
+          </p:style>
+          <p:txBody>
+            <a:bodyPr rtlCol="0" anchor="ctr"/>
+            <a:lstStyle/>
+            <a:p>
+              <a:pPr algn="ctr"/>
+              <a:r>
+                <a:rPr lang="es-ES" sz="1400" dirty="0"/>
+                <a:t>valor</a:t>
+              </a:r>
+            </a:p>
+            <a:p>
+              <a:pPr algn="ctr"/>
+              <a:r>
+                <a:rPr lang="es-ES" sz="1400" dirty="0"/>
+                <a:t>170</a:t>
+              </a:r>
+            </a:p>
+          </p:txBody>
+        </p:sp>
+      </p:grpSp>
+      <p:grpSp>
+        <p:nvGrpSpPr>
+          <p:cNvPr id="60" name="59 Grupo"/>
+          <p:cNvGrpSpPr/>
+          <p:nvPr/>
+        </p:nvGrpSpPr>
+        <p:grpSpPr>
+          <a:xfrm>
+            <a:off x="3851920" y="5157192"/>
+            <a:ext cx="1800200" cy="1368152"/>
+            <a:chOff x="6804248" y="4653136"/>
+            <a:chExt cx="1800200" cy="1368152"/>
+          </a:xfrm>
+        </p:grpSpPr>
+        <p:sp>
+          <p:nvSpPr>
+            <p:cNvPr id="61" name="60 Rectángulo redondeado"/>
+            <p:cNvSpPr/>
+            <p:nvPr/>
+          </p:nvSpPr>
+          <p:spPr>
+            <a:xfrm>
+              <a:off x="6804248" y="4653136"/>
+              <a:ext cx="1800200" cy="1368152"/>
+            </a:xfrm>
+            <a:prstGeom prst="roundRect">
+              <a:avLst/>
+            </a:prstGeom>
+          </p:spPr>
+          <p:style>
+            <a:lnRef idx="2">
+              <a:schemeClr val="accent1">
+                <a:shade val="50000"/>
+              </a:schemeClr>
+            </a:lnRef>
+            <a:fillRef idx="1">
+              <a:schemeClr val="accent1"/>
+            </a:fillRef>
+            <a:effectRef idx="0">
+              <a:schemeClr val="accent1"/>
+            </a:effectRef>
+            <a:fontRef idx="minor">
+              <a:schemeClr val="lt1"/>
+            </a:fontRef>
+          </p:style>
+          <p:txBody>
+            <a:bodyPr rtlCol="0" anchor="t"/>
+            <a:lstStyle/>
+            <a:p>
+              <a:pPr algn="ctr"/>
+              <a:r>
+                <a:rPr lang="es-ES" sz="1400" dirty="0"/>
+                <a:t>Movimiento</a:t>
+              </a:r>
+            </a:p>
+          </p:txBody>
+        </p:sp>
+        <p:sp>
+          <p:nvSpPr>
+            <p:cNvPr id="62" name="61 Elipse"/>
+            <p:cNvSpPr/>
+            <p:nvPr/>
+          </p:nvSpPr>
+          <p:spPr>
+            <a:xfrm>
+              <a:off x="7020272" y="5013176"/>
+              <a:ext cx="1368152" cy="864096"/>
+            </a:xfrm>
+            <a:prstGeom prst="ellipse">
+              <a:avLst/>
+            </a:prstGeom>
+          </p:spPr>
+          <p:style>
+            <a:lnRef idx="2">
+              <a:schemeClr val="accent1">
+                <a:shade val="50000"/>
+              </a:schemeClr>
+            </a:lnRef>
+            <a:fillRef idx="1">
+              <a:schemeClr val="accent1"/>
+            </a:fillRef>
+            <a:effectRef idx="0">
+              <a:schemeClr val="accent1"/>
+            </a:effectRef>
+            <a:fontRef idx="minor">
+              <a:schemeClr val="lt1"/>
+            </a:fontRef>
+          </p:style>
+          <p:txBody>
+            <a:bodyPr rtlCol="0" anchor="ctr"/>
+            <a:lstStyle/>
+            <a:p>
+              <a:pPr algn="ctr"/>
+              <a:r>
+                <a:rPr lang="es-ES" sz="1400" dirty="0"/>
+                <a:t>valor</a:t>
+              </a:r>
+            </a:p>
+            <a:p>
+              <a:pPr algn="ctr"/>
+              <a:r>
+                <a:rPr lang="es-ES" sz="1400" dirty="0"/>
+                <a:t>250</a:t>
+              </a:r>
+            </a:p>
+          </p:txBody>
+        </p:sp>
+      </p:grpSp>
+      <p:grpSp>
+        <p:nvGrpSpPr>
+          <p:cNvPr id="63" name="62 Grupo"/>
+          <p:cNvGrpSpPr/>
+          <p:nvPr/>
+        </p:nvGrpSpPr>
+        <p:grpSpPr>
+          <a:xfrm>
+            <a:off x="6516216" y="5157192"/>
+            <a:ext cx="1800200" cy="1368152"/>
+            <a:chOff x="6804248" y="4653136"/>
+            <a:chExt cx="1800200" cy="1368152"/>
+          </a:xfrm>
+        </p:grpSpPr>
+        <p:sp>
+          <p:nvSpPr>
+            <p:cNvPr id="64" name="63 Rectángulo redondeado"/>
+            <p:cNvSpPr/>
+            <p:nvPr/>
+          </p:nvSpPr>
+          <p:spPr>
+            <a:xfrm>
+              <a:off x="6804248" y="4653136"/>
+              <a:ext cx="1800200" cy="1368152"/>
+            </a:xfrm>
+            <a:prstGeom prst="roundRect">
+              <a:avLst/>
+            </a:prstGeom>
+          </p:spPr>
+          <p:style>
+            <a:lnRef idx="2">
+              <a:schemeClr val="accent1">
+                <a:shade val="50000"/>
+              </a:schemeClr>
+            </a:lnRef>
+            <a:fillRef idx="1">
+              <a:schemeClr val="accent1"/>
+            </a:fillRef>
+            <a:effectRef idx="0">
+              <a:schemeClr val="accent1"/>
+            </a:effectRef>
+            <a:fontRef idx="minor">
+              <a:schemeClr val="lt1"/>
+            </a:fontRef>
+          </p:style>
+          <p:txBody>
+            <a:bodyPr rtlCol="0" anchor="t"/>
+            <a:lstStyle/>
+            <a:p>
+              <a:pPr algn="ctr"/>
+              <a:r>
+                <a:rPr lang="es-ES" sz="1400" dirty="0"/>
+                <a:t>Movimiento</a:t>
+              </a:r>
+            </a:p>
+          </p:txBody>
+        </p:sp>
+        <p:sp>
+          <p:nvSpPr>
+            <p:cNvPr id="65" name="64 Elipse"/>
+            <p:cNvSpPr/>
+            <p:nvPr/>
+          </p:nvSpPr>
+          <p:spPr>
+            <a:xfrm>
+              <a:off x="7020272" y="5013176"/>
+              <a:ext cx="1368152" cy="864096"/>
+            </a:xfrm>
+            <a:prstGeom prst="ellipse">
+              <a:avLst/>
+            </a:prstGeom>
+          </p:spPr>
+          <p:style>
+            <a:lnRef idx="2">
+              <a:schemeClr val="accent1">
+                <a:shade val="50000"/>
+              </a:schemeClr>
+            </a:lnRef>
+            <a:fillRef idx="1">
+              <a:schemeClr val="accent1"/>
+            </a:fillRef>
+            <a:effectRef idx="0">
+              <a:schemeClr val="accent1"/>
+            </a:effectRef>
+            <a:fontRef idx="minor">
+              <a:schemeClr val="lt1"/>
+            </a:fontRef>
+          </p:style>
+          <p:txBody>
+            <a:bodyPr rtlCol="0" anchor="ctr"/>
+            <a:lstStyle/>
+            <a:p>
+              <a:pPr algn="ctr"/>
+              <a:r>
+                <a:rPr lang="es-ES" sz="1400" dirty="0"/>
+                <a:t>valor</a:t>
+              </a:r>
+            </a:p>
+            <a:p>
+              <a:pPr algn="ctr"/>
+              <a:r>
+                <a:rPr lang="es-ES" sz="1400" dirty="0"/>
+                <a:t>415</a:t>
+              </a:r>
+            </a:p>
+          </p:txBody>
+        </p:sp>
+      </p:grpSp>
+      <p:grpSp>
+        <p:nvGrpSpPr>
+          <p:cNvPr id="66" name="65 Grupo"/>
+          <p:cNvGrpSpPr/>
+          <p:nvPr/>
+        </p:nvGrpSpPr>
+        <p:grpSpPr>
+          <a:xfrm>
+            <a:off x="3779912" y="4365104"/>
+            <a:ext cx="1800200" cy="1368152"/>
+            <a:chOff x="6804248" y="4653136"/>
+            <a:chExt cx="1800200" cy="1368152"/>
+          </a:xfrm>
+        </p:grpSpPr>
+        <p:sp>
+          <p:nvSpPr>
+            <p:cNvPr id="67" name="66 Rectángulo redondeado"/>
+            <p:cNvSpPr/>
+            <p:nvPr/>
+          </p:nvSpPr>
+          <p:spPr>
+            <a:xfrm>
+              <a:off x="6804248" y="4653136"/>
+              <a:ext cx="1800200" cy="1368152"/>
+            </a:xfrm>
+            <a:prstGeom prst="roundRect">
+              <a:avLst/>
+            </a:prstGeom>
+          </p:spPr>
+          <p:style>
+            <a:lnRef idx="2">
+              <a:schemeClr val="accent1">
+                <a:shade val="50000"/>
+              </a:schemeClr>
+            </a:lnRef>
+            <a:fillRef idx="1">
+              <a:schemeClr val="accent1"/>
+            </a:fillRef>
+            <a:effectRef idx="0">
+              <a:schemeClr val="accent1"/>
+            </a:effectRef>
+            <a:fontRef idx="minor">
+              <a:schemeClr val="lt1"/>
+            </a:fontRef>
+          </p:style>
+          <p:txBody>
+            <a:bodyPr rtlCol="0" anchor="t"/>
+            <a:lstStyle/>
+            <a:p>
+              <a:pPr algn="ctr"/>
+              <a:r>
+                <a:rPr lang="es-ES" sz="1400" dirty="0"/>
+                <a:t>Movimiento</a:t>
+              </a:r>
+            </a:p>
+          </p:txBody>
+        </p:sp>
+        <p:sp>
+          <p:nvSpPr>
+            <p:cNvPr id="68" name="67 Elipse"/>
+            <p:cNvSpPr/>
+            <p:nvPr/>
+          </p:nvSpPr>
+          <p:spPr>
+            <a:xfrm>
+              <a:off x="7020272" y="5013176"/>
+              <a:ext cx="1368152" cy="864096"/>
+            </a:xfrm>
+            <a:prstGeom prst="ellipse">
+              <a:avLst/>
+            </a:prstGeom>
+          </p:spPr>
+          <p:style>
+            <a:lnRef idx="2">
+              <a:schemeClr val="accent1">
+                <a:shade val="50000"/>
+              </a:schemeClr>
+            </a:lnRef>
+            <a:fillRef idx="1">
+              <a:schemeClr val="accent1"/>
+            </a:fillRef>
+            <a:effectRef idx="0">
+              <a:schemeClr val="accent1"/>
+            </a:effectRef>
+            <a:fontRef idx="minor">
+              <a:schemeClr val="lt1"/>
+            </a:fontRef>
+          </p:style>
+          <p:txBody>
+            <a:bodyPr rtlCol="0" anchor="ctr"/>
+            <a:lstStyle/>
+            <a:p>
+              <a:pPr algn="ctr"/>
+              <a:r>
+                <a:rPr lang="es-ES" sz="1400" dirty="0"/>
+                <a:t>valor</a:t>
+              </a:r>
+            </a:p>
+            <a:p>
+              <a:pPr algn="ctr"/>
+              <a:r>
+                <a:rPr lang="es-ES" sz="1400" dirty="0"/>
+                <a:t>700</a:t>
+              </a:r>
+            </a:p>
+          </p:txBody>
+        </p:sp>
+      </p:grpSp>
+      <p:grpSp>
+        <p:nvGrpSpPr>
+          <p:cNvPr id="69" name="68 Grupo"/>
+          <p:cNvGrpSpPr/>
+          <p:nvPr/>
+        </p:nvGrpSpPr>
+        <p:grpSpPr>
+          <a:xfrm>
+            <a:off x="2555776" y="4941168"/>
+            <a:ext cx="1800200" cy="1368152"/>
+            <a:chOff x="6804248" y="4653136"/>
+            <a:chExt cx="1800200" cy="1368152"/>
+          </a:xfrm>
+        </p:grpSpPr>
+        <p:sp>
+          <p:nvSpPr>
+            <p:cNvPr id="70" name="69 Rectángulo redondeado"/>
+            <p:cNvSpPr/>
+            <p:nvPr/>
+          </p:nvSpPr>
+          <p:spPr>
+            <a:xfrm>
+              <a:off x="6804248" y="4653136"/>
+              <a:ext cx="1800200" cy="1368152"/>
+            </a:xfrm>
+            <a:prstGeom prst="roundRect">
+              <a:avLst/>
+            </a:prstGeom>
+          </p:spPr>
+          <p:style>
+            <a:lnRef idx="2">
+              <a:schemeClr val="accent1">
+                <a:shade val="50000"/>
+              </a:schemeClr>
+            </a:lnRef>
+            <a:fillRef idx="1">
+              <a:schemeClr val="accent1"/>
+            </a:fillRef>
+            <a:effectRef idx="0">
+              <a:schemeClr val="accent1"/>
+            </a:effectRef>
+            <a:fontRef idx="minor">
+              <a:schemeClr val="lt1"/>
+            </a:fontRef>
+          </p:style>
+          <p:txBody>
+            <a:bodyPr rtlCol="0" anchor="t"/>
+            <a:lstStyle/>
+            <a:p>
+              <a:pPr algn="ctr"/>
+              <a:r>
+                <a:rPr lang="es-ES" sz="1400" dirty="0"/>
+                <a:t>Movimiento</a:t>
+              </a:r>
+            </a:p>
+          </p:txBody>
+        </p:sp>
+        <p:sp>
+          <p:nvSpPr>
+            <p:cNvPr id="71" name="70 Elipse"/>
+            <p:cNvSpPr/>
+            <p:nvPr/>
+          </p:nvSpPr>
+          <p:spPr>
+            <a:xfrm>
+              <a:off x="7020272" y="5013176"/>
+              <a:ext cx="1368152" cy="864096"/>
+            </a:xfrm>
+            <a:prstGeom prst="ellipse">
+              <a:avLst/>
+            </a:prstGeom>
+          </p:spPr>
+          <p:style>
+            <a:lnRef idx="2">
+              <a:schemeClr val="accent1">
+                <a:shade val="50000"/>
+              </a:schemeClr>
+            </a:lnRef>
+            <a:fillRef idx="1">
+              <a:schemeClr val="accent1"/>
+            </a:fillRef>
+            <a:effectRef idx="0">
+              <a:schemeClr val="accent1"/>
+            </a:effectRef>
+            <a:fontRef idx="minor">
+              <a:schemeClr val="lt1"/>
+            </a:fontRef>
+          </p:style>
+          <p:txBody>
+            <a:bodyPr rtlCol="0" anchor="ctr"/>
+            <a:lstStyle/>
+            <a:p>
+              <a:pPr algn="ctr"/>
+              <a:r>
+                <a:rPr lang="es-ES" sz="1400" dirty="0"/>
+                <a:t>valor</a:t>
+              </a:r>
+            </a:p>
+            <a:p>
+              <a:pPr algn="ctr"/>
+              <a:r>
+                <a:rPr lang="es-ES" sz="1400" dirty="0"/>
+                <a:t>110</a:t>
+              </a:r>
+            </a:p>
+          </p:txBody>
+        </p:sp>
+      </p:grpSp>
+      <p:grpSp>
+        <p:nvGrpSpPr>
+          <p:cNvPr id="72" name="71 Grupo"/>
+          <p:cNvGrpSpPr/>
+          <p:nvPr/>
+        </p:nvGrpSpPr>
+        <p:grpSpPr>
+          <a:xfrm>
+            <a:off x="2051720" y="4365104"/>
+            <a:ext cx="1800200" cy="1368152"/>
+            <a:chOff x="6804248" y="4653136"/>
+            <a:chExt cx="1800200" cy="1368152"/>
+          </a:xfrm>
+        </p:grpSpPr>
+        <p:sp>
+          <p:nvSpPr>
+            <p:cNvPr id="73" name="72 Rectángulo redondeado"/>
+            <p:cNvSpPr/>
+            <p:nvPr/>
+          </p:nvSpPr>
+          <p:spPr>
+            <a:xfrm>
+              <a:off x="6804248" y="4653136"/>
+              <a:ext cx="1800200" cy="1368152"/>
+            </a:xfrm>
+            <a:prstGeom prst="roundRect">
+              <a:avLst/>
+            </a:prstGeom>
+          </p:spPr>
+          <p:style>
+            <a:lnRef idx="2">
+              <a:schemeClr val="accent1">
+                <a:shade val="50000"/>
+              </a:schemeClr>
+            </a:lnRef>
+            <a:fillRef idx="1">
+              <a:schemeClr val="accent1"/>
+            </a:fillRef>
+            <a:effectRef idx="0">
+              <a:schemeClr val="accent1"/>
+            </a:effectRef>
+            <a:fontRef idx="minor">
+              <a:schemeClr val="lt1"/>
+            </a:fontRef>
+          </p:style>
+          <p:txBody>
+            <a:bodyPr rtlCol="0" anchor="t"/>
+            <a:lstStyle/>
+            <a:p>
+              <a:pPr algn="ctr"/>
+              <a:r>
+                <a:rPr lang="es-ES" sz="1400" dirty="0"/>
+                <a:t>Movimiento</a:t>
+              </a:r>
+            </a:p>
+          </p:txBody>
+        </p:sp>
+        <p:sp>
+          <p:nvSpPr>
+            <p:cNvPr id="74" name="73 Elipse"/>
+            <p:cNvSpPr/>
+            <p:nvPr/>
+          </p:nvSpPr>
+          <p:spPr>
+            <a:xfrm>
+              <a:off x="7020272" y="5013176"/>
+              <a:ext cx="1368152" cy="864096"/>
+            </a:xfrm>
+            <a:prstGeom prst="ellipse">
+              <a:avLst/>
+            </a:prstGeom>
+          </p:spPr>
+          <p:style>
+            <a:lnRef idx="2">
+              <a:schemeClr val="accent1">
+                <a:shade val="50000"/>
+              </a:schemeClr>
+            </a:lnRef>
+            <a:fillRef idx="1">
+              <a:schemeClr val="accent1"/>
+            </a:fillRef>
+            <a:effectRef idx="0">
+              <a:schemeClr val="accent1"/>
+            </a:effectRef>
+            <a:fontRef idx="minor">
+              <a:schemeClr val="lt1"/>
+            </a:fontRef>
+          </p:style>
+          <p:txBody>
+            <a:bodyPr rtlCol="0" anchor="ctr"/>
+            <a:lstStyle/>
+            <a:p>
+              <a:pPr algn="ctr"/>
+              <a:r>
+                <a:rPr lang="es-ES" sz="1400" dirty="0"/>
+                <a:t>valor</a:t>
+              </a:r>
+            </a:p>
+            <a:p>
+              <a:pPr algn="ctr"/>
+              <a:r>
+                <a:rPr lang="es-ES" sz="1400" dirty="0"/>
+                <a:t>230</a:t>
+              </a:r>
+            </a:p>
+          </p:txBody>
+        </p:sp>
+      </p:grpSp>
+      <p:grpSp>
+        <p:nvGrpSpPr>
+          <p:cNvPr id="75" name="74 Grupo"/>
+          <p:cNvGrpSpPr/>
+          <p:nvPr/>
+        </p:nvGrpSpPr>
+        <p:grpSpPr>
+          <a:xfrm>
+            <a:off x="1115616" y="4437112"/>
+            <a:ext cx="1800200" cy="1368152"/>
+            <a:chOff x="6804248" y="4653136"/>
+            <a:chExt cx="1800200" cy="1368152"/>
+          </a:xfrm>
+        </p:grpSpPr>
+        <p:sp>
+          <p:nvSpPr>
+            <p:cNvPr id="76" name="75 Rectángulo redondeado"/>
+            <p:cNvSpPr/>
+            <p:nvPr/>
+          </p:nvSpPr>
+          <p:spPr>
+            <a:xfrm>
+              <a:off x="6804248" y="4653136"/>
+              <a:ext cx="1800200" cy="1368152"/>
+            </a:xfrm>
+            <a:prstGeom prst="roundRect">
+              <a:avLst/>
+            </a:prstGeom>
+          </p:spPr>
+          <p:style>
+            <a:lnRef idx="2">
+              <a:schemeClr val="accent1">
+                <a:shade val="50000"/>
+              </a:schemeClr>
+            </a:lnRef>
+            <a:fillRef idx="1">
+              <a:schemeClr val="accent1"/>
+            </a:fillRef>
+            <a:effectRef idx="0">
+              <a:schemeClr val="accent1"/>
+            </a:effectRef>
+            <a:fontRef idx="minor">
+              <a:schemeClr val="lt1"/>
+            </a:fontRef>
+          </p:style>
+          <p:txBody>
+            <a:bodyPr rtlCol="0" anchor="t"/>
+            <a:lstStyle/>
+            <a:p>
+              <a:pPr algn="ctr"/>
+              <a:r>
+                <a:rPr lang="es-ES" sz="1400" dirty="0"/>
+                <a:t>Movimiento</a:t>
+              </a:r>
+            </a:p>
+          </p:txBody>
+        </p:sp>
+        <p:sp>
+          <p:nvSpPr>
+            <p:cNvPr id="77" name="76 Elipse"/>
+            <p:cNvSpPr/>
+            <p:nvPr/>
+          </p:nvSpPr>
+          <p:spPr>
+            <a:xfrm>
+              <a:off x="7020272" y="5013176"/>
+              <a:ext cx="1368152" cy="864096"/>
+            </a:xfrm>
+            <a:prstGeom prst="ellipse">
+              <a:avLst/>
+            </a:prstGeom>
+          </p:spPr>
+          <p:style>
+            <a:lnRef idx="2">
+              <a:schemeClr val="accent1">
+                <a:shade val="50000"/>
+              </a:schemeClr>
+            </a:lnRef>
+            <a:fillRef idx="1">
+              <a:schemeClr val="accent1"/>
+            </a:fillRef>
+            <a:effectRef idx="0">
+              <a:schemeClr val="accent1"/>
+            </a:effectRef>
+            <a:fontRef idx="minor">
+              <a:schemeClr val="lt1"/>
+            </a:fontRef>
+          </p:style>
+          <p:txBody>
+            <a:bodyPr rtlCol="0" anchor="ctr"/>
+            <a:lstStyle/>
+            <a:p>
+              <a:pPr algn="ctr"/>
+              <a:r>
+                <a:rPr lang="es-ES" sz="1400" dirty="0"/>
+                <a:t>valor</a:t>
+              </a:r>
+            </a:p>
+            <a:p>
+              <a:pPr algn="ctr"/>
+              <a:r>
+                <a:rPr lang="es-ES" sz="1400" dirty="0"/>
+                <a:t>230</a:t>
+              </a:r>
+            </a:p>
+          </p:txBody>
+        </p:sp>
+      </p:grpSp>
+      <p:grpSp>
+        <p:nvGrpSpPr>
+          <p:cNvPr id="78" name="77 Grupo"/>
+          <p:cNvGrpSpPr/>
+          <p:nvPr/>
+        </p:nvGrpSpPr>
+        <p:grpSpPr>
+          <a:xfrm>
+            <a:off x="251520" y="4365104"/>
+            <a:ext cx="1800200" cy="1368152"/>
+            <a:chOff x="6804248" y="4653136"/>
+            <a:chExt cx="1800200" cy="1368152"/>
+          </a:xfrm>
+        </p:grpSpPr>
+        <p:sp>
+          <p:nvSpPr>
+            <p:cNvPr id="79" name="78 Rectángulo redondeado"/>
+            <p:cNvSpPr/>
+            <p:nvPr/>
+          </p:nvSpPr>
+          <p:spPr>
+            <a:xfrm>
+              <a:off x="6804248" y="4653136"/>
+              <a:ext cx="1800200" cy="1368152"/>
+            </a:xfrm>
+            <a:prstGeom prst="roundRect">
+              <a:avLst/>
+            </a:prstGeom>
+          </p:spPr>
+          <p:style>
+            <a:lnRef idx="2">
+              <a:schemeClr val="accent1">
+                <a:shade val="50000"/>
+              </a:schemeClr>
+            </a:lnRef>
+            <a:fillRef idx="1">
+              <a:schemeClr val="accent1"/>
+            </a:fillRef>
+            <a:effectRef idx="0">
+              <a:schemeClr val="accent1"/>
+            </a:effectRef>
+            <a:fontRef idx="minor">
+              <a:schemeClr val="lt1"/>
+            </a:fontRef>
+          </p:style>
+          <p:txBody>
+            <a:bodyPr rtlCol="0" anchor="t"/>
+            <a:lstStyle/>
+            <a:p>
+              <a:pPr algn="ctr"/>
+              <a:r>
+                <a:rPr lang="es-ES" sz="1400" dirty="0"/>
+                <a:t>Movimiento</a:t>
+              </a:r>
+            </a:p>
+          </p:txBody>
+        </p:sp>
+        <p:sp>
+          <p:nvSpPr>
+            <p:cNvPr id="80" name="79 Elipse"/>
+            <p:cNvSpPr/>
+            <p:nvPr/>
+          </p:nvSpPr>
+          <p:spPr>
+            <a:xfrm>
+              <a:off x="7020272" y="5013176"/>
+              <a:ext cx="1368152" cy="864096"/>
+            </a:xfrm>
+            <a:prstGeom prst="ellipse">
+              <a:avLst/>
+            </a:prstGeom>
+          </p:spPr>
+          <p:style>
+            <a:lnRef idx="2">
+              <a:schemeClr val="accent1">
+                <a:shade val="50000"/>
+              </a:schemeClr>
+            </a:lnRef>
+            <a:fillRef idx="1">
+              <a:schemeClr val="accent1"/>
+            </a:fillRef>
+            <a:effectRef idx="0">
+              <a:schemeClr val="accent1"/>
+            </a:effectRef>
+            <a:fontRef idx="minor">
+              <a:schemeClr val="lt1"/>
+            </a:fontRef>
+          </p:style>
+          <p:txBody>
+            <a:bodyPr rtlCol="0" anchor="ctr"/>
+            <a:lstStyle/>
+            <a:p>
+              <a:pPr algn="ctr"/>
+              <a:r>
+                <a:rPr lang="es-ES" sz="1400" dirty="0"/>
+                <a:t>valor</a:t>
+              </a:r>
+            </a:p>
+            <a:p>
+              <a:pPr algn="ctr"/>
+              <a:r>
+                <a:rPr lang="es-ES" sz="1400" dirty="0"/>
+                <a:t>140</a:t>
+              </a:r>
+            </a:p>
+          </p:txBody>
+        </p:sp>
+      </p:grpSp>
+      <p:cxnSp>
+        <p:nvCxnSpPr>
+          <p:cNvPr id="81" name="80 Conector recto de flecha"/>
+          <p:cNvCxnSpPr/>
+          <p:nvPr/>
+        </p:nvCxnSpPr>
+        <p:spPr>
+          <a:xfrm>
+            <a:off x="3707904" y="3645024"/>
+            <a:ext cx="4176464" cy="936104"/>
+          </a:xfrm>
+          <a:prstGeom prst="straightConnector1">
+            <a:avLst/>
+          </a:prstGeom>
+          <a:ln>
+            <a:tailEnd type="arrow"/>
+          </a:ln>
+        </p:spPr>
+        <p:style>
+          <a:lnRef idx="2">
+            <a:schemeClr val="dk1"/>
+          </a:lnRef>
+          <a:fillRef idx="0">
+            <a:schemeClr val="dk1"/>
+          </a:fillRef>
+          <a:effectRef idx="1">
+            <a:schemeClr val="dk1"/>
+          </a:effectRef>
+          <a:fontRef idx="minor">
+            <a:schemeClr val="tx1"/>
+          </a:fontRef>
+        </p:style>
+      </p:cxnSp>
+      <p:cxnSp>
+        <p:nvCxnSpPr>
+          <p:cNvPr id="83" name="82 Conector recto de flecha"/>
+          <p:cNvCxnSpPr>
+            <a:endCxn id="64" idx="0"/>
+          </p:cNvCxnSpPr>
+          <p:nvPr/>
+        </p:nvCxnSpPr>
+        <p:spPr>
+          <a:xfrm>
+            <a:off x="3707904" y="3645024"/>
+            <a:ext cx="3708412" cy="1512168"/>
+          </a:xfrm>
+          <a:prstGeom prst="straightConnector1">
+            <a:avLst/>
+          </a:prstGeom>
+          <a:ln>
+            <a:tailEnd type="arrow"/>
+          </a:ln>
+        </p:spPr>
+        <p:style>
+          <a:lnRef idx="2">
+            <a:schemeClr val="dk1"/>
+          </a:lnRef>
+          <a:fillRef idx="0">
+            <a:schemeClr val="dk1"/>
+          </a:fillRef>
+          <a:effectRef idx="1">
+            <a:schemeClr val="dk1"/>
+          </a:effectRef>
+          <a:fontRef idx="minor">
+            <a:schemeClr val="tx1"/>
+          </a:fontRef>
+        </p:style>
+      </p:cxnSp>
+      <p:cxnSp>
+        <p:nvCxnSpPr>
+          <p:cNvPr id="85" name="84 Conector recto de flecha"/>
+          <p:cNvCxnSpPr>
+            <a:stCxn id="46" idx="6"/>
+            <a:endCxn id="67" idx="0"/>
+          </p:cNvCxnSpPr>
+          <p:nvPr/>
+        </p:nvCxnSpPr>
+        <p:spPr>
+          <a:xfrm>
+            <a:off x="3707904" y="3717032"/>
+            <a:ext cx="972108" cy="648072"/>
+          </a:xfrm>
+          <a:prstGeom prst="straightConnector1">
+            <a:avLst/>
+          </a:prstGeom>
+          <a:ln>
+            <a:tailEnd type="arrow"/>
+          </a:ln>
+        </p:spPr>
+        <p:style>
+          <a:lnRef idx="2">
+            <a:schemeClr val="dk1"/>
+          </a:lnRef>
+          <a:fillRef idx="0">
+            <a:schemeClr val="dk1"/>
+          </a:fillRef>
+          <a:effectRef idx="1">
+            <a:schemeClr val="dk1"/>
+          </a:effectRef>
+          <a:fontRef idx="minor">
+            <a:schemeClr val="tx1"/>
+          </a:fontRef>
+        </p:style>
+      </p:cxnSp>
+      <p:cxnSp>
+        <p:nvCxnSpPr>
+          <p:cNvPr id="87" name="86 Conector recto de flecha"/>
+          <p:cNvCxnSpPr>
+            <a:stCxn id="39" idx="3"/>
+            <a:endCxn id="73" idx="0"/>
+          </p:cNvCxnSpPr>
+          <p:nvPr/>
+        </p:nvCxnSpPr>
+        <p:spPr>
+          <a:xfrm>
+            <a:off x="1654927" y="4022536"/>
+            <a:ext cx="1296893" cy="342568"/>
+          </a:xfrm>
+          <a:prstGeom prst="straightConnector1">
+            <a:avLst/>
+          </a:prstGeom>
+          <a:ln>
+            <a:tailEnd type="arrow"/>
+          </a:ln>
+        </p:spPr>
+        <p:style>
+          <a:lnRef idx="2">
+            <a:schemeClr val="dk1"/>
+          </a:lnRef>
+          <a:fillRef idx="0">
+            <a:schemeClr val="dk1"/>
+          </a:fillRef>
+          <a:effectRef idx="1">
+            <a:schemeClr val="dk1"/>
+          </a:effectRef>
+          <a:fontRef idx="minor">
+            <a:schemeClr val="tx1"/>
+          </a:fontRef>
+        </p:style>
+      </p:cxnSp>
+      <p:cxnSp>
+        <p:nvCxnSpPr>
+          <p:cNvPr id="90" name="89 Conector recto de flecha"/>
+          <p:cNvCxnSpPr/>
+          <p:nvPr/>
+        </p:nvCxnSpPr>
+        <p:spPr>
+          <a:xfrm flipH="1">
+            <a:off x="395536" y="4077072"/>
+            <a:ext cx="792088" cy="288032"/>
+          </a:xfrm>
+          <a:prstGeom prst="straightConnector1">
+            <a:avLst/>
+          </a:prstGeom>
+          <a:ln>
+            <a:tailEnd type="arrow"/>
+          </a:ln>
+        </p:spPr>
+        <p:style>
+          <a:lnRef idx="2">
+            <a:schemeClr val="dk1"/>
+          </a:lnRef>
+          <a:fillRef idx="0">
+            <a:schemeClr val="dk1"/>
+          </a:fillRef>
+          <a:effectRef idx="1">
+            <a:schemeClr val="dk1"/>
+          </a:effectRef>
+          <a:fontRef idx="minor">
+            <a:schemeClr val="tx1"/>
+          </a:fontRef>
+        </p:style>
+      </p:cxnSp>
+      <p:cxnSp>
+        <p:nvCxnSpPr>
+          <p:cNvPr id="92" name="91 Conector recto de flecha"/>
+          <p:cNvCxnSpPr/>
+          <p:nvPr/>
+        </p:nvCxnSpPr>
+        <p:spPr>
+          <a:xfrm>
+            <a:off x="1403648" y="4149080"/>
+            <a:ext cx="1008112" cy="432048"/>
+          </a:xfrm>
+          <a:prstGeom prst="straightConnector1">
+            <a:avLst/>
+          </a:prstGeom>
+          <a:ln>
+            <a:tailEnd type="arrow"/>
+          </a:ln>
+        </p:spPr>
+        <p:style>
+          <a:lnRef idx="2">
+            <a:schemeClr val="dk1"/>
+          </a:lnRef>
+          <a:fillRef idx="0">
+            <a:schemeClr val="dk1"/>
+          </a:fillRef>
+          <a:effectRef idx="1">
+            <a:schemeClr val="dk1"/>
+          </a:effectRef>
+          <a:fontRef idx="minor">
+            <a:schemeClr val="tx1"/>
+          </a:fontRef>
+        </p:style>
+      </p:cxnSp>
+      <p:cxnSp>
+        <p:nvCxnSpPr>
+          <p:cNvPr id="94" name="93 Conector recto de flecha"/>
+          <p:cNvCxnSpPr/>
+          <p:nvPr/>
+        </p:nvCxnSpPr>
+        <p:spPr>
+          <a:xfrm>
+            <a:off x="2339752" y="4005064"/>
+            <a:ext cx="1656184" cy="936104"/>
+          </a:xfrm>
+          <a:prstGeom prst="straightConnector1">
+            <a:avLst/>
+          </a:prstGeom>
+          <a:ln>
+            <a:tailEnd type="arrow"/>
+          </a:ln>
+        </p:spPr>
+        <p:style>
+          <a:lnRef idx="2">
+            <a:schemeClr val="dk1"/>
+          </a:lnRef>
+          <a:fillRef idx="0">
+            <a:schemeClr val="dk1"/>
+          </a:fillRef>
+          <a:effectRef idx="1">
+            <a:schemeClr val="dk1"/>
+          </a:effectRef>
+          <a:fontRef idx="minor">
+            <a:schemeClr val="tx1"/>
+          </a:fontRef>
+        </p:style>
+      </p:cxnSp>
+      <p:cxnSp>
+        <p:nvCxnSpPr>
+          <p:cNvPr id="96" name="95 Conector recto de flecha"/>
+          <p:cNvCxnSpPr/>
+          <p:nvPr/>
+        </p:nvCxnSpPr>
+        <p:spPr>
+          <a:xfrm>
+            <a:off x="2843808" y="4005064"/>
+            <a:ext cx="3096344" cy="1800200"/>
+          </a:xfrm>
+          <a:prstGeom prst="straightConnector1">
+            <a:avLst/>
+          </a:prstGeom>
+          <a:ln>
+            <a:tailEnd type="arrow"/>
+          </a:ln>
+        </p:spPr>
+        <p:style>
+          <a:lnRef idx="2">
+            <a:schemeClr val="dk1"/>
+          </a:lnRef>
+          <a:fillRef idx="0">
+            <a:schemeClr val="dk1"/>
+          </a:fillRef>
+          <a:effectRef idx="1">
+            <a:schemeClr val="dk1"/>
+          </a:effectRef>
+          <a:fontRef idx="minor">
+            <a:schemeClr val="tx1"/>
+          </a:fontRef>
+        </p:style>
+      </p:cxnSp>
+    </p:spTree>
+  </p:cSld>
+  <p:clrMapOvr>
+    <a:masterClrMapping/>
+  </p:clrMapOvr>
+</p:sld>
+</file>
+
+<file path=ppt/slides/slide30.xml><?xml version="1.0" encoding="utf-8"?>
+<p:sld xmlns:a="http://schemas.openxmlformats.org/drawingml/2006/main" xmlns:r="http://schemas.openxmlformats.org/officeDocument/2006/relationships" xmlns:p="http://schemas.openxmlformats.org/presentationml/2006/main">
+  <p:cSld>
+    <p:spTree>
+      <p:nvGrpSpPr>
+        <p:cNvPr id="1" name=""/>
+        <p:cNvGrpSpPr/>
+        <p:nvPr/>
+      </p:nvGrpSpPr>
+      <p:grpSpPr>
+        <a:xfrm>
+          <a:off x="0" y="0"/>
+          <a:ext cx="0" cy="0"/>
+          <a:chOff x="0" y="0"/>
+          <a:chExt cx="0" cy="0"/>
+        </a:xfrm>
+      </p:grpSpPr>
+      <p:sp>
+        <p:nvSpPr>
+          <p:cNvPr id="3" name="2 Marcador de contenido"/>
+          <p:cNvSpPr>
+            <a:spLocks noGrp="1"/>
+          </p:cNvSpPr>
+          <p:nvPr>
+            <p:ph idx="1"/>
+          </p:nvPr>
+        </p:nvSpPr>
+        <p:spPr>
+          <a:xfrm>
+            <a:off x="457200" y="908720"/>
+            <a:ext cx="8229600" cy="5256584"/>
+          </a:xfrm>
+        </p:spPr>
+        <p:txBody>
+          <a:bodyPr>
+            <a:normAutofit fontScale="77500" lnSpcReduction="20000"/>
+          </a:bodyPr>
+          <a:lstStyle/>
+          <a:p>
+            <a:pPr algn="just"/>
+            <a:r>
+              <a:rPr lang="es-ES" dirty="0"/>
+              <a:t>Cada vez que se crea una instancia de una clase, se llama al constructor de la misma.</a:t>
+            </a:r>
+          </a:p>
+          <a:p>
+            <a:pPr algn="just"/>
+            <a:endParaRPr lang="es-ES" dirty="0"/>
+          </a:p>
+          <a:p>
+            <a:pPr algn="just"/>
+            <a:r>
+              <a:rPr lang="es-ES" dirty="0"/>
+              <a:t>El constructor hace las veces de método que se ejecuta al crear una nueva instancia de una clase, el cuál se ejecuta automáticamente.</a:t>
+            </a:r>
+          </a:p>
+          <a:p>
+            <a:pPr algn="just"/>
+            <a:endParaRPr lang="es-ES" dirty="0"/>
+          </a:p>
+          <a:p>
+            <a:pPr algn="just"/>
+            <a:r>
+              <a:rPr lang="es-ES" dirty="0"/>
+              <a:t>Por convención tiene el mismo nombre que la clase.</a:t>
+            </a:r>
+          </a:p>
+          <a:p>
+            <a:pPr algn="just"/>
+            <a:endParaRPr lang="es-ES" dirty="0"/>
+          </a:p>
+          <a:p>
+            <a:pPr algn="just"/>
+            <a:r>
+              <a:rPr lang="es-ES" dirty="0"/>
+              <a:t>No es necesario especificar uno dado que C# implementa uno por defecto que crea la instancia y le asigna los valores predeterminados definidos en la especificación de la clase.</a:t>
+            </a:r>
+          </a:p>
+          <a:p>
+            <a:pPr algn="just"/>
+            <a:endParaRPr lang="es-ES" dirty="0"/>
+          </a:p>
+          <a:p>
+            <a:pPr algn="just"/>
+            <a:r>
+              <a:rPr lang="es-ES" dirty="0"/>
+              <a:t>Son útiles para inicializar valores, etc.</a:t>
+            </a:r>
+          </a:p>
+          <a:p>
+            <a:pPr algn="just"/>
+            <a:endParaRPr lang="es-ES" dirty="0"/>
+          </a:p>
+          <a:p>
+            <a:pPr algn="just"/>
+            <a:r>
+              <a:rPr lang="es-ES" dirty="0"/>
+              <a:t>Es factible de realizar una sobre escritura del constructor de una clase.</a:t>
+            </a:r>
+          </a:p>
+        </p:txBody>
+      </p:sp>
+      <p:sp>
+        <p:nvSpPr>
+          <p:cNvPr id="2" name="1 Título"/>
+          <p:cNvSpPr>
+            <a:spLocks noGrp="1"/>
+          </p:cNvSpPr>
+          <p:nvPr>
+            <p:ph type="title"/>
+          </p:nvPr>
+        </p:nvSpPr>
+        <p:spPr>
+          <a:xfrm>
+            <a:off x="457200" y="-27384"/>
+            <a:ext cx="8229600" cy="1143000"/>
+          </a:xfrm>
+        </p:spPr>
+        <p:txBody>
+          <a:bodyPr/>
+          <a:lstStyle/>
+          <a:p>
+            <a:r>
+              <a:rPr lang="es-ES" dirty="0"/>
+              <a:t>Constructores</a:t>
+            </a:r>
+          </a:p>
+        </p:txBody>
+      </p:sp>
+    </p:spTree>
+    <p:extLst>
+      <p:ext uri="{BB962C8B-B14F-4D97-AF65-F5344CB8AC3E}">
+        <p14:creationId xmlns:p14="http://schemas.microsoft.com/office/powerpoint/2010/main" val="2526668328"/>
+      </p:ext>
+    </p:extLst>
+  </p:cSld>
+  <p:clrMapOvr>
+    <a:masterClrMapping/>
+  </p:clrMapOvr>
+</p:sld>
+</file>
+
+<file path=ppt/slides/slide31.xml><?xml version="1.0" encoding="utf-8"?>
+<p:sld xmlns:a="http://schemas.openxmlformats.org/drawingml/2006/main" xmlns:r="http://schemas.openxmlformats.org/officeDocument/2006/relationships" xmlns:p="http://schemas.openxmlformats.org/presentationml/2006/main">
+  <p:cSld>
+    <p:spTree>
+      <p:nvGrpSpPr>
+        <p:cNvPr id="1" name=""/>
+        <p:cNvGrpSpPr/>
+        <p:nvPr/>
+      </p:nvGrpSpPr>
+      <p:grpSpPr>
+        <a:xfrm>
+          <a:off x="0" y="0"/>
+          <a:ext cx="0" cy="0"/>
+          <a:chOff x="0" y="0"/>
+          <a:chExt cx="0" cy="0"/>
+        </a:xfrm>
+      </p:grpSpPr>
+      <p:sp>
+        <p:nvSpPr>
+          <p:cNvPr id="3" name="2 Marcador de contenido"/>
+          <p:cNvSpPr>
+            <a:spLocks noGrp="1"/>
+          </p:cNvSpPr>
+          <p:nvPr>
+            <p:ph idx="1"/>
+          </p:nvPr>
+        </p:nvSpPr>
+        <p:spPr>
+          <a:xfrm>
+            <a:off x="457200" y="332656"/>
+            <a:ext cx="8229600" cy="5976664"/>
+          </a:xfrm>
+        </p:spPr>
+        <p:txBody>
+          <a:bodyPr>
+            <a:normAutofit/>
+          </a:bodyPr>
+          <a:lstStyle/>
+          <a:p>
+            <a:pPr algn="just"/>
+            <a:r>
+              <a:rPr lang="es-ES" dirty="0"/>
+              <a:t>Sintaxis:</a:t>
+            </a:r>
+          </a:p>
+          <a:p>
+            <a:pPr algn="just">
+              <a:buNone/>
+            </a:pPr>
+            <a:r>
+              <a:rPr lang="es-ES" dirty="0"/>
+              <a:t>	</a:t>
+            </a:r>
+            <a:r>
+              <a:rPr lang="es-ES" dirty="0" err="1"/>
+              <a:t>public</a:t>
+            </a:r>
+            <a:r>
+              <a:rPr lang="es-ES" dirty="0"/>
+              <a:t> </a:t>
+            </a:r>
+            <a:r>
+              <a:rPr lang="es-ES" dirty="0" err="1"/>
+              <a:t>class</a:t>
+            </a:r>
+            <a:r>
+              <a:rPr lang="es-ES" dirty="0"/>
+              <a:t> &lt;</a:t>
+            </a:r>
+            <a:r>
+              <a:rPr lang="es-ES" dirty="0" err="1"/>
+              <a:t>nombreClase</a:t>
+            </a:r>
+            <a:r>
+              <a:rPr lang="es-ES" dirty="0"/>
+              <a:t>&gt;</a:t>
+            </a:r>
+          </a:p>
+          <a:p>
+            <a:pPr algn="just">
+              <a:buNone/>
+            </a:pPr>
+            <a:r>
+              <a:rPr lang="es-ES" dirty="0"/>
+              <a:t>	{</a:t>
+            </a:r>
+          </a:p>
+          <a:p>
+            <a:pPr algn="just">
+              <a:buNone/>
+            </a:pPr>
+            <a:r>
+              <a:rPr lang="es-ES" dirty="0"/>
+              <a:t>		</a:t>
+            </a:r>
+            <a:r>
+              <a:rPr lang="es-ES" dirty="0" err="1">
+                <a:solidFill>
+                  <a:srgbClr val="FF0000"/>
+                </a:solidFill>
+              </a:rPr>
+              <a:t>public</a:t>
+            </a:r>
+            <a:r>
+              <a:rPr lang="es-ES" dirty="0">
+                <a:solidFill>
+                  <a:srgbClr val="FF0000"/>
+                </a:solidFill>
+              </a:rPr>
+              <a:t> &lt;</a:t>
+            </a:r>
+            <a:r>
+              <a:rPr lang="es-ES" dirty="0" err="1">
+                <a:solidFill>
+                  <a:srgbClr val="FF0000"/>
+                </a:solidFill>
+              </a:rPr>
+              <a:t>nombreClase</a:t>
+            </a:r>
+            <a:r>
+              <a:rPr lang="es-ES" dirty="0">
+                <a:solidFill>
+                  <a:srgbClr val="FF0000"/>
+                </a:solidFill>
+              </a:rPr>
+              <a:t>&gt;()</a:t>
+            </a:r>
+          </a:p>
+          <a:p>
+            <a:pPr algn="just">
+              <a:buNone/>
+            </a:pPr>
+            <a:r>
+              <a:rPr lang="es-ES" dirty="0">
+                <a:solidFill>
+                  <a:srgbClr val="FF0000"/>
+                </a:solidFill>
+              </a:rPr>
+              <a:t>		{</a:t>
+            </a:r>
+          </a:p>
+          <a:p>
+            <a:pPr algn="just">
+              <a:buNone/>
+            </a:pPr>
+            <a:r>
+              <a:rPr lang="es-ES" dirty="0">
+                <a:solidFill>
+                  <a:srgbClr val="FF0000"/>
+                </a:solidFill>
+              </a:rPr>
+              <a:t>			//Código</a:t>
+            </a:r>
+          </a:p>
+          <a:p>
+            <a:pPr algn="just">
+              <a:buNone/>
+            </a:pPr>
+            <a:r>
+              <a:rPr lang="es-ES" dirty="0">
+                <a:solidFill>
+                  <a:srgbClr val="FF0000"/>
+                </a:solidFill>
+              </a:rPr>
+              <a:t>		}</a:t>
+            </a:r>
+          </a:p>
+          <a:p>
+            <a:pPr algn="just">
+              <a:buNone/>
+            </a:pPr>
+            <a:r>
+              <a:rPr lang="es-ES" dirty="0"/>
+              <a:t>	}</a:t>
+            </a:r>
+          </a:p>
+        </p:txBody>
+      </p:sp>
+    </p:spTree>
+    <p:extLst>
+      <p:ext uri="{BB962C8B-B14F-4D97-AF65-F5344CB8AC3E}">
+        <p14:creationId xmlns:p14="http://schemas.microsoft.com/office/powerpoint/2010/main" val="1647846118"/>
+      </p:ext>
+    </p:extLst>
+  </p:cSld>
+  <p:clrMapOvr>
+    <a:masterClrMapping/>
+  </p:clrMapOvr>
+</p:sld>
+</file>
+
 <file path=ppt/slides/slide32.xml><?xml version="1.0" encoding="utf-8"?>
 <p:sld xmlns:a="http://schemas.openxmlformats.org/drawingml/2006/main" xmlns:r="http://schemas.openxmlformats.org/officeDocument/2006/relationships" xmlns:p="http://schemas.openxmlformats.org/presentationml/2006/main">
   <p:cSld>
@@ -16307,102 +15934,58 @@
         </p:nvSpPr>
         <p:spPr>
           <a:xfrm>
-            <a:off x="457200" y="1052736"/>
-            <a:ext cx="8229600" cy="5040560"/>
+            <a:off x="323528" y="188640"/>
+            <a:ext cx="8229600" cy="3960440"/>
           </a:xfrm>
         </p:spPr>
         <p:txBody>
           <a:bodyPr>
-            <a:normAutofit fontScale="77500" lnSpcReduction="20000"/>
+            <a:normAutofit lnSpcReduction="10000"/>
           </a:bodyPr>
           <a:lstStyle/>
           <a:p>
             <a:pPr algn="just"/>
             <a:r>
               <a:rPr lang="es-ES" dirty="0"/>
-              <a:t>Cuando una clase hereda de otra, recibe todos los miembros (propiedades y métodos) definidos en la superclase.</a:t>
-            </a:r>
-          </a:p>
-          <a:p>
-            <a:endParaRPr lang="es-ES" dirty="0"/>
-          </a:p>
-          <a:p>
-            <a:r>
-              <a:rPr lang="es-ES" dirty="0"/>
-              <a:t>C# permite a la clase que hereda de la clase base redefinir métodos para que implementen una lógica distinta.</a:t>
-            </a:r>
-          </a:p>
-          <a:p>
-            <a:endParaRPr lang="es-ES" dirty="0"/>
-          </a:p>
-          <a:p>
-            <a:r>
-              <a:rPr lang="es-ES" dirty="0"/>
-              <a:t>Para hacer esto, es necesario que la superclase especifique a esos métodos como virtuales, anteponiendo la palabra reservada </a:t>
-            </a:r>
-            <a:r>
-              <a:rPr lang="es-ES" b="1" dirty="0"/>
-              <a:t>virtual</a:t>
-            </a:r>
-            <a:r>
-              <a:rPr lang="es-ES" dirty="0"/>
-              <a:t> a la definición del método.</a:t>
-            </a:r>
-          </a:p>
-          <a:p>
-            <a:endParaRPr lang="es-ES" dirty="0"/>
-          </a:p>
-          <a:p>
-            <a:r>
-              <a:rPr lang="es-ES" dirty="0"/>
-              <a:t>Sintaxis:</a:t>
-            </a:r>
-          </a:p>
-          <a:p>
-            <a:pPr>
+              <a:t>Ejemplo:</a:t>
+            </a:r>
+          </a:p>
+          <a:p>
+            <a:pPr algn="just">
               <a:buNone/>
             </a:pPr>
-            <a:endParaRPr lang="es-ES" dirty="0"/>
-          </a:p>
-          <a:p>
-            <a:pPr>
+            <a:r>
+              <a:rPr lang="es-ES" dirty="0"/>
+              <a:t>	</a:t>
+            </a:r>
+          </a:p>
+          <a:p>
+            <a:pPr algn="just">
               <a:buNone/>
             </a:pPr>
             <a:r>
               <a:rPr lang="es-ES" dirty="0"/>
-              <a:t>	</a:t>
-            </a:r>
-            <a:r>
-              <a:rPr lang="es-ES" dirty="0">
-                <a:solidFill>
-                  <a:srgbClr val="FF0000"/>
-                </a:solidFill>
-              </a:rPr>
-              <a:t>virtual</a:t>
-            </a:r>
-            <a:r>
-              <a:rPr lang="es-ES" dirty="0"/>
-              <a:t> &lt;</a:t>
+              <a:t>   </a:t>
             </a:r>
             <a:r>
               <a:rPr lang="es-ES" dirty="0" err="1"/>
-              <a:t>tipoRetorno</a:t>
-            </a:r>
-            <a:r>
-              <a:rPr lang="es-ES" dirty="0"/>
-              <a:t>&gt; &lt;</a:t>
+              <a:t>public</a:t>
+            </a:r>
+            <a:r>
+              <a:rPr lang="es-ES" dirty="0"/>
+              <a:t> </a:t>
             </a:r>
             <a:r>
               <a:rPr lang="es-ES" dirty="0" err="1"/>
-              <a:t>nombreMétodo</a:t>
-            </a:r>
-            <a:r>
-              <a:rPr lang="es-ES" dirty="0"/>
-              <a:t>&gt;(&lt;parámetros&gt;)</a:t>
-            </a:r>
-          </a:p>
-          <a:p>
-            <a:pPr>
+              <a:t>class</a:t>
+            </a:r>
+            <a:r>
+              <a:rPr lang="es-ES" dirty="0"/>
+              <a:t> Persona</a:t>
+            </a:r>
+          </a:p>
+          <a:p>
+            <a:pPr algn="just">
               <a:buNone/>
             </a:pPr>
             <a:r>
@@ -16411,48 +15994,69 @@
             </a:r>
           </a:p>
           <a:p>
-            <a:pPr>
+            <a:pPr algn="just">
               <a:buNone/>
             </a:pPr>
             <a:r>
               <a:rPr lang="es-ES" dirty="0"/>
-              <a:t>		//código</a:t>
-            </a:r>
-          </a:p>
-          <a:p>
-            <a:pPr>
+              <a:t>		</a:t>
+            </a:r>
+            <a:r>
+              <a:rPr lang="es-ES" dirty="0" err="1"/>
+              <a:t>public</a:t>
+            </a:r>
+            <a:r>
+              <a:rPr lang="es-ES" dirty="0"/>
+              <a:t> Persona() </a:t>
+            </a:r>
+            <a:r>
+              <a:rPr lang="es-ES"/>
+              <a:t>//constructor</a:t>
+            </a:r>
+            <a:endParaRPr lang="es-ES" dirty="0"/>
+          </a:p>
+          <a:p>
+            <a:pPr algn="just">
               <a:buNone/>
             </a:pPr>
             <a:r>
               <a:rPr lang="es-ES" dirty="0"/>
+              <a:t>		{ </a:t>
+            </a:r>
+          </a:p>
+          <a:p>
+            <a:pPr algn="just">
+              <a:buNone/>
+            </a:pPr>
+            <a:r>
+              <a:rPr lang="es-ES" dirty="0"/>
+              <a:t>			 </a:t>
+            </a:r>
+            <a:r>
+              <a:rPr lang="es-ES" dirty="0" err="1"/>
+              <a:t>this.Edad</a:t>
+            </a:r>
+            <a:r>
+              <a:rPr lang="es-ES" dirty="0"/>
+              <a:t> = 1;</a:t>
+            </a:r>
+          </a:p>
+          <a:p>
+            <a:pPr algn="just">
+              <a:buNone/>
+            </a:pPr>
+            <a:r>
+              <a:rPr lang="es-ES" dirty="0"/>
+              <a:t>		}</a:t>
+            </a:r>
+          </a:p>
+          <a:p>
+            <a:pPr algn="just">
+              <a:buNone/>
+            </a:pPr>
+            <a:r>
+              <a:rPr lang="es-ES" dirty="0"/>
               <a:t>	}</a:t>
-            </a:r>
-          </a:p>
-        </p:txBody>
-      </p:sp>
-      <p:sp>
-        <p:nvSpPr>
-          <p:cNvPr id="2" name="1 Título"/>
-          <p:cNvSpPr>
-            <a:spLocks noGrp="1"/>
-          </p:cNvSpPr>
-          <p:nvPr>
-            <p:ph type="title"/>
-          </p:nvPr>
-        </p:nvSpPr>
-        <p:spPr>
-          <a:xfrm>
-            <a:off x="457200" y="44624"/>
-            <a:ext cx="8229600" cy="1143000"/>
-          </a:xfrm>
-        </p:spPr>
-        <p:txBody>
-          <a:bodyPr/>
-          <a:lstStyle/>
-          <a:p>
-            <a:r>
-              <a:rPr lang="es-ES" dirty="0"/>
-              <a:t>Métodos virtuales</a:t>
             </a:r>
           </a:p>
         </p:txBody>
@@ -16460,7 +16064,7 @@
     </p:spTree>
     <p:extLst>
       <p:ext uri="{BB962C8B-B14F-4D97-AF65-F5344CB8AC3E}">
-        <p14:creationId xmlns:p14="http://schemas.microsoft.com/office/powerpoint/2010/main" val="193859832"/>
+        <p14:creationId xmlns:p14="http://schemas.microsoft.com/office/powerpoint/2010/main" val="1586512296"/>
       </p:ext>
     </p:extLst>
   </p:cSld>
@@ -16489,682 +16093,6 @@
       </p:grpSpPr>
       <p:sp>
         <p:nvSpPr>
-          <p:cNvPr id="3" name="2 Marcador de contenido"/>
-          <p:cNvSpPr>
-            <a:spLocks noGrp="1"/>
-          </p:cNvSpPr>
-          <p:nvPr>
-            <p:ph idx="1"/>
-          </p:nvPr>
-        </p:nvSpPr>
-        <p:spPr>
-          <a:xfrm>
-            <a:off x="251520" y="404664"/>
-            <a:ext cx="8568952" cy="5760640"/>
-          </a:xfrm>
-        </p:spPr>
-        <p:txBody>
-          <a:bodyPr>
-            <a:normAutofit fontScale="92500" lnSpcReduction="10000"/>
-          </a:bodyPr>
-          <a:lstStyle/>
-          <a:p>
-            <a:pPr algn="just"/>
-            <a:r>
-              <a:rPr lang="es-ES" dirty="0"/>
-              <a:t>Entonces, vamos a decir que un método es virtual si incluye la palabra reservada </a:t>
-            </a:r>
-            <a:r>
-              <a:rPr lang="es-ES" b="1" dirty="0"/>
-              <a:t>virtual</a:t>
-            </a:r>
-            <a:r>
-              <a:rPr lang="es-ES" dirty="0"/>
-              <a:t> en su declaración. De otra forma, el método es no virtual y por lo tanto es invariable.</a:t>
-            </a:r>
-          </a:p>
-          <a:p>
-            <a:pPr algn="just"/>
-            <a:endParaRPr lang="es-ES" dirty="0"/>
-          </a:p>
-          <a:p>
-            <a:pPr algn="just"/>
-            <a:r>
-              <a:rPr lang="es-ES" dirty="0"/>
-              <a:t>En caso de que el método se declare como </a:t>
-            </a:r>
-            <a:r>
-              <a:rPr lang="es-ES" b="1" dirty="0"/>
-              <a:t>virtual</a:t>
-            </a:r>
-            <a:r>
-              <a:rPr lang="es-ES" dirty="0"/>
-              <a:t> .</a:t>
-            </a:r>
-          </a:p>
-          <a:p>
-            <a:pPr algn="just"/>
-            <a:endParaRPr lang="es-ES" b="1" dirty="0"/>
-          </a:p>
-          <a:p>
-            <a:pPr algn="just"/>
-            <a:r>
-              <a:rPr lang="es-ES" dirty="0"/>
-              <a:t>Cuando la clase que hereda redefine un método de su clase padre, debe especificarlo con la palabra reservada </a:t>
-            </a:r>
-            <a:r>
-              <a:rPr lang="es-ES" b="1" dirty="0" err="1"/>
-              <a:t>override</a:t>
-            </a:r>
-            <a:r>
-              <a:rPr lang="es-ES" dirty="0"/>
-              <a:t>.</a:t>
-            </a:r>
-          </a:p>
-          <a:p>
-            <a:pPr algn="just"/>
-            <a:endParaRPr lang="es-ES" dirty="0"/>
-          </a:p>
-          <a:p>
-            <a:pPr>
-              <a:buNone/>
-            </a:pPr>
-            <a:r>
-              <a:rPr lang="es-ES" sz="2200" dirty="0">
-                <a:solidFill>
-                  <a:srgbClr val="FF0000"/>
-                </a:solidFill>
-              </a:rPr>
-              <a:t>	</a:t>
-            </a:r>
-            <a:r>
-              <a:rPr lang="es-ES" sz="2200" dirty="0" err="1">
-                <a:solidFill>
-                  <a:srgbClr val="FF0000"/>
-                </a:solidFill>
-              </a:rPr>
-              <a:t>override</a:t>
-            </a:r>
-            <a:r>
-              <a:rPr lang="es-ES" sz="2200" dirty="0"/>
-              <a:t> &lt;</a:t>
-            </a:r>
-            <a:r>
-              <a:rPr lang="es-ES" sz="2200" dirty="0" err="1"/>
-              <a:t>tipoRetorno</a:t>
-            </a:r>
-            <a:r>
-              <a:rPr lang="es-ES" sz="2200" dirty="0"/>
-              <a:t>&gt; &lt;</a:t>
-            </a:r>
-            <a:r>
-              <a:rPr lang="es-ES" sz="2200" dirty="0" err="1"/>
-              <a:t>nombreMétodo</a:t>
-            </a:r>
-            <a:r>
-              <a:rPr lang="es-ES" sz="2200" dirty="0"/>
-              <a:t>&gt;(&lt;parámetros&gt;)</a:t>
-            </a:r>
-          </a:p>
-          <a:p>
-            <a:pPr>
-              <a:buNone/>
-            </a:pPr>
-            <a:r>
-              <a:rPr lang="es-ES" sz="2200" dirty="0"/>
-              <a:t>	{</a:t>
-            </a:r>
-          </a:p>
-          <a:p>
-            <a:pPr>
-              <a:buNone/>
-            </a:pPr>
-            <a:r>
-              <a:rPr lang="es-ES" sz="2200" dirty="0"/>
-              <a:t>		//código</a:t>
-            </a:r>
-          </a:p>
-          <a:p>
-            <a:pPr>
-              <a:buNone/>
-            </a:pPr>
-            <a:r>
-              <a:rPr lang="es-ES" sz="2200" dirty="0"/>
-              <a:t>	}</a:t>
-            </a:r>
-          </a:p>
-          <a:p>
-            <a:pPr algn="just"/>
-            <a:endParaRPr lang="es-ES" dirty="0"/>
-          </a:p>
-          <a:p>
-            <a:pPr algn="just"/>
-            <a:endParaRPr lang="es-ES" dirty="0"/>
-          </a:p>
-          <a:p>
-            <a:pPr algn="just"/>
-            <a:endParaRPr lang="es-ES" dirty="0"/>
-          </a:p>
-        </p:txBody>
-      </p:sp>
-    </p:spTree>
-    <p:extLst>
-      <p:ext uri="{BB962C8B-B14F-4D97-AF65-F5344CB8AC3E}">
-        <p14:creationId xmlns:p14="http://schemas.microsoft.com/office/powerpoint/2010/main" val="3993357881"/>
-      </p:ext>
-    </p:extLst>
-  </p:cSld>
-  <p:clrMapOvr>
-    <a:masterClrMapping/>
-  </p:clrMapOvr>
-</p:sld>
-</file>
-
-<file path=ppt/slides/slide34.xml><?xml version="1.0" encoding="utf-8"?>
-<p:sld xmlns:a="http://schemas.openxmlformats.org/drawingml/2006/main" xmlns:r="http://schemas.openxmlformats.org/officeDocument/2006/relationships" xmlns:p="http://schemas.openxmlformats.org/presentationml/2006/main">
-  <p:cSld>
-    <p:spTree>
-      <p:nvGrpSpPr>
-        <p:cNvPr id="1" name=""/>
-        <p:cNvGrpSpPr/>
-        <p:nvPr/>
-      </p:nvGrpSpPr>
-      <p:grpSpPr>
-        <a:xfrm>
-          <a:off x="0" y="0"/>
-          <a:ext cx="0" cy="0"/>
-          <a:chOff x="0" y="0"/>
-          <a:chExt cx="0" cy="0"/>
-        </a:xfrm>
-      </p:grpSpPr>
-      <p:sp>
-        <p:nvSpPr>
-          <p:cNvPr id="3" name="2 Marcador de contenido"/>
-          <p:cNvSpPr>
-            <a:spLocks noGrp="1"/>
-          </p:cNvSpPr>
-          <p:nvPr>
-            <p:ph idx="1"/>
-          </p:nvPr>
-        </p:nvSpPr>
-        <p:spPr>
-          <a:xfrm>
-            <a:off x="323528" y="260649"/>
-            <a:ext cx="4032448" cy="4752528"/>
-          </a:xfrm>
-        </p:spPr>
-        <p:txBody>
-          <a:bodyPr>
-            <a:normAutofit/>
-          </a:bodyPr>
-          <a:lstStyle/>
-          <a:p>
-            <a:pPr>
-              <a:buNone/>
-            </a:pPr>
-            <a:r>
-              <a:rPr lang="es-ES" sz="1800" dirty="0"/>
-              <a:t>Ejemplo:</a:t>
-            </a:r>
-          </a:p>
-          <a:p>
-            <a:pPr>
-              <a:buNone/>
-            </a:pPr>
-            <a:r>
-              <a:rPr lang="es-ES" sz="1800" dirty="0" err="1"/>
-              <a:t>class</a:t>
-            </a:r>
-            <a:r>
-              <a:rPr lang="es-ES" sz="1800" dirty="0"/>
-              <a:t> A </a:t>
-            </a:r>
-          </a:p>
-          <a:p>
-            <a:pPr>
-              <a:buNone/>
-            </a:pPr>
-            <a:r>
-              <a:rPr lang="es-ES" sz="1800" dirty="0"/>
-              <a:t>{ </a:t>
-            </a:r>
-          </a:p>
-          <a:p>
-            <a:pPr>
-              <a:buNone/>
-            </a:pPr>
-            <a:r>
-              <a:rPr lang="es-ES" sz="1800" dirty="0"/>
-              <a:t>	</a:t>
-            </a:r>
-            <a:r>
-              <a:rPr lang="es-ES" sz="1800" dirty="0" err="1"/>
-              <a:t>public</a:t>
-            </a:r>
-            <a:r>
-              <a:rPr lang="es-ES" sz="1800" dirty="0"/>
-              <a:t> </a:t>
-            </a:r>
-            <a:r>
-              <a:rPr lang="es-ES" sz="1800" dirty="0" err="1"/>
-              <a:t>void</a:t>
-            </a:r>
-            <a:r>
-              <a:rPr lang="es-ES" sz="1800" dirty="0"/>
-              <a:t> F() </a:t>
-            </a:r>
-          </a:p>
-          <a:p>
-            <a:pPr>
-              <a:buNone/>
-            </a:pPr>
-            <a:r>
-              <a:rPr lang="es-ES" sz="1800" dirty="0"/>
-              <a:t>	{ </a:t>
-            </a:r>
-          </a:p>
-          <a:p>
-            <a:pPr>
-              <a:buNone/>
-            </a:pPr>
-            <a:r>
-              <a:rPr lang="es-ES" sz="1800" dirty="0"/>
-              <a:t>		</a:t>
-            </a:r>
-            <a:r>
-              <a:rPr lang="es-ES" sz="1800" dirty="0" err="1"/>
-              <a:t>Console.WriteLine</a:t>
-            </a:r>
-            <a:r>
-              <a:rPr lang="es-ES" sz="1800" dirty="0"/>
-              <a:t>("A.F"); </a:t>
-            </a:r>
-          </a:p>
-          <a:p>
-            <a:pPr>
-              <a:buNone/>
-            </a:pPr>
-            <a:r>
-              <a:rPr lang="es-ES" sz="1800" dirty="0"/>
-              <a:t>	} </a:t>
-            </a:r>
-          </a:p>
-          <a:p>
-            <a:pPr>
-              <a:buNone/>
-            </a:pPr>
-            <a:endParaRPr lang="es-ES" sz="1800" dirty="0"/>
-          </a:p>
-          <a:p>
-            <a:pPr>
-              <a:buNone/>
-            </a:pPr>
-            <a:r>
-              <a:rPr lang="es-ES" sz="1800" dirty="0"/>
-              <a:t>	</a:t>
-            </a:r>
-            <a:r>
-              <a:rPr lang="es-ES" sz="1800" dirty="0" err="1"/>
-              <a:t>public</a:t>
-            </a:r>
-            <a:r>
-              <a:rPr lang="es-ES" sz="1800" dirty="0"/>
-              <a:t> </a:t>
-            </a:r>
-            <a:r>
-              <a:rPr lang="es-ES" sz="1800" dirty="0">
-                <a:solidFill>
-                  <a:srgbClr val="FF0000"/>
-                </a:solidFill>
-              </a:rPr>
-              <a:t>virtual</a:t>
-            </a:r>
-            <a:r>
-              <a:rPr lang="es-ES" sz="1800" dirty="0"/>
-              <a:t> </a:t>
-            </a:r>
-            <a:r>
-              <a:rPr lang="es-ES" sz="1800" dirty="0" err="1"/>
-              <a:t>void</a:t>
-            </a:r>
-            <a:r>
-              <a:rPr lang="es-ES" sz="1800" dirty="0"/>
-              <a:t> G()</a:t>
-            </a:r>
-          </a:p>
-          <a:p>
-            <a:pPr>
-              <a:buNone/>
-            </a:pPr>
-            <a:r>
-              <a:rPr lang="es-ES" sz="1800" dirty="0"/>
-              <a:t>	{ </a:t>
-            </a:r>
-          </a:p>
-          <a:p>
-            <a:pPr>
-              <a:buNone/>
-            </a:pPr>
-            <a:r>
-              <a:rPr lang="es-ES" sz="1800" dirty="0"/>
-              <a:t>		</a:t>
-            </a:r>
-            <a:r>
-              <a:rPr lang="es-ES" sz="1800" dirty="0" err="1"/>
-              <a:t>Console.WriteLine</a:t>
-            </a:r>
-            <a:r>
-              <a:rPr lang="es-ES" sz="1800" dirty="0"/>
-              <a:t>("A.G"); </a:t>
-            </a:r>
-          </a:p>
-          <a:p>
-            <a:pPr>
-              <a:buNone/>
-            </a:pPr>
-            <a:r>
-              <a:rPr lang="es-ES" sz="1800" dirty="0"/>
-              <a:t>	} </a:t>
-            </a:r>
-          </a:p>
-          <a:p>
-            <a:pPr>
-              <a:buNone/>
-            </a:pPr>
-            <a:r>
-              <a:rPr lang="es-ES" sz="1800" dirty="0"/>
-              <a:t>} </a:t>
-            </a:r>
-          </a:p>
-          <a:p>
-            <a:pPr>
-              <a:buNone/>
-            </a:pPr>
-            <a:endParaRPr lang="es-ES" dirty="0"/>
-          </a:p>
-        </p:txBody>
-      </p:sp>
-      <p:sp>
-        <p:nvSpPr>
-          <p:cNvPr id="5" name="2 Marcador de contenido"/>
-          <p:cNvSpPr txBox="1">
-            <a:spLocks/>
-          </p:cNvSpPr>
-          <p:nvPr/>
-        </p:nvSpPr>
-        <p:spPr>
-          <a:xfrm>
-            <a:off x="4248472" y="706693"/>
-            <a:ext cx="4860032" cy="4234475"/>
-          </a:xfrm>
-          <a:prstGeom prst="rect">
-            <a:avLst/>
-          </a:prstGeom>
-        </p:spPr>
-        <p:txBody>
-          <a:bodyPr vert="horz">
-            <a:normAutofit/>
-          </a:bodyPr>
-          <a:lstStyle/>
-          <a:p>
-            <a:pPr>
-              <a:buNone/>
-            </a:pPr>
-            <a:r>
-              <a:rPr lang="es-ES" dirty="0" err="1"/>
-              <a:t>class</a:t>
-            </a:r>
-            <a:r>
-              <a:rPr lang="es-ES" dirty="0"/>
-              <a:t> B: A </a:t>
-            </a:r>
-          </a:p>
-          <a:p>
-            <a:pPr>
-              <a:buNone/>
-            </a:pPr>
-            <a:r>
-              <a:rPr lang="es-ES" dirty="0"/>
-              <a:t>{ </a:t>
-            </a:r>
-          </a:p>
-          <a:p>
-            <a:pPr>
-              <a:buNone/>
-            </a:pPr>
-            <a:r>
-              <a:rPr lang="es-ES" dirty="0"/>
-              <a:t>	</a:t>
-            </a:r>
-            <a:r>
-              <a:rPr lang="es-ES" dirty="0" err="1"/>
-              <a:t>public</a:t>
-            </a:r>
-            <a:r>
-              <a:rPr lang="es-ES" dirty="0"/>
-              <a:t> </a:t>
-            </a:r>
-            <a:r>
-              <a:rPr lang="es-ES" dirty="0" err="1">
-                <a:solidFill>
-                  <a:srgbClr val="FF0000"/>
-                </a:solidFill>
-              </a:rPr>
-              <a:t>override</a:t>
-            </a:r>
-            <a:r>
-              <a:rPr lang="es-ES" dirty="0"/>
-              <a:t> </a:t>
-            </a:r>
-            <a:r>
-              <a:rPr lang="es-ES" dirty="0" err="1"/>
-              <a:t>void</a:t>
-            </a:r>
-            <a:r>
-              <a:rPr lang="es-ES" dirty="0"/>
-              <a:t> G() </a:t>
-            </a:r>
-          </a:p>
-          <a:p>
-            <a:pPr>
-              <a:buNone/>
-            </a:pPr>
-            <a:r>
-              <a:rPr lang="es-ES" dirty="0"/>
-              <a:t>	{ </a:t>
-            </a:r>
-          </a:p>
-          <a:p>
-            <a:pPr>
-              <a:buNone/>
-            </a:pPr>
-            <a:r>
-              <a:rPr lang="es-ES" dirty="0"/>
-              <a:t>		</a:t>
-            </a:r>
-            <a:r>
-              <a:rPr lang="es-ES" dirty="0" err="1"/>
-              <a:t>Console.WriteLine</a:t>
-            </a:r>
-            <a:r>
-              <a:rPr lang="es-ES" dirty="0"/>
-              <a:t>("B.G"); </a:t>
-            </a:r>
-          </a:p>
-          <a:p>
-            <a:pPr>
-              <a:buNone/>
-            </a:pPr>
-            <a:r>
-              <a:rPr lang="es-ES" dirty="0"/>
-              <a:t>	} </a:t>
-            </a:r>
-          </a:p>
-          <a:p>
-            <a:pPr>
-              <a:buNone/>
-            </a:pPr>
-            <a:r>
-              <a:rPr lang="es-ES" dirty="0"/>
-              <a:t>}</a:t>
-            </a:r>
-          </a:p>
-          <a:p>
-            <a:pPr marL="365760" marR="0" lvl="0" indent="-256032" algn="l" defTabSz="914400" rtl="0" eaLnBrk="1" fontAlgn="auto" latinLnBrk="0" hangingPunct="1">
-              <a:lnSpc>
-                <a:spcPct val="100000"/>
-              </a:lnSpc>
-              <a:spcBef>
-                <a:spcPts val="400"/>
-              </a:spcBef>
-              <a:spcAft>
-                <a:spcPts val="0"/>
-              </a:spcAft>
-              <a:buClr>
-                <a:schemeClr val="accent1"/>
-              </a:buClr>
-              <a:buSzPct val="68000"/>
-              <a:buFont typeface="Wingdings 3"/>
-              <a:buNone/>
-              <a:tabLst/>
-              <a:defRPr/>
-            </a:pPr>
-            <a:endParaRPr kumimoji="0" lang="es-ES" sz="2700" b="0" i="0" u="none" strike="noStrike" kern="1200" cap="none" spc="0" normalizeH="0" baseline="0" noProof="0" dirty="0">
-              <a:ln>
-                <a:noFill/>
-              </a:ln>
-              <a:solidFill>
-                <a:schemeClr val="tx1"/>
-              </a:solidFill>
-              <a:effectLst/>
-              <a:uLnTx/>
-              <a:uFillTx/>
-              <a:latin typeface="+mn-lt"/>
-              <a:ea typeface="+mn-ea"/>
-              <a:cs typeface="+mn-cs"/>
-            </a:endParaRPr>
-          </a:p>
-        </p:txBody>
-      </p:sp>
-    </p:spTree>
-    <p:extLst>
-      <p:ext uri="{BB962C8B-B14F-4D97-AF65-F5344CB8AC3E}">
-        <p14:creationId xmlns:p14="http://schemas.microsoft.com/office/powerpoint/2010/main" val="226118755"/>
-      </p:ext>
-    </p:extLst>
-  </p:cSld>
-  <p:clrMapOvr>
-    <a:masterClrMapping/>
-  </p:clrMapOvr>
-</p:sld>
-</file>
-
-<file path=ppt/slides/slide35.xml><?xml version="1.0" encoding="utf-8"?>
-<p:sld xmlns:a="http://schemas.openxmlformats.org/drawingml/2006/main" xmlns:r="http://schemas.openxmlformats.org/officeDocument/2006/relationships" xmlns:p="http://schemas.openxmlformats.org/presentationml/2006/main">
-  <p:cSld>
-    <p:spTree>
-      <p:nvGrpSpPr>
-        <p:cNvPr id="1" name=""/>
-        <p:cNvGrpSpPr/>
-        <p:nvPr/>
-      </p:nvGrpSpPr>
-      <p:grpSpPr>
-        <a:xfrm>
-          <a:off x="0" y="0"/>
-          <a:ext cx="0" cy="0"/>
-          <a:chOff x="0" y="0"/>
-          <a:chExt cx="0" cy="0"/>
-        </a:xfrm>
-      </p:grpSpPr>
-      <p:sp>
-        <p:nvSpPr>
-          <p:cNvPr id="3" name="2 Marcador de contenido"/>
-          <p:cNvSpPr>
-            <a:spLocks noGrp="1"/>
-          </p:cNvSpPr>
-          <p:nvPr>
-            <p:ph idx="1"/>
-          </p:nvPr>
-        </p:nvSpPr>
-        <p:spPr>
-          <a:xfrm>
-            <a:off x="457200" y="1052736"/>
-            <a:ext cx="8229600" cy="5256584"/>
-          </a:xfrm>
-        </p:spPr>
-        <p:txBody>
-          <a:bodyPr>
-            <a:normAutofit fontScale="92500" lnSpcReduction="10000"/>
-          </a:bodyPr>
-          <a:lstStyle/>
-          <a:p>
-            <a:pPr algn="just"/>
-            <a:r>
-              <a:rPr lang="es-ES" dirty="0"/>
-              <a:t>Se utiliza para indicar que una clase está incompleta y que sólo se va a utilizar como una </a:t>
-            </a:r>
-            <a:r>
-              <a:rPr lang="es-ES" b="1" dirty="0"/>
-              <a:t>clase base</a:t>
-            </a:r>
-            <a:r>
-              <a:rPr lang="es-ES" dirty="0"/>
-              <a:t>. Una clase </a:t>
-            </a:r>
-            <a:r>
-              <a:rPr lang="es-ES" b="1" dirty="0"/>
-              <a:t>abstracta</a:t>
-            </a:r>
-            <a:r>
-              <a:rPr lang="es-ES" dirty="0"/>
-              <a:t> se diferencia de una clase no abstracta en lo siguiente:</a:t>
-            </a:r>
-          </a:p>
-          <a:p>
-            <a:pPr lvl="1" algn="just"/>
-            <a:r>
-              <a:rPr lang="es-ES" dirty="0"/>
-              <a:t>No se puede crear una instancia de una clase abstracta directamente, y es un error en tiempo de compilación utilizar el operador new en una clase abstracta.</a:t>
-            </a:r>
-          </a:p>
-          <a:p>
-            <a:pPr lvl="1" algn="just"/>
-            <a:r>
-              <a:rPr lang="es-ES" dirty="0"/>
-              <a:t>Se permite que una clase abstracta contenga miembros abstractos, aunque no es necesario.</a:t>
-            </a:r>
-          </a:p>
-          <a:p>
-            <a:pPr lvl="1" algn="just"/>
-            <a:endParaRPr lang="es-ES" dirty="0"/>
-          </a:p>
-          <a:p>
-            <a:pPr algn="just"/>
-            <a:r>
-              <a:rPr lang="es-ES" dirty="0"/>
-              <a:t>Cuando una clase </a:t>
-            </a:r>
-            <a:r>
-              <a:rPr lang="es-ES" b="1" dirty="0"/>
-              <a:t>no abstracta</a:t>
-            </a:r>
-            <a:r>
-              <a:rPr lang="es-ES" dirty="0"/>
-              <a:t> se deriva de una clase </a:t>
-            </a:r>
-            <a:r>
-              <a:rPr lang="es-ES" b="1" dirty="0"/>
-              <a:t>abstracta</a:t>
-            </a:r>
-            <a:r>
-              <a:rPr lang="es-ES" dirty="0"/>
-              <a:t>, la clase no abstracta debe incluir implementaciones reales de todos los miembros abstractos heredados; de esta forma, reemplaza a estos miembros abstractos. </a:t>
-            </a:r>
-          </a:p>
-        </p:txBody>
-      </p:sp>
-      <p:sp>
-        <p:nvSpPr>
           <p:cNvPr id="2" name="1 Título"/>
           <p:cNvSpPr>
             <a:spLocks noGrp="1"/>
@@ -17173,1475 +16101,46 @@
             <p:ph type="title"/>
           </p:nvPr>
         </p:nvSpPr>
-        <p:spPr>
+        <p:spPr/>
+        <p:txBody>
+          <a:bodyPr/>
+          <a:lstStyle/>
+          <a:p>
+            <a:pPr algn="ctr"/>
+            <a:r>
+              <a:rPr lang="es-ES" dirty="0"/>
+              <a:t>¿Preguntas?</a:t>
+            </a:r>
+          </a:p>
+        </p:txBody>
+      </p:sp>
+      <p:pic>
+        <p:nvPicPr>
+          <p:cNvPr id="4098" name="Picture 2" descr="http://2.bp.blogspot.com/-eQtCCwwu644/UEoa_snYIjI/AAAAAAAAAG8/24szB7zJynU/s1600/La+pregunta+te+aplasta.jpg"/>
+          <p:cNvPicPr>
+            <a:picLocks noChangeAspect="1" noChangeArrowheads="1"/>
+          </p:cNvPicPr>
+          <p:nvPr/>
+        </p:nvPicPr>
+        <p:blipFill>
+          <a:blip r:embed="rId3" cstate="print"/>
+          <a:srcRect l="12857" t="1429" r="10000" b="2857"/>
+          <a:stretch>
+            <a:fillRect/>
+          </a:stretch>
+        </p:blipFill>
+        <p:spPr bwMode="auto">
           <a:xfrm>
-            <a:off x="457200" y="116632"/>
-            <a:ext cx="8229600" cy="1143000"/>
-          </a:xfrm>
-        </p:spPr>
-        <p:txBody>
-          <a:bodyPr/>
-          <a:lstStyle/>
-          <a:p>
-            <a:r>
-              <a:rPr lang="es-ES" dirty="0"/>
-              <a:t>Herencia: clases abstractas</a:t>
-            </a:r>
-          </a:p>
-        </p:txBody>
-      </p:sp>
-    </p:spTree>
-    <p:extLst>
-      <p:ext uri="{BB962C8B-B14F-4D97-AF65-F5344CB8AC3E}">
-        <p14:creationId xmlns:p14="http://schemas.microsoft.com/office/powerpoint/2010/main" val="2105168127"/>
-      </p:ext>
-    </p:extLst>
-  </p:cSld>
-  <p:clrMapOvr>
-    <a:masterClrMapping/>
-  </p:clrMapOvr>
-</p:sld>
-</file>
-
-<file path=ppt/slides/slide36.xml><?xml version="1.0" encoding="utf-8"?>
-<p:sld xmlns:a="http://schemas.openxmlformats.org/drawingml/2006/main" xmlns:r="http://schemas.openxmlformats.org/officeDocument/2006/relationships" xmlns:p="http://schemas.openxmlformats.org/presentationml/2006/main">
-  <p:cSld>
-    <p:spTree>
-      <p:nvGrpSpPr>
-        <p:cNvPr id="1" name=""/>
-        <p:cNvGrpSpPr/>
-        <p:nvPr/>
-      </p:nvGrpSpPr>
-      <p:grpSpPr>
-        <a:xfrm>
-          <a:off x="0" y="0"/>
-          <a:ext cx="0" cy="0"/>
-          <a:chOff x="0" y="0"/>
-          <a:chExt cx="0" cy="0"/>
-        </a:xfrm>
-      </p:grpSpPr>
-      <p:sp>
-        <p:nvSpPr>
-          <p:cNvPr id="3" name="2 Marcador de contenido"/>
-          <p:cNvSpPr>
-            <a:spLocks noGrp="1"/>
-          </p:cNvSpPr>
-          <p:nvPr>
-            <p:ph idx="1"/>
-          </p:nvPr>
-        </p:nvSpPr>
-        <p:spPr>
-          <a:xfrm>
-            <a:off x="457200" y="332656"/>
-            <a:ext cx="8229600" cy="5976664"/>
-          </a:xfrm>
-        </p:spPr>
-        <p:txBody>
-          <a:bodyPr>
-            <a:normAutofit/>
-          </a:bodyPr>
-          <a:lstStyle/>
-          <a:p>
-            <a:pPr algn="just"/>
-            <a:r>
-              <a:rPr lang="es-ES" dirty="0"/>
-              <a:t>De esta forma vamos a decir que si una clase no es abstracta, no puede contener métodos abstractos.</a:t>
-            </a:r>
-          </a:p>
-          <a:p>
-            <a:pPr algn="just"/>
-            <a:endParaRPr lang="es-ES" dirty="0"/>
-          </a:p>
-          <a:p>
-            <a:pPr algn="just"/>
-            <a:r>
-              <a:rPr lang="es-ES" dirty="0"/>
-              <a:t>Si la clase es abstracta y tiene métodos, los mismos </a:t>
-            </a:r>
-            <a:r>
-              <a:rPr lang="es-ES" b="1" dirty="0"/>
-              <a:t>NO PODRÁN</a:t>
-            </a:r>
-            <a:r>
-              <a:rPr lang="es-ES" dirty="0"/>
-              <a:t> ser privados. Por que?</a:t>
-            </a:r>
-          </a:p>
-          <a:p>
-            <a:pPr algn="just"/>
-            <a:endParaRPr lang="es-ES" dirty="0"/>
-          </a:p>
-          <a:p>
-            <a:pPr algn="just"/>
-            <a:r>
-              <a:rPr lang="es-ES" dirty="0"/>
-              <a:t>En caso de que la clase sea abstracta puede que sus métodos no tengan una implementación definida. En ese caso solo se fuerza que las clases que hereden solo los redefinan.</a:t>
-            </a:r>
-          </a:p>
-        </p:txBody>
-      </p:sp>
-    </p:spTree>
-    <p:extLst>
-      <p:ext uri="{BB962C8B-B14F-4D97-AF65-F5344CB8AC3E}">
-        <p14:creationId xmlns:p14="http://schemas.microsoft.com/office/powerpoint/2010/main" val="3113964494"/>
-      </p:ext>
-    </p:extLst>
-  </p:cSld>
-  <p:clrMapOvr>
-    <a:masterClrMapping/>
-  </p:clrMapOvr>
-</p:sld>
-</file>
-
-<file path=ppt/slides/slide37.xml><?xml version="1.0" encoding="utf-8"?>
-<p:sld xmlns:a="http://schemas.openxmlformats.org/drawingml/2006/main" xmlns:r="http://schemas.openxmlformats.org/officeDocument/2006/relationships" xmlns:p="http://schemas.openxmlformats.org/presentationml/2006/main">
-  <p:cSld>
-    <p:spTree>
-      <p:nvGrpSpPr>
-        <p:cNvPr id="1" name=""/>
-        <p:cNvGrpSpPr/>
-        <p:nvPr/>
-      </p:nvGrpSpPr>
-      <p:grpSpPr>
-        <a:xfrm>
-          <a:off x="0" y="0"/>
-          <a:ext cx="0" cy="0"/>
-          <a:chOff x="0" y="0"/>
-          <a:chExt cx="0" cy="0"/>
-        </a:xfrm>
-      </p:grpSpPr>
-      <p:sp>
-        <p:nvSpPr>
-          <p:cNvPr id="3" name="2 Marcador de contenido"/>
-          <p:cNvSpPr>
-            <a:spLocks noGrp="1"/>
-          </p:cNvSpPr>
-          <p:nvPr>
-            <p:ph idx="1"/>
-          </p:nvPr>
-        </p:nvSpPr>
-        <p:spPr>
-          <a:xfrm>
-            <a:off x="457200" y="332656"/>
-            <a:ext cx="8229600" cy="5976664"/>
-          </a:xfrm>
-        </p:spPr>
-        <p:txBody>
-          <a:bodyPr>
-            <a:normAutofit/>
-          </a:bodyPr>
-          <a:lstStyle/>
-          <a:p>
-            <a:pPr algn="just"/>
-            <a:r>
-              <a:rPr lang="es-ES" dirty="0"/>
-              <a:t>Sintaxis:</a:t>
-            </a:r>
-          </a:p>
-          <a:p>
-            <a:pPr>
-              <a:buNone/>
-            </a:pPr>
-            <a:r>
-              <a:rPr lang="es-ES" dirty="0"/>
-              <a:t>	</a:t>
-            </a:r>
-            <a:r>
-              <a:rPr lang="es-ES" sz="2000" dirty="0" err="1"/>
-              <a:t>public</a:t>
-            </a:r>
-            <a:r>
-              <a:rPr lang="es-ES" sz="2000" dirty="0">
-                <a:solidFill>
-                  <a:srgbClr val="FF0000"/>
-                </a:solidFill>
-              </a:rPr>
-              <a:t> </a:t>
-            </a:r>
-            <a:r>
-              <a:rPr lang="es-ES" sz="2000" dirty="0" err="1">
-                <a:solidFill>
-                  <a:srgbClr val="FF0000"/>
-                </a:solidFill>
-              </a:rPr>
-              <a:t>abstract</a:t>
-            </a:r>
-            <a:r>
-              <a:rPr lang="es-ES" sz="2000" dirty="0">
-                <a:solidFill>
-                  <a:srgbClr val="FF0000"/>
-                </a:solidFill>
-              </a:rPr>
-              <a:t> </a:t>
-            </a:r>
-            <a:r>
-              <a:rPr lang="es-ES" sz="2000" dirty="0" err="1"/>
-              <a:t>class</a:t>
-            </a:r>
-            <a:r>
-              <a:rPr lang="es-ES" sz="2000" dirty="0"/>
-              <a:t> &lt;</a:t>
-            </a:r>
-            <a:r>
-              <a:rPr lang="es-ES" sz="2000" dirty="0" err="1"/>
-              <a:t>nombreClase</a:t>
-            </a:r>
-            <a:r>
-              <a:rPr lang="es-ES" sz="2000" dirty="0"/>
-              <a:t>&gt;</a:t>
-            </a:r>
-          </a:p>
-          <a:p>
-            <a:pPr>
-              <a:buNone/>
-            </a:pPr>
-            <a:r>
-              <a:rPr lang="es-ES" sz="2000" dirty="0"/>
-              <a:t>	{</a:t>
-            </a:r>
-          </a:p>
-          <a:p>
-            <a:pPr>
-              <a:buNone/>
-            </a:pPr>
-            <a:r>
-              <a:rPr lang="es-ES" sz="2000" dirty="0"/>
-              <a:t>		&lt;miembros&gt;</a:t>
-            </a:r>
-          </a:p>
-          <a:p>
-            <a:pPr>
-              <a:buNone/>
-            </a:pPr>
-            <a:r>
-              <a:rPr lang="es-ES" sz="2000" dirty="0"/>
-              <a:t>	}</a:t>
-            </a:r>
-            <a:endParaRPr lang="es-ES" sz="2800" dirty="0"/>
-          </a:p>
-          <a:p>
-            <a:r>
-              <a:rPr lang="es-ES" sz="2800" dirty="0"/>
-              <a:t>Ejemplo:</a:t>
-            </a:r>
-          </a:p>
-          <a:p>
-            <a:pPr algn="just">
-              <a:buNone/>
-            </a:pPr>
-            <a:endParaRPr lang="es-ES" dirty="0"/>
-          </a:p>
-          <a:p>
-            <a:pPr algn="just"/>
-            <a:endParaRPr lang="es-ES" dirty="0"/>
-          </a:p>
-        </p:txBody>
-      </p:sp>
-      <p:sp>
-        <p:nvSpPr>
-          <p:cNvPr id="7" name="2 Marcador de contenido"/>
-          <p:cNvSpPr txBox="1">
-            <a:spLocks/>
-          </p:cNvSpPr>
-          <p:nvPr/>
-        </p:nvSpPr>
-        <p:spPr>
-          <a:xfrm>
-            <a:off x="467544" y="2852936"/>
-            <a:ext cx="3923928" cy="3240360"/>
+            <a:off x="2699792" y="1340768"/>
+            <a:ext cx="3888432" cy="4824536"/>
           </a:xfrm>
           <a:prstGeom prst="rect">
             <a:avLst/>
           </a:prstGeom>
-        </p:spPr>
-        <p:txBody>
-          <a:bodyPr vert="horz">
-            <a:normAutofit lnSpcReduction="10000"/>
-          </a:bodyPr>
-          <a:lstStyle/>
-          <a:p>
-            <a:pPr marL="365760" marR="0" lvl="0" indent="-256032" algn="l" defTabSz="914400" rtl="0" eaLnBrk="1" fontAlgn="auto" latinLnBrk="0" hangingPunct="1">
-              <a:lnSpc>
-                <a:spcPct val="100000"/>
-              </a:lnSpc>
-              <a:spcBef>
-                <a:spcPts val="400"/>
-              </a:spcBef>
-              <a:spcAft>
-                <a:spcPts val="0"/>
-              </a:spcAft>
-              <a:buClr>
-                <a:schemeClr val="accent1"/>
-              </a:buClr>
-              <a:buSzPct val="68000"/>
-              <a:buFont typeface="Wingdings 3"/>
-              <a:buNone/>
-              <a:tabLst/>
-              <a:defRPr/>
-            </a:pPr>
-            <a:r>
-              <a:rPr kumimoji="0" lang="es-ES" sz="1800" b="0" i="0" u="none" strike="noStrike" kern="1200" cap="none" spc="0" normalizeH="0" baseline="0" noProof="0" dirty="0">
-                <a:ln>
-                  <a:noFill/>
-                </a:ln>
-                <a:solidFill>
-                  <a:schemeClr val="tx1"/>
-                </a:solidFill>
-                <a:effectLst/>
-                <a:uLnTx/>
-                <a:uFillTx/>
-                <a:latin typeface="+mn-lt"/>
-                <a:ea typeface="+mn-ea"/>
-                <a:cs typeface="+mn-cs"/>
-              </a:rPr>
-              <a:t>Ejemplo:</a:t>
-            </a:r>
-          </a:p>
-          <a:p>
-            <a:pPr marL="365760" marR="0" lvl="0" indent="-256032" algn="l" defTabSz="914400" rtl="0" eaLnBrk="1" fontAlgn="auto" latinLnBrk="0" hangingPunct="1">
-              <a:lnSpc>
-                <a:spcPct val="100000"/>
-              </a:lnSpc>
-              <a:spcBef>
-                <a:spcPts val="400"/>
-              </a:spcBef>
-              <a:spcAft>
-                <a:spcPts val="0"/>
-              </a:spcAft>
-              <a:buClr>
-                <a:schemeClr val="accent1"/>
-              </a:buClr>
-              <a:buSzPct val="68000"/>
-              <a:buFont typeface="Wingdings 3"/>
-              <a:buNone/>
-              <a:tabLst/>
-              <a:defRPr/>
-            </a:pPr>
-            <a:r>
-              <a:rPr lang="es-ES" dirty="0"/>
-              <a:t>p</a:t>
-            </a:r>
-            <a:r>
-              <a:rPr kumimoji="0" lang="es-ES" sz="1800" b="0" i="0" u="none" strike="noStrike" kern="1200" cap="none" spc="0" normalizeH="0" baseline="0" noProof="0" dirty="0" err="1">
-                <a:ln>
-                  <a:noFill/>
-                </a:ln>
-                <a:solidFill>
-                  <a:schemeClr val="tx1"/>
-                </a:solidFill>
-                <a:effectLst/>
-                <a:uLnTx/>
-                <a:uFillTx/>
-                <a:latin typeface="+mn-lt"/>
-                <a:ea typeface="+mn-ea"/>
-                <a:cs typeface="+mn-cs"/>
-              </a:rPr>
-              <a:t>ublic</a:t>
-            </a:r>
-            <a:r>
-              <a:rPr kumimoji="0" lang="es-ES" sz="1800" b="0" i="0" u="none" strike="noStrike" kern="1200" cap="none" spc="0" normalizeH="0" noProof="0" dirty="0">
-                <a:ln>
-                  <a:noFill/>
-                </a:ln>
-                <a:solidFill>
-                  <a:schemeClr val="tx1"/>
-                </a:solidFill>
-                <a:effectLst/>
-                <a:uLnTx/>
-                <a:uFillTx/>
-                <a:latin typeface="+mn-lt"/>
-                <a:ea typeface="+mn-ea"/>
-                <a:cs typeface="+mn-cs"/>
-              </a:rPr>
-              <a:t> </a:t>
-            </a:r>
-            <a:r>
-              <a:rPr kumimoji="0" lang="es-ES" sz="1800" b="0" i="0" u="none" strike="noStrike" kern="1200" cap="none" spc="0" normalizeH="0" noProof="0" dirty="0" err="1">
-                <a:ln>
-                  <a:noFill/>
-                </a:ln>
-                <a:solidFill>
-                  <a:srgbClr val="FF0000"/>
-                </a:solidFill>
-                <a:effectLst/>
-                <a:uLnTx/>
-                <a:uFillTx/>
-                <a:latin typeface="+mn-lt"/>
-                <a:ea typeface="+mn-ea"/>
-                <a:cs typeface="+mn-cs"/>
-              </a:rPr>
-              <a:t>a</a:t>
-            </a:r>
-            <a:r>
-              <a:rPr kumimoji="0" lang="es-ES" sz="1800" b="0" i="0" u="none" strike="noStrike" kern="1200" cap="none" spc="0" normalizeH="0" baseline="0" noProof="0" dirty="0" err="1">
-                <a:ln>
-                  <a:noFill/>
-                </a:ln>
-                <a:solidFill>
-                  <a:srgbClr val="FF0000"/>
-                </a:solidFill>
-                <a:effectLst/>
-                <a:uLnTx/>
-                <a:uFillTx/>
-                <a:latin typeface="+mn-lt"/>
-                <a:ea typeface="+mn-ea"/>
-                <a:cs typeface="+mn-cs"/>
-              </a:rPr>
-              <a:t>bstract</a:t>
-            </a:r>
-            <a:r>
-              <a:rPr kumimoji="0" lang="es-ES" sz="1800" b="0" i="0" u="none" strike="noStrike" kern="1200" cap="none" spc="0" normalizeH="0" baseline="0" noProof="0" dirty="0">
-                <a:ln>
-                  <a:noFill/>
-                </a:ln>
-                <a:solidFill>
-                  <a:schemeClr val="tx1"/>
-                </a:solidFill>
-                <a:effectLst/>
-                <a:uLnTx/>
-                <a:uFillTx/>
-                <a:latin typeface="+mn-lt"/>
-                <a:ea typeface="+mn-ea"/>
-                <a:cs typeface="+mn-cs"/>
-              </a:rPr>
-              <a:t> </a:t>
-            </a:r>
-            <a:r>
-              <a:rPr kumimoji="0" lang="es-ES" sz="1800" b="0" i="0" u="none" strike="noStrike" kern="1200" cap="none" spc="0" normalizeH="0" baseline="0" noProof="0" dirty="0" err="1">
-                <a:ln>
-                  <a:noFill/>
-                </a:ln>
-                <a:solidFill>
-                  <a:schemeClr val="tx1"/>
-                </a:solidFill>
-                <a:effectLst/>
-                <a:uLnTx/>
-                <a:uFillTx/>
-                <a:latin typeface="+mn-lt"/>
-                <a:ea typeface="+mn-ea"/>
-                <a:cs typeface="+mn-cs"/>
-              </a:rPr>
-              <a:t>class</a:t>
-            </a:r>
-            <a:r>
-              <a:rPr kumimoji="0" lang="es-ES" sz="1800" b="0" i="0" u="none" strike="noStrike" kern="1200" cap="none" spc="0" normalizeH="0" baseline="0" noProof="0" dirty="0">
-                <a:ln>
-                  <a:noFill/>
-                </a:ln>
-                <a:solidFill>
-                  <a:schemeClr val="tx1"/>
-                </a:solidFill>
-                <a:effectLst/>
-                <a:uLnTx/>
-                <a:uFillTx/>
-                <a:latin typeface="+mn-lt"/>
-                <a:ea typeface="+mn-ea"/>
-                <a:cs typeface="+mn-cs"/>
-              </a:rPr>
-              <a:t> A </a:t>
-            </a:r>
-          </a:p>
-          <a:p>
-            <a:pPr marL="365760" marR="0" lvl="0" indent="-256032" algn="l" defTabSz="914400" rtl="0" eaLnBrk="1" fontAlgn="auto" latinLnBrk="0" hangingPunct="1">
-              <a:lnSpc>
-                <a:spcPct val="100000"/>
-              </a:lnSpc>
-              <a:spcBef>
-                <a:spcPts val="400"/>
-              </a:spcBef>
-              <a:spcAft>
-                <a:spcPts val="0"/>
-              </a:spcAft>
-              <a:buClr>
-                <a:schemeClr val="accent1"/>
-              </a:buClr>
-              <a:buSzPct val="68000"/>
-              <a:buFont typeface="Wingdings 3"/>
-              <a:buNone/>
-              <a:tabLst/>
-              <a:defRPr/>
-            </a:pPr>
-            <a:r>
-              <a:rPr kumimoji="0" lang="es-ES" sz="1800" b="0" i="0" u="none" strike="noStrike" kern="1200" cap="none" spc="0" normalizeH="0" baseline="0" noProof="0" dirty="0">
-                <a:ln>
-                  <a:noFill/>
-                </a:ln>
-                <a:solidFill>
-                  <a:schemeClr val="tx1"/>
-                </a:solidFill>
-                <a:effectLst/>
-                <a:uLnTx/>
-                <a:uFillTx/>
-                <a:latin typeface="+mn-lt"/>
-                <a:ea typeface="+mn-ea"/>
-                <a:cs typeface="+mn-cs"/>
-              </a:rPr>
-              <a:t>{ </a:t>
-            </a:r>
-          </a:p>
-          <a:p>
-            <a:pPr marL="365760" marR="0" lvl="0" indent="-256032" algn="l" defTabSz="914400" rtl="0" eaLnBrk="1" fontAlgn="auto" latinLnBrk="0" hangingPunct="1">
-              <a:lnSpc>
-                <a:spcPct val="100000"/>
-              </a:lnSpc>
-              <a:spcBef>
-                <a:spcPts val="400"/>
-              </a:spcBef>
-              <a:spcAft>
-                <a:spcPts val="0"/>
-              </a:spcAft>
-              <a:buClr>
-                <a:schemeClr val="accent1"/>
-              </a:buClr>
-              <a:buSzPct val="68000"/>
-              <a:buFont typeface="Wingdings 3"/>
-              <a:buNone/>
-              <a:tabLst/>
-              <a:defRPr/>
-            </a:pPr>
-            <a:r>
-              <a:rPr kumimoji="0" lang="es-ES" sz="1800" b="0" i="0" u="none" strike="noStrike" kern="1200" cap="none" spc="0" normalizeH="0" baseline="0" noProof="0" dirty="0">
-                <a:ln>
-                  <a:noFill/>
-                </a:ln>
-                <a:solidFill>
-                  <a:schemeClr val="tx1"/>
-                </a:solidFill>
-                <a:effectLst/>
-                <a:uLnTx/>
-                <a:uFillTx/>
-                <a:latin typeface="+mn-lt"/>
-                <a:ea typeface="+mn-ea"/>
-                <a:cs typeface="+mn-cs"/>
-              </a:rPr>
-              <a:t>	</a:t>
-            </a:r>
-            <a:r>
-              <a:rPr kumimoji="0" lang="es-ES" sz="1800" b="0" i="0" u="none" strike="noStrike" kern="1200" cap="none" spc="0" normalizeH="0" baseline="0" noProof="0" dirty="0" err="1">
-                <a:ln>
-                  <a:noFill/>
-                </a:ln>
-                <a:solidFill>
-                  <a:schemeClr val="tx1"/>
-                </a:solidFill>
-                <a:effectLst/>
-                <a:uLnTx/>
-                <a:uFillTx/>
-                <a:latin typeface="+mn-lt"/>
-                <a:ea typeface="+mn-ea"/>
-                <a:cs typeface="+mn-cs"/>
-              </a:rPr>
-              <a:t>public</a:t>
-            </a:r>
-            <a:r>
-              <a:rPr kumimoji="0" lang="es-ES" sz="1800" b="0" i="0" u="none" strike="noStrike" kern="1200" cap="none" spc="0" normalizeH="0" baseline="0" noProof="0" dirty="0">
-                <a:ln>
-                  <a:noFill/>
-                </a:ln>
-                <a:solidFill>
-                  <a:schemeClr val="tx1"/>
-                </a:solidFill>
-                <a:effectLst/>
-                <a:uLnTx/>
-                <a:uFillTx/>
-                <a:latin typeface="+mn-lt"/>
-                <a:ea typeface="+mn-ea"/>
-                <a:cs typeface="+mn-cs"/>
-              </a:rPr>
-              <a:t> </a:t>
-            </a:r>
-            <a:r>
-              <a:rPr kumimoji="0" lang="es-ES" sz="1800" b="0" i="0" u="none" strike="noStrike" kern="1200" cap="none" spc="0" normalizeH="0" baseline="0" noProof="0" dirty="0" err="1">
-                <a:ln>
-                  <a:noFill/>
-                </a:ln>
-                <a:solidFill>
-                  <a:srgbClr val="FF0000"/>
-                </a:solidFill>
-                <a:effectLst/>
-                <a:uLnTx/>
-                <a:uFillTx/>
-                <a:latin typeface="+mn-lt"/>
-                <a:ea typeface="+mn-ea"/>
-                <a:cs typeface="+mn-cs"/>
-              </a:rPr>
-              <a:t>abstract</a:t>
-            </a:r>
-            <a:r>
-              <a:rPr kumimoji="0" lang="es-ES" sz="1800" b="0" i="0" u="none" strike="noStrike" kern="1200" cap="none" spc="0" normalizeH="0" baseline="0" noProof="0" dirty="0">
-                <a:ln>
-                  <a:noFill/>
-                </a:ln>
-                <a:solidFill>
-                  <a:schemeClr val="tx1"/>
-                </a:solidFill>
-                <a:effectLst/>
-                <a:uLnTx/>
-                <a:uFillTx/>
-                <a:latin typeface="+mn-lt"/>
-                <a:ea typeface="+mn-ea"/>
-                <a:cs typeface="+mn-cs"/>
-              </a:rPr>
-              <a:t> </a:t>
-            </a:r>
-            <a:r>
-              <a:rPr kumimoji="0" lang="es-ES" sz="1800" b="0" i="0" u="none" strike="noStrike" kern="1200" cap="none" spc="0" normalizeH="0" baseline="0" noProof="0" dirty="0" err="1">
-                <a:ln>
-                  <a:noFill/>
-                </a:ln>
-                <a:solidFill>
-                  <a:schemeClr val="tx1"/>
-                </a:solidFill>
-                <a:effectLst/>
-                <a:uLnTx/>
-                <a:uFillTx/>
-                <a:latin typeface="+mn-lt"/>
-                <a:ea typeface="+mn-ea"/>
-                <a:cs typeface="+mn-cs"/>
-              </a:rPr>
-              <a:t>void</a:t>
-            </a:r>
-            <a:r>
-              <a:rPr kumimoji="0" lang="es-ES" sz="1800" b="0" i="0" u="none" strike="noStrike" kern="1200" cap="none" spc="0" normalizeH="0" baseline="0" noProof="0" dirty="0">
-                <a:ln>
-                  <a:noFill/>
-                </a:ln>
-                <a:solidFill>
-                  <a:schemeClr val="tx1"/>
-                </a:solidFill>
-                <a:effectLst/>
-                <a:uLnTx/>
-                <a:uFillTx/>
-                <a:latin typeface="+mn-lt"/>
-                <a:ea typeface="+mn-ea"/>
-                <a:cs typeface="+mn-cs"/>
-              </a:rPr>
-              <a:t> G();</a:t>
-            </a:r>
-          </a:p>
-          <a:p>
-            <a:pPr marL="365760" marR="0" lvl="0" indent="-256032" algn="l" defTabSz="914400" rtl="0" eaLnBrk="1" fontAlgn="auto" latinLnBrk="0" hangingPunct="1">
-              <a:lnSpc>
-                <a:spcPct val="100000"/>
-              </a:lnSpc>
-              <a:spcBef>
-                <a:spcPts val="400"/>
-              </a:spcBef>
-              <a:spcAft>
-                <a:spcPts val="0"/>
-              </a:spcAft>
-              <a:buClr>
-                <a:schemeClr val="accent1"/>
-              </a:buClr>
-              <a:buSzPct val="68000"/>
-              <a:buFont typeface="Wingdings 3"/>
-              <a:buNone/>
-              <a:tabLst/>
-              <a:defRPr/>
-            </a:pPr>
-            <a:endParaRPr lang="es-ES" dirty="0"/>
-          </a:p>
-          <a:p>
-            <a:pPr marL="365760" marR="0" lvl="0" indent="-256032" algn="l" defTabSz="914400" rtl="0" eaLnBrk="1" fontAlgn="auto" latinLnBrk="0" hangingPunct="1">
-              <a:lnSpc>
-                <a:spcPct val="100000"/>
-              </a:lnSpc>
-              <a:spcBef>
-                <a:spcPts val="400"/>
-              </a:spcBef>
-              <a:spcAft>
-                <a:spcPts val="0"/>
-              </a:spcAft>
-              <a:buClr>
-                <a:schemeClr val="accent1"/>
-              </a:buClr>
-              <a:buSzPct val="68000"/>
-              <a:buFont typeface="Wingdings 3"/>
-              <a:buNone/>
-              <a:tabLst/>
-              <a:defRPr/>
-            </a:pPr>
-            <a:r>
-              <a:rPr kumimoji="0" lang="es-ES" sz="1800" b="0" i="0" u="none" strike="noStrike" kern="1200" cap="none" spc="0" normalizeH="0" baseline="0" noProof="0" dirty="0">
-                <a:ln>
-                  <a:noFill/>
-                </a:ln>
-                <a:solidFill>
-                  <a:schemeClr val="tx1"/>
-                </a:solidFill>
-                <a:effectLst/>
-                <a:uLnTx/>
-                <a:uFillTx/>
-                <a:latin typeface="+mn-lt"/>
-                <a:ea typeface="+mn-ea"/>
-                <a:cs typeface="+mn-cs"/>
-              </a:rPr>
-              <a:t>	</a:t>
-            </a:r>
-            <a:r>
-              <a:rPr kumimoji="0" lang="es-ES" sz="1800" b="0" i="0" u="none" strike="noStrike" kern="1200" cap="none" spc="0" normalizeH="0" baseline="0" noProof="0" dirty="0" err="1">
-                <a:ln>
-                  <a:noFill/>
-                </a:ln>
-                <a:solidFill>
-                  <a:schemeClr val="tx1"/>
-                </a:solidFill>
-                <a:effectLst/>
-                <a:uLnTx/>
-                <a:uFillTx/>
-                <a:latin typeface="+mn-lt"/>
-                <a:ea typeface="+mn-ea"/>
-                <a:cs typeface="+mn-cs"/>
-              </a:rPr>
-              <a:t>public</a:t>
-            </a:r>
-            <a:r>
-              <a:rPr kumimoji="0" lang="es-ES" sz="1800" b="0" i="0" u="none" strike="noStrike" kern="1200" cap="none" spc="0" normalizeH="0" noProof="0" dirty="0">
-                <a:ln>
-                  <a:noFill/>
-                </a:ln>
-                <a:solidFill>
-                  <a:schemeClr val="tx1"/>
-                </a:solidFill>
-                <a:effectLst/>
-                <a:uLnTx/>
-                <a:uFillTx/>
-                <a:latin typeface="+mn-lt"/>
-                <a:ea typeface="+mn-ea"/>
-                <a:cs typeface="+mn-cs"/>
-              </a:rPr>
-              <a:t> </a:t>
-            </a:r>
-            <a:r>
-              <a:rPr kumimoji="0" lang="es-ES" sz="1800" b="0" i="0" u="none" strike="noStrike" kern="1200" cap="none" spc="0" normalizeH="0" noProof="0" dirty="0" err="1">
-                <a:ln>
-                  <a:noFill/>
-                </a:ln>
-                <a:solidFill>
-                  <a:schemeClr val="tx1"/>
-                </a:solidFill>
-                <a:effectLst/>
-                <a:uLnTx/>
-                <a:uFillTx/>
-                <a:latin typeface="+mn-lt"/>
-                <a:ea typeface="+mn-ea"/>
-                <a:cs typeface="+mn-cs"/>
-              </a:rPr>
-              <a:t>string</a:t>
-            </a:r>
-            <a:r>
-              <a:rPr kumimoji="0" lang="es-ES" sz="1800" b="0" i="0" u="none" strike="noStrike" kern="1200" cap="none" spc="0" normalizeH="0" noProof="0" dirty="0">
-                <a:ln>
-                  <a:noFill/>
-                </a:ln>
-                <a:solidFill>
-                  <a:schemeClr val="tx1"/>
-                </a:solidFill>
-                <a:effectLst/>
-                <a:uLnTx/>
-                <a:uFillTx/>
-                <a:latin typeface="+mn-lt"/>
-                <a:ea typeface="+mn-ea"/>
-                <a:cs typeface="+mn-cs"/>
-              </a:rPr>
-              <a:t> F()</a:t>
-            </a:r>
-          </a:p>
-          <a:p>
-            <a:pPr marL="365760" marR="0" lvl="0" indent="-256032" algn="l" defTabSz="914400" rtl="0" eaLnBrk="1" fontAlgn="auto" latinLnBrk="0" hangingPunct="1">
-              <a:lnSpc>
-                <a:spcPct val="100000"/>
-              </a:lnSpc>
-              <a:spcBef>
-                <a:spcPts val="400"/>
-              </a:spcBef>
-              <a:spcAft>
-                <a:spcPts val="0"/>
-              </a:spcAft>
-              <a:buClr>
-                <a:schemeClr val="accent1"/>
-              </a:buClr>
-              <a:buSzPct val="68000"/>
-              <a:buFont typeface="Wingdings 3"/>
-              <a:buNone/>
-              <a:tabLst/>
-              <a:defRPr/>
-            </a:pPr>
-            <a:r>
-              <a:rPr lang="es-ES" baseline="0" dirty="0"/>
-              <a:t>	{</a:t>
-            </a:r>
-          </a:p>
-          <a:p>
-            <a:pPr marL="365760" marR="0" lvl="0" indent="-256032" algn="l" defTabSz="914400" rtl="0" eaLnBrk="1" fontAlgn="auto" latinLnBrk="0" hangingPunct="1">
-              <a:lnSpc>
-                <a:spcPct val="100000"/>
-              </a:lnSpc>
-              <a:spcBef>
-                <a:spcPts val="400"/>
-              </a:spcBef>
-              <a:spcAft>
-                <a:spcPts val="0"/>
-              </a:spcAft>
-              <a:buClr>
-                <a:schemeClr val="accent1"/>
-              </a:buClr>
-              <a:buSzPct val="68000"/>
-              <a:buFont typeface="Wingdings 3"/>
-              <a:buNone/>
-              <a:tabLst/>
-              <a:defRPr/>
-            </a:pPr>
-            <a:r>
-              <a:rPr lang="es-ES" dirty="0"/>
-              <a:t>		</a:t>
-            </a:r>
-            <a:r>
-              <a:rPr lang="es-ES" dirty="0" err="1"/>
-              <a:t>return</a:t>
-            </a:r>
-            <a:r>
-              <a:rPr lang="es-ES" dirty="0"/>
-              <a:t> “F”;</a:t>
-            </a:r>
-            <a:endParaRPr lang="es-ES" baseline="0" dirty="0"/>
-          </a:p>
-          <a:p>
-            <a:pPr marL="365760" marR="0" lvl="0" indent="-256032" algn="l" defTabSz="914400" rtl="0" eaLnBrk="1" fontAlgn="auto" latinLnBrk="0" hangingPunct="1">
-              <a:lnSpc>
-                <a:spcPct val="100000"/>
-              </a:lnSpc>
-              <a:spcBef>
-                <a:spcPts val="400"/>
-              </a:spcBef>
-              <a:spcAft>
-                <a:spcPts val="0"/>
-              </a:spcAft>
-              <a:buClr>
-                <a:schemeClr val="accent1"/>
-              </a:buClr>
-              <a:buSzPct val="68000"/>
-              <a:buFont typeface="Wingdings 3"/>
-              <a:buNone/>
-              <a:tabLst/>
-              <a:defRPr/>
-            </a:pPr>
-            <a:r>
-              <a:rPr kumimoji="0" lang="es-ES" sz="1800" b="0" i="0" u="none" strike="noStrike" kern="1200" cap="none" spc="0" normalizeH="0" noProof="0" dirty="0">
-                <a:ln>
-                  <a:noFill/>
-                </a:ln>
-                <a:solidFill>
-                  <a:schemeClr val="tx1"/>
-                </a:solidFill>
-                <a:effectLst/>
-                <a:uLnTx/>
-                <a:uFillTx/>
-                <a:latin typeface="+mn-lt"/>
-                <a:ea typeface="+mn-ea"/>
-                <a:cs typeface="+mn-cs"/>
-              </a:rPr>
-              <a:t>	}</a:t>
-            </a:r>
-            <a:endParaRPr kumimoji="0" lang="es-ES" sz="1800" b="0" i="0" u="none" strike="noStrike" kern="1200" cap="none" spc="0" normalizeH="0" baseline="0" noProof="0" dirty="0">
-              <a:ln>
-                <a:noFill/>
-              </a:ln>
-              <a:solidFill>
-                <a:schemeClr val="tx1"/>
-              </a:solidFill>
-              <a:effectLst/>
-              <a:uLnTx/>
-              <a:uFillTx/>
-              <a:latin typeface="+mn-lt"/>
-              <a:ea typeface="+mn-ea"/>
-              <a:cs typeface="+mn-cs"/>
-            </a:endParaRPr>
-          </a:p>
-          <a:p>
-            <a:pPr marL="365760" marR="0" lvl="0" indent="-256032" algn="l" defTabSz="914400" rtl="0" eaLnBrk="1" fontAlgn="auto" latinLnBrk="0" hangingPunct="1">
-              <a:lnSpc>
-                <a:spcPct val="100000"/>
-              </a:lnSpc>
-              <a:spcBef>
-                <a:spcPts val="400"/>
-              </a:spcBef>
-              <a:spcAft>
-                <a:spcPts val="0"/>
-              </a:spcAft>
-              <a:buClr>
-                <a:schemeClr val="accent1"/>
-              </a:buClr>
-              <a:buSzPct val="68000"/>
-              <a:buFont typeface="Wingdings 3"/>
-              <a:buNone/>
-              <a:tabLst/>
-              <a:defRPr/>
-            </a:pPr>
-            <a:r>
-              <a:rPr kumimoji="0" lang="es-ES" sz="1800" b="0" i="0" u="none" strike="noStrike" kern="1200" cap="none" spc="0" normalizeH="0" baseline="0" noProof="0" dirty="0">
-                <a:ln>
-                  <a:noFill/>
-                </a:ln>
-                <a:solidFill>
-                  <a:schemeClr val="tx1"/>
-                </a:solidFill>
-                <a:effectLst/>
-                <a:uLnTx/>
-                <a:uFillTx/>
-                <a:latin typeface="+mn-lt"/>
-                <a:ea typeface="+mn-ea"/>
-                <a:cs typeface="+mn-cs"/>
-              </a:rPr>
-              <a:t>} </a:t>
-            </a:r>
-          </a:p>
-          <a:p>
-            <a:pPr marL="365760" marR="0" lvl="0" indent="-256032" algn="l" defTabSz="914400" rtl="0" eaLnBrk="1" fontAlgn="auto" latinLnBrk="0" hangingPunct="1">
-              <a:lnSpc>
-                <a:spcPct val="100000"/>
-              </a:lnSpc>
-              <a:spcBef>
-                <a:spcPts val="400"/>
-              </a:spcBef>
-              <a:spcAft>
-                <a:spcPts val="0"/>
-              </a:spcAft>
-              <a:buClr>
-                <a:schemeClr val="accent1"/>
-              </a:buClr>
-              <a:buSzPct val="68000"/>
-              <a:buFont typeface="Wingdings 3"/>
-              <a:buNone/>
-              <a:tabLst/>
-              <a:defRPr/>
-            </a:pPr>
-            <a:endParaRPr kumimoji="0" lang="es-ES" sz="2700" b="0" i="0" u="none" strike="noStrike" kern="1200" cap="none" spc="0" normalizeH="0" baseline="0" noProof="0" dirty="0">
-              <a:ln>
-                <a:noFill/>
-              </a:ln>
-              <a:solidFill>
-                <a:schemeClr val="tx1"/>
-              </a:solidFill>
-              <a:effectLst/>
-              <a:uLnTx/>
-              <a:uFillTx/>
-              <a:latin typeface="+mn-lt"/>
-              <a:ea typeface="+mn-ea"/>
-              <a:cs typeface="+mn-cs"/>
-            </a:endParaRPr>
-          </a:p>
-        </p:txBody>
-      </p:sp>
-      <p:sp>
-        <p:nvSpPr>
-          <p:cNvPr id="8" name="2 Marcador de contenido"/>
-          <p:cNvSpPr txBox="1">
-            <a:spLocks/>
-          </p:cNvSpPr>
-          <p:nvPr/>
-        </p:nvSpPr>
-        <p:spPr>
-          <a:xfrm>
-            <a:off x="3779912" y="3055572"/>
-            <a:ext cx="4860032" cy="2245636"/>
-          </a:xfrm>
-          <a:prstGeom prst="rect">
-            <a:avLst/>
-          </a:prstGeom>
-        </p:spPr>
-        <p:txBody>
-          <a:bodyPr vert="horz">
-            <a:normAutofit/>
-          </a:bodyPr>
-          <a:lstStyle/>
-          <a:p>
-            <a:pPr>
-              <a:buNone/>
-            </a:pPr>
-            <a:r>
-              <a:rPr lang="es-ES" dirty="0" err="1"/>
-              <a:t>public</a:t>
-            </a:r>
-            <a:r>
-              <a:rPr lang="es-ES" dirty="0"/>
-              <a:t> </a:t>
-            </a:r>
-            <a:r>
-              <a:rPr lang="es-ES" dirty="0" err="1"/>
-              <a:t>class</a:t>
-            </a:r>
-            <a:r>
-              <a:rPr lang="es-ES" dirty="0"/>
-              <a:t> B: A </a:t>
-            </a:r>
-          </a:p>
-          <a:p>
-            <a:pPr>
-              <a:buNone/>
-            </a:pPr>
-            <a:r>
-              <a:rPr lang="es-ES" dirty="0"/>
-              <a:t>{ </a:t>
-            </a:r>
-          </a:p>
-          <a:p>
-            <a:pPr>
-              <a:buNone/>
-            </a:pPr>
-            <a:r>
-              <a:rPr lang="es-ES" dirty="0"/>
-              <a:t>	</a:t>
-            </a:r>
-            <a:r>
-              <a:rPr lang="es-ES" dirty="0" err="1"/>
-              <a:t>public</a:t>
-            </a:r>
-            <a:r>
-              <a:rPr lang="es-ES" dirty="0"/>
-              <a:t> </a:t>
-            </a:r>
-            <a:r>
-              <a:rPr lang="es-ES" dirty="0" err="1">
-                <a:solidFill>
-                  <a:srgbClr val="FF0000"/>
-                </a:solidFill>
-              </a:rPr>
-              <a:t>override</a:t>
-            </a:r>
-            <a:r>
-              <a:rPr lang="es-ES" dirty="0"/>
-              <a:t> </a:t>
-            </a:r>
-            <a:r>
-              <a:rPr lang="es-ES" dirty="0" err="1"/>
-              <a:t>void</a:t>
-            </a:r>
-            <a:r>
-              <a:rPr lang="es-ES" dirty="0"/>
-              <a:t> G() </a:t>
-            </a:r>
-          </a:p>
-          <a:p>
-            <a:pPr>
-              <a:buNone/>
-            </a:pPr>
-            <a:r>
-              <a:rPr lang="es-ES" dirty="0"/>
-              <a:t>	{ </a:t>
-            </a:r>
-          </a:p>
-          <a:p>
-            <a:pPr>
-              <a:buNone/>
-            </a:pPr>
-            <a:r>
-              <a:rPr lang="es-ES" dirty="0"/>
-              <a:t>		</a:t>
-            </a:r>
-            <a:r>
-              <a:rPr lang="es-ES" dirty="0" err="1"/>
-              <a:t>Console.WriteLine</a:t>
-            </a:r>
-            <a:r>
-              <a:rPr lang="es-ES" dirty="0"/>
-              <a:t>("B.G"); </a:t>
-            </a:r>
-          </a:p>
-          <a:p>
-            <a:pPr>
-              <a:buNone/>
-            </a:pPr>
-            <a:r>
-              <a:rPr lang="es-ES" dirty="0"/>
-              <a:t>	} </a:t>
-            </a:r>
-          </a:p>
-          <a:p>
-            <a:pPr>
-              <a:buNone/>
-            </a:pPr>
-            <a:r>
-              <a:rPr lang="es-ES" dirty="0"/>
-              <a:t>}</a:t>
-            </a:r>
-          </a:p>
-          <a:p>
-            <a:pPr marL="365760" marR="0" lvl="0" indent="-256032" algn="l" defTabSz="914400" rtl="0" eaLnBrk="1" fontAlgn="auto" latinLnBrk="0" hangingPunct="1">
-              <a:lnSpc>
-                <a:spcPct val="100000"/>
-              </a:lnSpc>
-              <a:spcBef>
-                <a:spcPts val="400"/>
-              </a:spcBef>
-              <a:spcAft>
-                <a:spcPts val="0"/>
-              </a:spcAft>
-              <a:buClr>
-                <a:schemeClr val="accent1"/>
-              </a:buClr>
-              <a:buSzPct val="68000"/>
-              <a:buFont typeface="Wingdings 3"/>
-              <a:buNone/>
-              <a:tabLst/>
-              <a:defRPr/>
-            </a:pPr>
-            <a:endParaRPr kumimoji="0" lang="es-ES" sz="2700" b="0" i="0" u="none" strike="noStrike" kern="1200" cap="none" spc="0" normalizeH="0" baseline="0" noProof="0" dirty="0">
-              <a:ln>
-                <a:noFill/>
-              </a:ln>
-              <a:solidFill>
-                <a:schemeClr val="tx1"/>
-              </a:solidFill>
-              <a:effectLst/>
-              <a:uLnTx/>
-              <a:uFillTx/>
-              <a:latin typeface="+mn-lt"/>
-              <a:ea typeface="+mn-ea"/>
-              <a:cs typeface="+mn-cs"/>
-            </a:endParaRPr>
-          </a:p>
-        </p:txBody>
-      </p:sp>
+          <a:noFill/>
+        </p:spPr>
+      </p:pic>
     </p:spTree>
-    <p:extLst>
-      <p:ext uri="{BB962C8B-B14F-4D97-AF65-F5344CB8AC3E}">
-        <p14:creationId xmlns:p14="http://schemas.microsoft.com/office/powerpoint/2010/main" val="1139195904"/>
-      </p:ext>
-    </p:extLst>
-  </p:cSld>
-  <p:clrMapOvr>
-    <a:masterClrMapping/>
-  </p:clrMapOvr>
-</p:sld>
-</file>
-
-<file path=ppt/slides/slide38.xml><?xml version="1.0" encoding="utf-8"?>
-<p:sld xmlns:a="http://schemas.openxmlformats.org/drawingml/2006/main" xmlns:r="http://schemas.openxmlformats.org/officeDocument/2006/relationships" xmlns:p="http://schemas.openxmlformats.org/presentationml/2006/main">
-  <p:cSld>
-    <p:spTree>
-      <p:nvGrpSpPr>
-        <p:cNvPr id="1" name=""/>
-        <p:cNvGrpSpPr/>
-        <p:nvPr/>
-      </p:nvGrpSpPr>
-      <p:grpSpPr>
-        <a:xfrm>
-          <a:off x="0" y="0"/>
-          <a:ext cx="0" cy="0"/>
-          <a:chOff x="0" y="0"/>
-          <a:chExt cx="0" cy="0"/>
-        </a:xfrm>
-      </p:grpSpPr>
-      <p:sp>
-        <p:nvSpPr>
-          <p:cNvPr id="3" name="2 Marcador de contenido"/>
-          <p:cNvSpPr>
-            <a:spLocks noGrp="1"/>
-          </p:cNvSpPr>
-          <p:nvPr>
-            <p:ph idx="1"/>
-          </p:nvPr>
-        </p:nvSpPr>
-        <p:spPr>
-          <a:xfrm>
-            <a:off x="457200" y="908720"/>
-            <a:ext cx="8229600" cy="5256584"/>
-          </a:xfrm>
-        </p:spPr>
-        <p:txBody>
-          <a:bodyPr>
-            <a:normAutofit fontScale="77500" lnSpcReduction="20000"/>
-          </a:bodyPr>
-          <a:lstStyle/>
-          <a:p>
-            <a:pPr algn="just"/>
-            <a:r>
-              <a:rPr lang="es-ES" dirty="0"/>
-              <a:t>Cada vez que se crea una instancia de una clase, se llama al constructor de la misma.</a:t>
-            </a:r>
-          </a:p>
-          <a:p>
-            <a:pPr algn="just"/>
-            <a:endParaRPr lang="es-ES" dirty="0"/>
-          </a:p>
-          <a:p>
-            <a:pPr algn="just"/>
-            <a:r>
-              <a:rPr lang="es-ES" dirty="0"/>
-              <a:t>El constructor hace las veces de método que se ejecuta al crear una nueva instancia de una clase, el cuál se ejecuta automáticamente.</a:t>
-            </a:r>
-          </a:p>
-          <a:p>
-            <a:pPr algn="just"/>
-            <a:endParaRPr lang="es-ES" dirty="0"/>
-          </a:p>
-          <a:p>
-            <a:pPr algn="just"/>
-            <a:r>
-              <a:rPr lang="es-ES" dirty="0"/>
-              <a:t>Por convención tiene el mismo nombre que la clase.</a:t>
-            </a:r>
-          </a:p>
-          <a:p>
-            <a:pPr algn="just"/>
-            <a:endParaRPr lang="es-ES" dirty="0"/>
-          </a:p>
-          <a:p>
-            <a:pPr algn="just"/>
-            <a:r>
-              <a:rPr lang="es-ES" dirty="0"/>
-              <a:t>No es necesario especificar uno dado que C# implementa uno por defecto que crea la instancia y le asigna los valores predeterminados definidos en la especificación de la clase.</a:t>
-            </a:r>
-          </a:p>
-          <a:p>
-            <a:pPr algn="just"/>
-            <a:endParaRPr lang="es-ES" dirty="0"/>
-          </a:p>
-          <a:p>
-            <a:pPr algn="just"/>
-            <a:r>
-              <a:rPr lang="es-ES" dirty="0"/>
-              <a:t>Son útiles para inicializar valores, etc.</a:t>
-            </a:r>
-          </a:p>
-          <a:p>
-            <a:pPr algn="just"/>
-            <a:endParaRPr lang="es-ES" dirty="0"/>
-          </a:p>
-          <a:p>
-            <a:pPr algn="just"/>
-            <a:r>
-              <a:rPr lang="es-ES" dirty="0"/>
-              <a:t>Es factible de realizar una sobre escritura del constructor de una clase.</a:t>
-            </a:r>
-          </a:p>
-        </p:txBody>
-      </p:sp>
-      <p:sp>
-        <p:nvSpPr>
-          <p:cNvPr id="2" name="1 Título"/>
-          <p:cNvSpPr>
-            <a:spLocks noGrp="1"/>
-          </p:cNvSpPr>
-          <p:nvPr>
-            <p:ph type="title"/>
-          </p:nvPr>
-        </p:nvSpPr>
-        <p:spPr>
-          <a:xfrm>
-            <a:off x="457200" y="-27384"/>
-            <a:ext cx="8229600" cy="1143000"/>
-          </a:xfrm>
-        </p:spPr>
-        <p:txBody>
-          <a:bodyPr/>
-          <a:lstStyle/>
-          <a:p>
-            <a:r>
-              <a:rPr lang="es-ES" dirty="0"/>
-              <a:t>Constructores</a:t>
-            </a:r>
-          </a:p>
-        </p:txBody>
-      </p:sp>
-    </p:spTree>
-    <p:extLst>
-      <p:ext uri="{BB962C8B-B14F-4D97-AF65-F5344CB8AC3E}">
-        <p14:creationId xmlns:p14="http://schemas.microsoft.com/office/powerpoint/2010/main" val="2526668328"/>
-      </p:ext>
-    </p:extLst>
-  </p:cSld>
-  <p:clrMapOvr>
-    <a:masterClrMapping/>
-  </p:clrMapOvr>
-</p:sld>
-</file>
-
-<file path=ppt/slides/slide39.xml><?xml version="1.0" encoding="utf-8"?>
-<p:sld xmlns:a="http://schemas.openxmlformats.org/drawingml/2006/main" xmlns:r="http://schemas.openxmlformats.org/officeDocument/2006/relationships" xmlns:p="http://schemas.openxmlformats.org/presentationml/2006/main">
-  <p:cSld>
-    <p:spTree>
-      <p:nvGrpSpPr>
-        <p:cNvPr id="1" name=""/>
-        <p:cNvGrpSpPr/>
-        <p:nvPr/>
-      </p:nvGrpSpPr>
-      <p:grpSpPr>
-        <a:xfrm>
-          <a:off x="0" y="0"/>
-          <a:ext cx="0" cy="0"/>
-          <a:chOff x="0" y="0"/>
-          <a:chExt cx="0" cy="0"/>
-        </a:xfrm>
-      </p:grpSpPr>
-      <p:sp>
-        <p:nvSpPr>
-          <p:cNvPr id="3" name="2 Marcador de contenido"/>
-          <p:cNvSpPr>
-            <a:spLocks noGrp="1"/>
-          </p:cNvSpPr>
-          <p:nvPr>
-            <p:ph idx="1"/>
-          </p:nvPr>
-        </p:nvSpPr>
-        <p:spPr>
-          <a:xfrm>
-            <a:off x="457200" y="332656"/>
-            <a:ext cx="8229600" cy="5976664"/>
-          </a:xfrm>
-        </p:spPr>
-        <p:txBody>
-          <a:bodyPr>
-            <a:normAutofit/>
-          </a:bodyPr>
-          <a:lstStyle/>
-          <a:p>
-            <a:pPr algn="just"/>
-            <a:r>
-              <a:rPr lang="es-ES" dirty="0"/>
-              <a:t>Sintaxis:</a:t>
-            </a:r>
-          </a:p>
-          <a:p>
-            <a:pPr algn="just">
-              <a:buNone/>
-            </a:pPr>
-            <a:r>
-              <a:rPr lang="es-ES" dirty="0"/>
-              <a:t>	</a:t>
-            </a:r>
-            <a:r>
-              <a:rPr lang="es-ES" dirty="0" err="1"/>
-              <a:t>public</a:t>
-            </a:r>
-            <a:r>
-              <a:rPr lang="es-ES" dirty="0"/>
-              <a:t> </a:t>
-            </a:r>
-            <a:r>
-              <a:rPr lang="es-ES" dirty="0" err="1"/>
-              <a:t>class</a:t>
-            </a:r>
-            <a:r>
-              <a:rPr lang="es-ES" dirty="0"/>
-              <a:t> &lt;</a:t>
-            </a:r>
-            <a:r>
-              <a:rPr lang="es-ES" dirty="0" err="1"/>
-              <a:t>nombreClase</a:t>
-            </a:r>
-            <a:r>
-              <a:rPr lang="es-ES" dirty="0"/>
-              <a:t>&gt;</a:t>
-            </a:r>
-          </a:p>
-          <a:p>
-            <a:pPr algn="just">
-              <a:buNone/>
-            </a:pPr>
-            <a:r>
-              <a:rPr lang="es-ES" dirty="0"/>
-              <a:t>	{</a:t>
-            </a:r>
-          </a:p>
-          <a:p>
-            <a:pPr algn="just">
-              <a:buNone/>
-            </a:pPr>
-            <a:r>
-              <a:rPr lang="es-ES" dirty="0"/>
-              <a:t>		</a:t>
-            </a:r>
-            <a:r>
-              <a:rPr lang="es-ES" dirty="0" err="1">
-                <a:solidFill>
-                  <a:srgbClr val="FF0000"/>
-                </a:solidFill>
-              </a:rPr>
-              <a:t>public</a:t>
-            </a:r>
-            <a:r>
-              <a:rPr lang="es-ES" dirty="0">
-                <a:solidFill>
-                  <a:srgbClr val="FF0000"/>
-                </a:solidFill>
-              </a:rPr>
-              <a:t> &lt;</a:t>
-            </a:r>
-            <a:r>
-              <a:rPr lang="es-ES" dirty="0" err="1">
-                <a:solidFill>
-                  <a:srgbClr val="FF0000"/>
-                </a:solidFill>
-              </a:rPr>
-              <a:t>nombreClase</a:t>
-            </a:r>
-            <a:r>
-              <a:rPr lang="es-ES" dirty="0">
-                <a:solidFill>
-                  <a:srgbClr val="FF0000"/>
-                </a:solidFill>
-              </a:rPr>
-              <a:t>&gt;()</a:t>
-            </a:r>
-          </a:p>
-          <a:p>
-            <a:pPr algn="just">
-              <a:buNone/>
-            </a:pPr>
-            <a:r>
-              <a:rPr lang="es-ES" dirty="0">
-                <a:solidFill>
-                  <a:srgbClr val="FF0000"/>
-                </a:solidFill>
-              </a:rPr>
-              <a:t>		{</a:t>
-            </a:r>
-          </a:p>
-          <a:p>
-            <a:pPr algn="just">
-              <a:buNone/>
-            </a:pPr>
-            <a:r>
-              <a:rPr lang="es-ES" dirty="0">
-                <a:solidFill>
-                  <a:srgbClr val="FF0000"/>
-                </a:solidFill>
-              </a:rPr>
-              <a:t>			//Código</a:t>
-            </a:r>
-          </a:p>
-          <a:p>
-            <a:pPr algn="just">
-              <a:buNone/>
-            </a:pPr>
-            <a:r>
-              <a:rPr lang="es-ES" dirty="0">
-                <a:solidFill>
-                  <a:srgbClr val="FF0000"/>
-                </a:solidFill>
-              </a:rPr>
-              <a:t>		}</a:t>
-            </a:r>
-          </a:p>
-          <a:p>
-            <a:pPr algn="just">
-              <a:buNone/>
-            </a:pPr>
-            <a:r>
-              <a:rPr lang="es-ES" dirty="0"/>
-              <a:t>	}</a:t>
-            </a:r>
-          </a:p>
-        </p:txBody>
-      </p:sp>
-    </p:spTree>
-    <p:extLst>
-      <p:ext uri="{BB962C8B-B14F-4D97-AF65-F5344CB8AC3E}">
-        <p14:creationId xmlns:p14="http://schemas.microsoft.com/office/powerpoint/2010/main" val="1647846118"/>
-      </p:ext>
-    </p:extLst>
   </p:cSld>
   <p:clrMapOvr>
     <a:masterClrMapping/>
@@ -20484,732 +17983,6 @@
           </a:fontRef>
         </p:style>
       </p:cxnSp>
-    </p:spTree>
-  </p:cSld>
-  <p:clrMapOvr>
-    <a:masterClrMapping/>
-  </p:clrMapOvr>
-</p:sld>
-</file>
-
-<file path=ppt/slides/slide40.xml><?xml version="1.0" encoding="utf-8"?>
-<p:sld xmlns:a="http://schemas.openxmlformats.org/drawingml/2006/main" xmlns:r="http://schemas.openxmlformats.org/officeDocument/2006/relationships" xmlns:p="http://schemas.openxmlformats.org/presentationml/2006/main">
-  <p:cSld>
-    <p:spTree>
-      <p:nvGrpSpPr>
-        <p:cNvPr id="1" name=""/>
-        <p:cNvGrpSpPr/>
-        <p:nvPr/>
-      </p:nvGrpSpPr>
-      <p:grpSpPr>
-        <a:xfrm>
-          <a:off x="0" y="0"/>
-          <a:ext cx="0" cy="0"/>
-          <a:chOff x="0" y="0"/>
-          <a:chExt cx="0" cy="0"/>
-        </a:xfrm>
-      </p:grpSpPr>
-      <p:sp>
-        <p:nvSpPr>
-          <p:cNvPr id="3" name="2 Marcador de contenido"/>
-          <p:cNvSpPr>
-            <a:spLocks noGrp="1"/>
-          </p:cNvSpPr>
-          <p:nvPr>
-            <p:ph idx="1"/>
-          </p:nvPr>
-        </p:nvSpPr>
-        <p:spPr>
-          <a:xfrm>
-            <a:off x="323528" y="188640"/>
-            <a:ext cx="8229600" cy="3960440"/>
-          </a:xfrm>
-        </p:spPr>
-        <p:txBody>
-          <a:bodyPr>
-            <a:normAutofit/>
-          </a:bodyPr>
-          <a:lstStyle/>
-          <a:p>
-            <a:pPr algn="just"/>
-            <a:r>
-              <a:rPr lang="es-ES" dirty="0"/>
-              <a:t>Ejemplo:</a:t>
-            </a:r>
-          </a:p>
-          <a:p>
-            <a:pPr algn="just">
-              <a:buNone/>
-            </a:pPr>
-            <a:r>
-              <a:rPr lang="es-ES" dirty="0"/>
-              <a:t>	</a:t>
-            </a:r>
-            <a:r>
-              <a:rPr lang="es-ES" dirty="0" err="1"/>
-              <a:t>public</a:t>
-            </a:r>
-            <a:r>
-              <a:rPr lang="es-ES" dirty="0"/>
-              <a:t> </a:t>
-            </a:r>
-            <a:r>
-              <a:rPr lang="es-ES" dirty="0" err="1"/>
-              <a:t>class</a:t>
-            </a:r>
-            <a:r>
-              <a:rPr lang="es-ES" dirty="0"/>
-              <a:t> Persona</a:t>
-            </a:r>
-          </a:p>
-          <a:p>
-            <a:pPr algn="just">
-              <a:buNone/>
-            </a:pPr>
-            <a:r>
-              <a:rPr lang="es-ES" dirty="0"/>
-              <a:t>	{</a:t>
-            </a:r>
-          </a:p>
-          <a:p>
-            <a:pPr algn="just">
-              <a:buNone/>
-            </a:pPr>
-            <a:r>
-              <a:rPr lang="es-ES" dirty="0"/>
-              <a:t>		</a:t>
-            </a:r>
-            <a:r>
-              <a:rPr lang="es-ES" dirty="0" err="1"/>
-              <a:t>public</a:t>
-            </a:r>
-            <a:r>
-              <a:rPr lang="es-ES" dirty="0"/>
-              <a:t> Persona()</a:t>
-            </a:r>
-          </a:p>
-          <a:p>
-            <a:pPr algn="just">
-              <a:buNone/>
-            </a:pPr>
-            <a:r>
-              <a:rPr lang="es-ES" dirty="0"/>
-              <a:t>		{ </a:t>
-            </a:r>
-          </a:p>
-          <a:p>
-            <a:pPr algn="just">
-              <a:buNone/>
-            </a:pPr>
-            <a:r>
-              <a:rPr lang="es-ES" dirty="0"/>
-              <a:t>			 </a:t>
-            </a:r>
-            <a:r>
-              <a:rPr lang="es-ES" dirty="0" err="1"/>
-              <a:t>this.Edad</a:t>
-            </a:r>
-            <a:r>
-              <a:rPr lang="es-ES" dirty="0"/>
-              <a:t> = 1;</a:t>
-            </a:r>
-          </a:p>
-          <a:p>
-            <a:pPr algn="just">
-              <a:buNone/>
-            </a:pPr>
-            <a:r>
-              <a:rPr lang="es-ES" dirty="0"/>
-              <a:t>		}</a:t>
-            </a:r>
-          </a:p>
-          <a:p>
-            <a:pPr algn="just">
-              <a:buNone/>
-            </a:pPr>
-            <a:r>
-              <a:rPr lang="es-ES" dirty="0"/>
-              <a:t>	}</a:t>
-            </a:r>
-          </a:p>
-        </p:txBody>
-      </p:sp>
-    </p:spTree>
-    <p:extLst>
-      <p:ext uri="{BB962C8B-B14F-4D97-AF65-F5344CB8AC3E}">
-        <p14:creationId xmlns:p14="http://schemas.microsoft.com/office/powerpoint/2010/main" val="1586512296"/>
-      </p:ext>
-    </p:extLst>
-  </p:cSld>
-  <p:clrMapOvr>
-    <a:masterClrMapping/>
-  </p:clrMapOvr>
-</p:sld>
-</file>
-
-<file path=ppt/slides/slide41.xml><?xml version="1.0" encoding="utf-8"?>
-<p:sld xmlns:a="http://schemas.openxmlformats.org/drawingml/2006/main" xmlns:r="http://schemas.openxmlformats.org/officeDocument/2006/relationships" xmlns:p="http://schemas.openxmlformats.org/presentationml/2006/main">
-  <p:cSld>
-    <p:spTree>
-      <p:nvGrpSpPr>
-        <p:cNvPr id="1" name=""/>
-        <p:cNvGrpSpPr/>
-        <p:nvPr/>
-      </p:nvGrpSpPr>
-      <p:grpSpPr>
-        <a:xfrm>
-          <a:off x="0" y="0"/>
-          <a:ext cx="0" cy="0"/>
-          <a:chOff x="0" y="0"/>
-          <a:chExt cx="0" cy="0"/>
-        </a:xfrm>
-      </p:grpSpPr>
-      <p:sp>
-        <p:nvSpPr>
-          <p:cNvPr id="3" name="2 Marcador de contenido"/>
-          <p:cNvSpPr>
-            <a:spLocks noGrp="1"/>
-          </p:cNvSpPr>
-          <p:nvPr>
-            <p:ph idx="1"/>
-          </p:nvPr>
-        </p:nvSpPr>
-        <p:spPr>
-          <a:xfrm>
-            <a:off x="457200" y="908720"/>
-            <a:ext cx="8229600" cy="5256584"/>
-          </a:xfrm>
-        </p:spPr>
-        <p:txBody>
-          <a:bodyPr>
-            <a:normAutofit/>
-          </a:bodyPr>
-          <a:lstStyle/>
-          <a:p>
-            <a:pPr algn="just"/>
-            <a:r>
-              <a:rPr lang="es-ES" dirty="0"/>
-              <a:t>La forma en la que se realizan conversiones de tipo en C# tiene la siguiente sintaxis:</a:t>
-            </a:r>
-          </a:p>
-          <a:p>
-            <a:pPr algn="just">
-              <a:buNone/>
-            </a:pPr>
-            <a:r>
-              <a:rPr lang="es-ES" dirty="0"/>
-              <a:t>	</a:t>
-            </a:r>
-            <a:r>
-              <a:rPr lang="es-ES" sz="2000" dirty="0"/>
-              <a:t>&lt;</a:t>
-            </a:r>
-            <a:r>
-              <a:rPr lang="es-ES" sz="2000" dirty="0" err="1"/>
-              <a:t>variableTipoDestino</a:t>
-            </a:r>
-            <a:r>
-              <a:rPr lang="es-ES" sz="2000" dirty="0"/>
-              <a:t>&gt; = (&lt;</a:t>
-            </a:r>
-            <a:r>
-              <a:rPr lang="es-ES" sz="2000" dirty="0" err="1"/>
-              <a:t>tipoDestino</a:t>
-            </a:r>
-            <a:r>
-              <a:rPr lang="es-ES" sz="2000" dirty="0"/>
-              <a:t>&gt;)&lt;expresión&gt;</a:t>
-            </a:r>
-          </a:p>
-          <a:p>
-            <a:pPr algn="just">
-              <a:buNone/>
-            </a:pPr>
-            <a:endParaRPr lang="es-ES" sz="2000" dirty="0"/>
-          </a:p>
-          <a:p>
-            <a:pPr algn="just"/>
-            <a:r>
-              <a:rPr lang="es-ES" sz="2000" dirty="0"/>
-              <a:t>Las conversiones se pueden hacer solo si se hace presente alguna de estas condiciones:</a:t>
-            </a:r>
-          </a:p>
-          <a:p>
-            <a:pPr lvl="1" algn="just"/>
-            <a:r>
-              <a:rPr lang="es-ES" dirty="0"/>
-              <a:t>El &lt;</a:t>
-            </a:r>
-            <a:r>
-              <a:rPr lang="es-ES" dirty="0" err="1"/>
-              <a:t>tipoDestino</a:t>
-            </a:r>
-            <a:r>
-              <a:rPr lang="es-ES" dirty="0"/>
-              <a:t>&gt; es una superclase de la &lt;expresión&gt;</a:t>
-            </a:r>
-          </a:p>
-          <a:p>
-            <a:pPr lvl="1" algn="just"/>
-            <a:r>
-              <a:rPr lang="es-ES" dirty="0"/>
-              <a:t>El &lt;</a:t>
-            </a:r>
-            <a:r>
-              <a:rPr lang="es-ES" dirty="0" err="1"/>
-              <a:t>tipoDestino</a:t>
-            </a:r>
-            <a:r>
-              <a:rPr lang="es-ES" dirty="0"/>
-              <a:t>&gt; y &lt;expresión&gt; tienen la misma interfaz</a:t>
-            </a:r>
-          </a:p>
-          <a:p>
-            <a:pPr lvl="1" algn="just"/>
-            <a:r>
-              <a:rPr lang="es-ES" dirty="0"/>
-              <a:t>El &lt;</a:t>
-            </a:r>
-            <a:r>
-              <a:rPr lang="es-ES" dirty="0" err="1"/>
-              <a:t>tipoDestino</a:t>
-            </a:r>
-            <a:r>
-              <a:rPr lang="es-ES" dirty="0"/>
-              <a:t>&gt; sea del mismo tipo que la expresión</a:t>
-            </a:r>
-          </a:p>
-        </p:txBody>
-      </p:sp>
-      <p:sp>
-        <p:nvSpPr>
-          <p:cNvPr id="2" name="1 Título"/>
-          <p:cNvSpPr>
-            <a:spLocks noGrp="1"/>
-          </p:cNvSpPr>
-          <p:nvPr>
-            <p:ph type="title"/>
-          </p:nvPr>
-        </p:nvSpPr>
-        <p:spPr>
-          <a:xfrm>
-            <a:off x="457200" y="-27384"/>
-            <a:ext cx="8229600" cy="1143000"/>
-          </a:xfrm>
-        </p:spPr>
-        <p:txBody>
-          <a:bodyPr/>
-          <a:lstStyle/>
-          <a:p>
-            <a:r>
-              <a:rPr lang="es-ES" dirty="0"/>
-              <a:t>Conversiones</a:t>
-            </a:r>
-          </a:p>
-        </p:txBody>
-      </p:sp>
-    </p:spTree>
-    <p:extLst>
-      <p:ext uri="{BB962C8B-B14F-4D97-AF65-F5344CB8AC3E}">
-        <p14:creationId xmlns:p14="http://schemas.microsoft.com/office/powerpoint/2010/main" val="3941791251"/>
-      </p:ext>
-    </p:extLst>
-  </p:cSld>
-  <p:clrMapOvr>
-    <a:masterClrMapping/>
-  </p:clrMapOvr>
-</p:sld>
-</file>
-
-<file path=ppt/slides/slide42.xml><?xml version="1.0" encoding="utf-8"?>
-<p:sld xmlns:a="http://schemas.openxmlformats.org/drawingml/2006/main" xmlns:r="http://schemas.openxmlformats.org/officeDocument/2006/relationships" xmlns:p="http://schemas.openxmlformats.org/presentationml/2006/main">
-  <p:cSld>
-    <p:spTree>
-      <p:nvGrpSpPr>
-        <p:cNvPr id="1" name=""/>
-        <p:cNvGrpSpPr/>
-        <p:nvPr/>
-      </p:nvGrpSpPr>
-      <p:grpSpPr>
-        <a:xfrm>
-          <a:off x="0" y="0"/>
-          <a:ext cx="0" cy="0"/>
-          <a:chOff x="0" y="0"/>
-          <a:chExt cx="0" cy="0"/>
-        </a:xfrm>
-      </p:grpSpPr>
-      <p:sp>
-        <p:nvSpPr>
-          <p:cNvPr id="3" name="2 Marcador de contenido"/>
-          <p:cNvSpPr>
-            <a:spLocks noGrp="1"/>
-          </p:cNvSpPr>
-          <p:nvPr>
-            <p:ph idx="1"/>
-          </p:nvPr>
-        </p:nvSpPr>
-        <p:spPr>
-          <a:xfrm>
-            <a:off x="457200" y="548680"/>
-            <a:ext cx="8229600" cy="5256584"/>
-          </a:xfrm>
-        </p:spPr>
-        <p:txBody>
-          <a:bodyPr>
-            <a:normAutofit/>
-          </a:bodyPr>
-          <a:lstStyle/>
-          <a:p>
-            <a:pPr algn="just"/>
-            <a:r>
-              <a:rPr lang="es-ES" dirty="0"/>
-              <a:t>Ejemplos:</a:t>
-            </a:r>
-          </a:p>
-          <a:p>
-            <a:pPr algn="just">
-              <a:buNone/>
-            </a:pPr>
-            <a:r>
-              <a:rPr lang="es-ES" dirty="0"/>
-              <a:t>	</a:t>
-            </a:r>
-          </a:p>
-          <a:p>
-            <a:pPr algn="just">
-              <a:buNone/>
-            </a:pPr>
-            <a:r>
-              <a:rPr lang="es-ES" dirty="0"/>
-              <a:t>	Alumno </a:t>
-            </a:r>
-            <a:r>
-              <a:rPr lang="es-ES" dirty="0" err="1"/>
-              <a:t>alumno</a:t>
-            </a:r>
-            <a:r>
-              <a:rPr lang="es-ES" dirty="0"/>
-              <a:t> = new Alumno();</a:t>
-            </a:r>
-          </a:p>
-          <a:p>
-            <a:pPr algn="just">
-              <a:buNone/>
-            </a:pPr>
-            <a:r>
-              <a:rPr lang="es-ES" dirty="0"/>
-              <a:t>	Persona </a:t>
-            </a:r>
-            <a:r>
-              <a:rPr lang="es-ES" dirty="0" err="1"/>
-              <a:t>persona</a:t>
-            </a:r>
-            <a:r>
-              <a:rPr lang="es-ES" dirty="0"/>
-              <a:t> = (Persona)alumno;</a:t>
-            </a:r>
-          </a:p>
-          <a:p>
-            <a:pPr algn="just">
-              <a:buNone/>
-            </a:pPr>
-            <a:endParaRPr lang="es-ES" dirty="0"/>
-          </a:p>
-          <a:p>
-            <a:pPr algn="just">
-              <a:buNone/>
-            </a:pPr>
-            <a:r>
-              <a:rPr lang="es-ES" dirty="0"/>
-              <a:t>	</a:t>
-            </a:r>
-            <a:r>
-              <a:rPr lang="es-ES" dirty="0" err="1"/>
-              <a:t>int</a:t>
-            </a:r>
-            <a:r>
-              <a:rPr lang="es-ES" dirty="0"/>
-              <a:t> numero = 31;</a:t>
-            </a:r>
-          </a:p>
-          <a:p>
-            <a:pPr algn="just">
-              <a:buNone/>
-            </a:pPr>
-            <a:r>
-              <a:rPr lang="es-ES" dirty="0"/>
-              <a:t>	</a:t>
-            </a:r>
-            <a:r>
-              <a:rPr lang="es-ES" dirty="0" err="1"/>
-              <a:t>float</a:t>
-            </a:r>
-            <a:r>
-              <a:rPr lang="es-ES" dirty="0"/>
-              <a:t> </a:t>
-            </a:r>
-            <a:r>
-              <a:rPr lang="es-ES" dirty="0" err="1"/>
-              <a:t>numeroFlotante</a:t>
-            </a:r>
-            <a:r>
-              <a:rPr lang="es-ES" dirty="0"/>
-              <a:t> = (</a:t>
-            </a:r>
-            <a:r>
-              <a:rPr lang="es-ES" dirty="0" err="1"/>
-              <a:t>float</a:t>
-            </a:r>
-            <a:r>
-              <a:rPr lang="es-ES" dirty="0"/>
-              <a:t>)numero;</a:t>
-            </a:r>
-          </a:p>
-        </p:txBody>
-      </p:sp>
-    </p:spTree>
-    <p:extLst>
-      <p:ext uri="{BB962C8B-B14F-4D97-AF65-F5344CB8AC3E}">
-        <p14:creationId xmlns:p14="http://schemas.microsoft.com/office/powerpoint/2010/main" val="3437563809"/>
-      </p:ext>
-    </p:extLst>
-  </p:cSld>
-  <p:clrMapOvr>
-    <a:masterClrMapping/>
-  </p:clrMapOvr>
-</p:sld>
-</file>
-
-<file path=ppt/slides/slide43.xml><?xml version="1.0" encoding="utf-8"?>
-<p:sld xmlns:a="http://schemas.openxmlformats.org/drawingml/2006/main" xmlns:r="http://schemas.openxmlformats.org/officeDocument/2006/relationships" xmlns:p="http://schemas.openxmlformats.org/presentationml/2006/main">
-  <p:cSld>
-    <p:spTree>
-      <p:nvGrpSpPr>
-        <p:cNvPr id="1" name=""/>
-        <p:cNvGrpSpPr/>
-        <p:nvPr/>
-      </p:nvGrpSpPr>
-      <p:grpSpPr>
-        <a:xfrm>
-          <a:off x="0" y="0"/>
-          <a:ext cx="0" cy="0"/>
-          <a:chOff x="0" y="0"/>
-          <a:chExt cx="0" cy="0"/>
-        </a:xfrm>
-      </p:grpSpPr>
-      <p:sp>
-        <p:nvSpPr>
-          <p:cNvPr id="3" name="2 Marcador de contenido"/>
-          <p:cNvSpPr>
-            <a:spLocks noGrp="1"/>
-          </p:cNvSpPr>
-          <p:nvPr>
-            <p:ph idx="1"/>
-          </p:nvPr>
-        </p:nvSpPr>
-        <p:spPr>
-          <a:xfrm>
-            <a:off x="179512" y="908720"/>
-            <a:ext cx="8712968" cy="5184576"/>
-          </a:xfrm>
-        </p:spPr>
-        <p:txBody>
-          <a:bodyPr>
-            <a:normAutofit fontScale="85000" lnSpcReduction="20000"/>
-          </a:bodyPr>
-          <a:lstStyle/>
-          <a:p>
-            <a:pPr algn="just"/>
-            <a:r>
-              <a:rPr lang="es-ES" dirty="0"/>
-              <a:t>Dada la necesidad de informatizar la administración del ZOO de una importante ciudad, modelar las clases necesarias para contemplar el manejo de aves, acuario y reptiles. Es de vital importancia poder almacenar el nombre de cada especie, el peso, la zona en la que se encuentra y la edad. Claramente, distintos grupos de animales tienen otras características específicas.</a:t>
-            </a:r>
-          </a:p>
-          <a:p>
-            <a:pPr algn="just"/>
-            <a:r>
-              <a:rPr lang="es-ES" dirty="0"/>
-              <a:t>De las aves se necesita poder conocer en un determinado momento si están en época de cría o no, mientras que de los reptiles se debe poder modificar cuando se desee si están en un reservorio con agua o no.</a:t>
-            </a:r>
-          </a:p>
-          <a:p>
-            <a:pPr algn="just"/>
-            <a:r>
-              <a:rPr lang="es-ES" dirty="0"/>
-              <a:t>Las especies de todos los grupos pueden ser movidas de una zona a otra en cualquier momento, pero para el caso del acuario solo será factible en caso de que tengan más de un año.</a:t>
-            </a:r>
-          </a:p>
-          <a:p>
-            <a:pPr algn="just"/>
-            <a:r>
-              <a:rPr lang="es-ES" dirty="0"/>
-              <a:t>Llegada la fecha de cumpleaños, cada especie deberá poder aumentar su edad.</a:t>
-            </a:r>
-          </a:p>
-        </p:txBody>
-      </p:sp>
-      <p:sp>
-        <p:nvSpPr>
-          <p:cNvPr id="2" name="1 Título"/>
-          <p:cNvSpPr>
-            <a:spLocks noGrp="1"/>
-          </p:cNvSpPr>
-          <p:nvPr>
-            <p:ph type="title"/>
-          </p:nvPr>
-        </p:nvSpPr>
-        <p:spPr>
-          <a:xfrm>
-            <a:off x="457200" y="-27384"/>
-            <a:ext cx="8229600" cy="1143000"/>
-          </a:xfrm>
-        </p:spPr>
-        <p:txBody>
-          <a:bodyPr/>
-          <a:lstStyle/>
-          <a:p>
-            <a:r>
-              <a:rPr lang="es-ES" dirty="0"/>
-              <a:t>Práctica: POO en C#</a:t>
-            </a:r>
-          </a:p>
-        </p:txBody>
-      </p:sp>
-      <p:sp>
-        <p:nvSpPr>
-          <p:cNvPr id="34818" name="AutoShape 2" descr="data:image/jpeg;base64,/9j/4AAQSkZJRgABAQAAAQABAAD/2wCEAAkGBxQSEhUUEhQTFhAQFRkYFBcUEBQYFRYSGBcYFxcYFxgYHCggGRolGxcUJTEhJSkrLjAuHR8zODQsOSktLisBCgoKDg0OGxAQGywmICYvLDIsLSwsLCwsLCwtLCwsLC8yLCwsLCwsLC0tLCwsLC8sLC0sLCwsLCwsLDQsLCw0LP/AABEIAI4BYwMBEQACEQEDEQH/xAAcAAEAAgMBAQEAAAAAAAAAAAAABAYDBQcCAQj/xABAEAACAgEDAgMFBgMFBwUBAAABAgADEQQSIQUxE0FRBgciYXEjMkKBkaEUcsEkUqKx0TNTgpKys/BDYmN0kxX/xAAaAQEAAwEBAQAAAAAAAAAAAAAAAgMEAQUG/8QANxEAAgECBAIIBQQCAQUAAAAAAAECAxEEEiExQVETImFxgaGx8AUykcHRFCPh8TNCBhU0UmJy/9oADAMBAAIRAxEAPwDuMAQBAEAQBAEAQBAEAQBAEA+bhnHn6fKACf37QD7AEAQBAEAQBAEAQBAEAQBAEAQBAEAQBAEAQBAEAQBAEAQBAEAQBAEAQBAEAQBAEAQBAEAQBAKD7y77dLZTrdPYi21A1vW7L9pW5BxtJBYbh2HPn5TNiG4Wmi+ilK8WR/ZXWWdS1q6u2u5KdOuKFA+xDlcOzOSN5JLYAHkM4xzGlJ1Z5mu47NKEcqOjTWZxAEAQBAEAQBAEAQBAEAQBAEAQBAEAQBAEAQBAEAQBAEAQBAEAQBAEAQBAEAQBAEAQBAEAQDwaV3btq78Y3YGceme+IsD3AEAQBAEAQBAEAQBAEAQBAEAQBAEAQBAEAQBAEAQBAEAQBAEAQBAEAQBAEAQBAEAQBAEAQBAEAQBAEAQBAEAQBAEAQBAEAQBAEAQBAEAQBAEAQBAEAQBAEAQBAEAQBAEAQBAEAQBAEAQBAEAQBAEAQBAEAQBAEAQBAEAQBAEAQBAEAQBAEAQBAEAQBAEAQBAEAQBAEAQBAEAQBAEAQBAEAQBAEAQBAEAQBAEAQBAEAQBAEAQBAEAQBAEAQBAEAQBAEAQBAEAQBAEAQBAEAQBAEAQBAEAQBAEAQBAEAQBAEAQBAEAQBAEAQBAEA+ZnLoH2dAgCAIAgCAIAgCAIBi/ik3+HvXxdu7ZuG/ZnG7b3xkHmcur2O2drmNNT9q1ZHZQ4IPdSSOR5HIP1/WL62FtLkgnHfsJ04fYB8Vs9v/CODAPsAQBAEAQBAEAQBAEAQBAEAQBAEAQBAEAQBAEAQBAMF+rRPvMB8vP9BMuIxuHw/wDlml2cfpuWQpTn8qNfd11R91SfqcCeJX/5JSjpSg336fl+hqhgZP5mQ7Os2HttX6D/AFnl1fj+Ln8to9y/NzRHB01vqRn11h7u364/ymCp8RxU/mqS+tvSxcqNNbRRhawnuSfqTM0qk5fNJvxZYopbI+ZldkdAaSTa2OWMi6lx2Zh/xGXxxeIh8tSS8WRdOD3SJFfVbR+LP1AM2U/jWNh/vfvSf8+ZVLC0nwJdXXT+JQf5Tj9jPSo/8kmv8sE+528nf1KJYFf6snUdVrbz2n0bj9+09jD/ABrCVtM2V8paee3mZZ4WpHhfuJoM9VNNXRnPs6CFq9eaj8VVhr/3iAOB9UU7/wBFI9cSLlbgdSuYn69phszfUBbnYTYNrYIBAbtkEgYznkTnSR5nckuRNv1KIhd2VawMlmYBQPqeJJtJXZxK5XesdQ0+o2V7VtzltpD13FP95pWIG9lOPuHODwewNcnGXv0JxTWvvxIvS9XbRnUNv1GgvrRluIxqKKlXgWoQC6DLMWHxZJyD3nE3HXdEpJPTZmu6N7wftE09n21mPtLUBADAEOqqqkPhvx/Cu05JGOa4YjXK9WSlR0ubC3qz6NTc1bvodS+cUkN/CLgKxJTI2EAsdp+Fi2M5zJuWXXh6EcubTj6muHtb/CVCqkpqqRS509lQZrK0qA51NYxwAyfGCM8nAzmQ6XIrLX3xJdHmd3p74GS72gs0+NRQj6ujUgKtr3Eb9R8RC1VorMqnBG3ao3AduTOuo49Zao4oJ6PQ2+i9otTgDUaWpLCCfCr1iPqCoGSRUVGePIMTLFOXFeZBwjwfkb3p3Uqr1LUuGCnDAZDK2M4dTypwRwQDLIyT2IOLW5LnTggCAIAgCAIAgCAIAgCAIAgCAIAgCAIBC1nU0r4zlvQf19J5mM+LYfDdVu8uS+/I0UsNOprsjS6rq1j9jtX0Xv8Ar3ny2K+NYmvpF5VyW/13+lj0KeEpw31faQMzyO00jMHRmAMwCO+tUKTydrhCOMhywUDn13KfoRLFSd0uy/ha/wBiOYkZlZIZgDMAZgDMAZgGbT6t0+6xHy8v0mrD4yvh3elJrs4fTYrnShP5kbfSdcB4sGD6jt+Y7ifSYP8A5DCXVxCs+a2+m68zBVwLWsDbLYCNwI2+ueMfWfRQqRnHNF3XNGFxadmc89pNWqapNRplrQWfA7v4uzVBuymrwwHyQoFqFvw5+HtROVpZl/fvmXwXVs/698jY6Xqem099H8PaqafUCwW0taQtLBDareGxzRjY6lcAcjjMnmjGSs9CLjKSd/f5JfWmF9Q1FlG7T0vlkuQEtpwObhWwzWyn4h2YqDxyBOyd1ma0+xyOjsmVb2Z65dpNPW1wW1r61Natc6saz9yvTg1+Ezc5K79xzz2EppzlFa+/sWzgpPQh+7zoxem3FvgapzuqUM1bWBGyWO0hmoyNhCHH3yedu2OHho+D9+R2rKz5r35lj6braTpXvVdRX/GMaRUtouN+oztLU+KWU5w67iANq5OAMy6FnFtcfEraea3Ig16BumolOrdm0VxVBYHOzTozZsptwAWRh8IfGOW4TMioumrS29Dred3juV7q/U1fUlqq6KaadTYjAWWeHYoGw2NWg2oGUKu5eTvA+KVSleWltGWRjaOvIs3T0Lubqs0NXXhdNob6mQ3nkrZuUVizB5Ug4AJzLYq+q07EVvk/qyRo+rplbNZdXpOpKxR0Uc2Vknw1tQj7UDuGQ4BzgjcRJKfGTszji9oq6LtpNWlq7q2yvbsRg+hB5Bl6aexS1YzzpwQBAEAQBAEAQBAEAQBAEAQBAEAx6i9UG5jgD/ziU169OhBzqOyJwhKbtFFd1/WWfhMqn+I/6T5DH/G6tfq0urHzf48PqepRwcYay1fkazM8OxsGYAzAGYAzAMOrp8RGTc67hjcjbXHzB8jJ05ZJKVk7c9jjV1Y5xdfa2tNNN1hBtRdxIJJrwN7eTldp58won0UY01hukqRWzdu/guV/uZdc1kzonTdL4Na173fbnLO2WJJJOT+c+erVOkm5WS7FsaYxsrEnMrJDMAZgDMAZgDMAZgGWnUlcjgqwwysMqwPBDA9+JqwuMrYaV6b71wfevbK6lKNRdY2x6g95rSpjUxz4hIQgKAPuhhkuT28h8ROcAH7DA/FaeLtH5ZcvxzPLq4Z0td0ajr3R6LWG5rPAciu5kdltr1G7dVdbnvhsAZHw7h+E8ehOKZVGTRX6upa0nVVut2t0ektNTrvSu9gAfvlFJevGeAcnjPGRKs09U9UizLHR7NmH2G1tWrxoLFYUAV3Ilh3Zas5ZUYnIV/gfHzsA4IkaMlPqPbtFROPWR6auqldQ1V1+muVrUo3bTRZpnv2fZGxSAgZgW2EHjPoZKySbTtvb6jV2urk/2ZQPe7GwGnpajT6eykBKUAGbLHVrDu3ABTjOcE8cEShq78tCM9u/Uv2KdVT+C3T3qDyMq6HkTTpJFGsWclfp6r1K6nQGj+FrUPqF1JzplKAq4PmQviHHoxPpxgypVGoWtxvsa79ROW/C25M9n9DrXtXTtdfp9Ed66eylNosC5ZED2YsKhA23IOQpxxzJwU27N2XAjJxte12W72c9mL9JYzG+i7e2Xss0rfxLr6G7xfIdsgy+nTcON/UqnUUlt+C2S4qEAQBAEAQBAEAQBAEAQBAEAQBAInUdetK5PLH7q+Z/0HzmHHY+nhIZpavguf8AHaXUKEqrstuZVNZrGtbLH6DyA+U+HxeLq4qeeo+5cF3HtUqUaatEwZmYsGYAzAGYAzAGYBA691DwKLLPxAYT+c8L+5z+UvwtHpaqh9e4hN5Y3NF7FdErFSahwTcWZkO5hheUHAODkZPPrN3xHFTc3Sj8vH1K6VNWzFszPKLxmAMwBmAMwBmAebbQoLMQFUZJJwAB5kzsYuTshsYm1qbVYMrK7AKQy4JPoc47Z/pzJdFK7TVrbnLojdO1mVVeWsy3ic8Iwdg5JPYbgwVfl6AkW1adm3stLduit5bv7kYvgbBmPkcHyOM4/QiUR0dybRhN5cWjWug8ZGRLagy2AFdoqKHIuyCxwT37DPI+rwHxSFb9qpe9vm3+tl6+p5tbDOHWj9D17PabUI40F97UmrTh9P4KVjxa2JVvF3Bg1iYUYU+ZOW7z2oRkuo3bTSxlm42zJFc94OhKsl627LNClVFlYfw7duWCW0tj4ldWPYcYYc4OKa8WnmT20LKT4czU9H6Kmv1L1aZr/wCDpUOK3uXxSB8JKKRsBy3n5HvzK4wVSVo3sSlJwV3ubD2Z0tujKP8AxIpr8d6tUltSutV9YJQum8fCygYdSCCQMnMnTi4a3tzuRm1Lh3Gko6rrdTd4Olsv2u9hrqqdq1CO5c5Ab4V58ycdsypTqTlaLLHGEVeRdej+7nUUeHZu0vjaYmxQEd/GfjCWM5AVQBgELwTnvNMMM42el0USrJ6anR9Bq0vrS1OUcblyOR5fr3E1ppq5nas7EmdOCAIAgCAIAgCAIAgCAIAgCAIAgEPqfUFpXJ5Y/dHqf9Jhx+OhhKeZ6t7Ln/HMvoUHVlZbcSn6jUM7FmOSf/MD5T4WvWnXm6lR3bPchTjCOWJizKrExmLAZiwGYsBmLAZiwGYsCj+8HqGWSkHhBvf+Y8KPyGf+YT2/hVG0XUfHRff32GXES1sW/plPh01J/crUfmFGf3nkVpZ6kpc2zRFWikScyuxIZiwGYsBmLAZiwGYsDDq2s2/ZeHv/APkLBf8ACMydNQv1727P5Iu/Aq/UtImbv9mz+F9oxpB7E7lprGAWyUB5yPhySTx6dGpK0d0r6K/0cnrpu9tdbKyKJRWvv6GbT9Vs09my+pK/FwzP4rGsEV7eTgncSgHxHyPJkJ4eFaGanJu2lra7+mvA6pOLs0e9H1S+1QKLK7G+HJahtqgjLb2D4Ug7htAJ7Y45HKlCjTl+5Fpd+/Kyt538zsZSa0Nfr/alW+yvRX8OxSxpfNdgXvgnBGDgjvyJfSwDXXpu1091qiEqvBmu1ftfqXahlb49GX8CwqDbtbja57N8IA7c8z2oVJwik3t7+hlcItvtN11/TXkpnUm7UW1qy7qcX7r6X+yrrGSEK1hWYdmK9viM1VFLn+dUVRa5aFR0Wtu0tu6pmquTcp45H4WUg/18x8pljKUHpuWtKS1M2pU6vUIKRa9t+1T41gd2uPDEvgDb8zjAEk+vLTiF1VqdK9nOi/wNFWp0pD6lx/aar2rrLVFsMqknFbKynByQ2GznjG6nTVON47mac8zae3Atek1y66so/hqjcW1i4tYR5oSmAB2yVLAjI88y6+dWKWsrNbqup6i5nFYso0CFq1uo0/jWuyHY+1QSUXO4KQjfdJyvGYOUntoiailvuYtEzPca9I2sNqn7W/VW2GulWXOPBLANaQQQhUbcgnAwCSu+rfx/Aei61vA3+j09VFyVKrNbbXY7Wu2XbY1YYuT3ybF4HAxgADEmkouxBttXJ2j6hVcXFTq5qYo4U5KuDgg+h4k1JPYi01uSp04IAgCAIAgCAIAgCAIAgGHV6la0Lt2X9z5AfOU4ivChTdSeyJ06bqSUYlH1usa1y7dz2HkB5AT4LFYmeJqOpP8Apcj6ClSjTjlRgzM9iwZiwGYsBmLAZiwGYsBmLAjdS1wpqexuyDIHq3ZR+ZwJbRpOpNQXEjN5Vc5bZqDbbvtOS7AuceXAOB9J9MoKEMsOC0PPbu7s64TPlLHpWPmYsBmLAZiwGYsBmLAZiwNbrdHdYCBeyqQf9miqxb8I3HJA+mCfl56adSnB3cL97+xCUJPiYK0WxdGQBtVtwUDjd4Tnt8m/eTblCVVcdvC6+xFJNR98CXo7Cb7s/h8NR/LgsOMc8sxz+XkZVUilSh4+/JevElH5mVP2j6rWrNVQPhxtsKkbCwZWVfmow4I7fER5T1cJh5ySnU34c/72fgZqs0naJip9quALdNQ4UYGFC4A7YBDCSl8P1vCcl5/gKtzSMej1dVmupausVJuUFRjG/nB447lR+UlUp1IYacZSzPn2HIuLqJpWLK/VCrrpWeusIwNeosQuStddYr04XcM7s7W5wwYjHJno4DFuvTWbf362M1eioSbRXPbnp706hRaiJdbUtloS0uDYzPk8qAhOPuDIHkZZXi1LU5Saa0NP0yi2y1Eo3eM7bU2tg5PHfyGM5PpmVxTbtHcnJpLU6HofduqVm3X32ChFDlUGCHyQ6kHdk8IAV5bPHlnZHDWV5vQzuvraKPXUvY2t1CVaNNO1pRaWsuusuJOS7MqvtTYilj94dh3PHZUVayjY4qr4u55f2fu05StdXqdRpVdqxVp7WpsLctZ4Q3FXFeDuzgZyM5yIVNx0zNo7nT1skyT7NdPB0g1Gj1t66is51Nb3pszn7YsloKq2MsGbjtk+Y7Tj1c0ZPt+5Gb61pLuPFuitsxbcdQS5NYt1ir4AqduyGtN9BIwviFVUnn0EZW9Xfx2/jvO3S0XkWH+G6nUop0tHTqaiDzW74Q+uCg+L/hbnvLLVVpFJFd4PWTZO6PVXQA1iawX5O422XXl27EjwyyYPkAF+gxJxst7kZNva3oWOmzcobBAYZwykEfUHkH5S1FZ7gHNfed7bmr+zaSzFp/21iHlB/cUjs58z3A+vGPE18vViaaNK/WkVb2d95Oq0wCWYvqDZPiMxtC+YV8/9QMop4qUdHqWzoRltodS0PtvoLVDDU1Lnysbw2HyIfH7TdGtTa3MrpTXAj9R94Ogp/wDXFh9KVL/4h8P7zksRTjxOqjN8D50P3gaLVOEV2rsY4Vbl27j2GCCVz8s5nIYiEtBKjKOpapeVCAIAgFN9o+peI+xT9nWcfVvM/wBP19Z8d8XxvT1ejj8sfN8X9ke5gsP0cMz3foajM8extGYsBmLAZiwGYsBmLAZiwNd1nrVemA3ZLt91R3PzPoPn/nNOHws6z025ldSooblH6316zU4BAWtTkKCTz6sfMz2sNhIUNVq+ZiqVXMi9J0/iXVp5M4z/ACg5b9gZbXnkpyl2EYK8kjqZafL2PTGYsBmLAZiwGYsBmLAZiwNY3VW8RlSouASARaoyU2b+G7AM4HfuDNKw8cqlKVvB8b29LlWd3skQ9Hq3VdhrOVdsWVbHUM7k7AXwA25gCcEcd88C6pTi5Zs3BaO62W+l9NNNn4EYtpWt9CRb0QWqfHdntZcbg2Ng7gKFABwfMjn5dpWsU4P9tJLlz+tyTpXXW3Ier6Wulp30/eQBXVj8N6k42so7t8R24+kuhXlXqZamz2t/r2rs5kJU1CN4/wBlafp9VO5dQbPFR1yiDhqyASVYjBIye+O3znoqtUq2dK1mnq+fcZ3CMdJbkTXadVO6ouaWOEZgAdwAJBx5jI54l1Kcmss7ZuKISSWq2JnTvaG2p1chbNqspD87g+CdxPfsPqOJB4eO8NHdPTs7OR3O9nqQNfrXucvYcsQAO+AqgKqjPOAABzz65PM1Sk5O7K0klZEjoHVW0morvQAtU2cH8SkFWHyypPM7TnkkpHJxzKxeusdR3aZNTbqQL7L67m051PiA6RnBrHgMNoZRtPAPYkk542Sl1czfh2dxRGOtkvHt7yNq+u22XOvS01Nw8PwjcyuSNzbn8MLhaVYCscBMYyADgiDm2/27vt97HVBJdc2NdOuprFzaHUDWUjCW1amp08Pg+CdOhwKeB8KjPnnPMstNK+XXv+3IjeDdr6e+JK0nsPqbqqrb3Su/T1oNPUvADKQ58ewDdlmB4X7vGCcTqoykk3ujjqxTsi3dP0QuUM1uqDocPW1wGx/NHCgBh8+QRyMgy9K/Mpbsb2WEBAEAqHvU6k9Ggbw3KPa615Bw2DksFPqQp/LMoxEnGGhdQjeepweeUbhAEAQBAO2+6z2pOqpNFpzqNOByTy9XYMfVgeCfofOenhqueNnujFXp5XdF6mkoEA1ftDr/AAqjg/G/wr8vU/kP6TzfimK/T0Hb5novz4GvB0elqa7Lco2Z8VY98ZgDMAZgDMAZgDMAZgHN/aO8vqbSfwttHyVeB/U/nPosJBRoxt3/AFPNrO82a2aSsz6HUtXYjpyysCB6+WPzHH5yFSCnBxlsyUZOLujqeZ8ueoMwBmAMwBmAMwBmAQtLpPDYY+4qFV5yRypyT3LMdxJ+Q/O6dTPHXe9/X00sQjCzJDVksCSNijgY/HyMn5Adh8z8pBO0bcX6EramUt+khY6a7RafewusyXOTWrfdqQ9sL/fK4yTzyRxNFSeVdHDbi+b/AByK4xv1n/RsczOWFQ9pem2KbDVWDRZtdsAZSxc5ZR5ZHfAPcz1sHXg8qnLrK6XamZK1OSvZaFUnqmQQBAOh+yvuyusNV2pKLSSGao5LtXwQDjhc/XI/abKWFbs5GeddLRHXdHpK6kCVIqVr2VFCqPyE3pJaIyNt7medOCAIAgCAIBzb33VnwNO34BawP8xQlf2Vpkxnyo04bdlD9kPZC7qDNsZUqrwHdgSNx/CoH3jjnuMceomSlRdQvqVFA8+2XsrZ0+1UZg6WLlHC7c44YEZOCMjz8xOVqTpuwp1FNFflRYIAgFr92jMmsW1WAWsqti85aq5xTn6K71E/r5TRhrqdyqtrGx3yeoYDm/vB94Qq3abSN9uCVttxxWR3VM939T2H17ZK+Iy9WO5ppUb6yKMPbjUsqi4i0oMKzcNj5kd/LnvPHxdH9S05yehvoz6JNRW4HtlZ/uk/5mmT/psP/Jl36qXIsXSeqpqF3LwR95T3U/1Hznn18PKjKz+pqp1FNXROzKCwZgDMAZgDMAZgFB9rKdupY/3wrfqMH91M97AyzUV2aHnYiNqhg/8A5LDTG8nA3AKuO6k43Z+pk/1C6bokR6J5M5sm6eBbogBjeqluO5B3tn9ZnVZuFV8m/wAFnR2lAumZ41jefMwBmAMwBmAMwBmAMwBmAMxYDMWAzAMepyUYL94qcfXBx+8lCykr7EZLR2OW4x+U+nPJEAmdH6edRfVQCFNzqm4+QJ5Pz4zxJwjmkkRlLKrn6X09QRVUchVABPfAGJ7KPNMkAQBAEAQBAEAoPvoP9hr+epT/ALdp/pMmM+Rd5fh/mNr7sun+D06nj4rgbW+e85X/AABB+Usw8ctNEazvNlC983VC+qroGNunTJ9d9mCc/RVT9TM2MleSiX4eNo3Kp0j2c1GqqtsoTeKNu5QfjO7P3F/FgDt37YzM8KUpptcC2U1F2ZrX07g4KOCO4KEH9MSGVkro96nRWVhTZW6CwEpvRl3AYyRkcjkTri1ugmnsWH3bV79ctRztvqurbHfaa2OR88qJbh9Z253K62kbnd9BazVqXGHxhxjs44bHyyDg+YnqRd1qYXufnqzplup1moVF+IW3PYTwEUO24t+Zxj1IE8as7ZpPhdnpQ1yrnY1vUNG1NhRsZXzHYg8giU0qiqRUkWTg4SsyPLCBtfZewjUpj8W4H5rtJ/oD+Uy41J0Xcuw7fSIv2Z4R6YzAGYAzAGYAzAKx1jReNrq0P3fDUt/KGcn9eB+c9KhV6LDOS3vp5GOrDPWS7DZe0qZ0zKONxrUegzYoEz4N2rKT7fRltdfttd3qetbSBfpfRPEA/wDz4/ynKcn0VTtt6nZR68fH0NnmZi4ZgDMAZgDMAZgDMAZgDMAZgDMAj2awAqD2Zihz+F8bhn5EA/qvrLFTbT7r+G3vxIOSTRB6l1VFqy4ba5AXawDgfhfkgjtkYz259BdRw8nO0Xque3d+SupUSjd++0ouobLMQSQWJyQATk98Dt9J7cVaKR5z3PEkcJPTM+NXizwjvXFm7b4fI+PPljv+UlD5kclsfoToXVltqLVVsNNWg8JmYBrFA4ITuq4AwWwT6Y5PrQkmtNjz5Rs9dzY6PWpbu2HIQgE+RLIrjHr8Lr+smmnsRasSZ04IAgCAIAgHP/fWf7DX/wDZX/tWzJjPkXeaMN83gXHpoFWlr/u1Ur29FQf6TTHSJS9WcNpQ9V1t9jE1hq7LsdyFrQBF/wCjP5zzUumqNs2v9uKRcvccfs9V/NX/ANLS/B7MpxO6OnzaZjnXvl6MH06akNhtOdpHkyWMB+obH5E/KZMXC8c3I0YeVnY5zTVbof4PWVuCbt7oMEEGtzW6N6qw4z6E9pjV6eWaNOkrxZ+gela0X013KCFurVwD3AYA4OPrPVjLMkzz5Kzsc60QCnqjADdZrvDJ89o3Pj6ZzPF+Jyy4efbJL7/Y9PBxzVY9iv8AY5xqT42qO7OHtC/MLuCj9pnh+1Q04K/3LZderrzN83slXniywL6YUnH1xMK+ITtsjV+kjzZXOjX7L62/94H5N8P+RnoYiGalJdnpqZKUrTTOi5nz56wzBwZgDMAZgDMA1VR/tr+ooX9N5M1S/wC2X/0/QpX+Z9x6683w1D+9qKh/iz/Scwy1k/8A1fodrbLvRm6icPQfS7H/ADVuJCkrxmuz0aO1N4vt+zJuZSWDMAZgDMAZgDMAZgDMAZgDMHStda9oU+Orwt/4W3nC/ljk/tPRw+DlpUzW7jHVxC1ja5VRYwGATj0ycZnqZVyMV2fbLWbG5mO0YGWJwPQZ7CFFLZBtvc8TpwQBAPVNrIcqSp9VJB/adTa2DVzbdF9ptTprFdLbCqsC1ZsbY44yGU8cgAZxkeUshWnF3uQlTjJWsdN6L71abSFtotS0/wBwo6fqSp/abYYqMtGjNLDtapl60GsW5A6ghW7Zxn9jNKd1coasSJ04IAgCAf/Z"/>
-          <p:cNvSpPr>
-            <a:spLocks noChangeAspect="1" noChangeArrowheads="1"/>
-          </p:cNvSpPr>
-          <p:nvPr/>
-        </p:nvSpPr>
-        <p:spPr bwMode="auto">
-          <a:xfrm>
-            <a:off x="155575" y="-144463"/>
-            <a:ext cx="304800" cy="304801"/>
-          </a:xfrm>
-          <a:prstGeom prst="rect">
-            <a:avLst/>
-          </a:prstGeom>
-          <a:noFill/>
-        </p:spPr>
-        <p:txBody>
-          <a:bodyPr vert="horz" wrap="square" lIns="91440" tIns="45720" rIns="91440" bIns="45720" numCol="1" anchor="t" anchorCtr="0" compatLnSpc="1">
-            <a:prstTxWarp prst="textNoShape">
-              <a:avLst/>
-            </a:prstTxWarp>
-          </a:bodyPr>
-          <a:lstStyle/>
-          <a:p>
-            <a:endParaRPr lang="es-ES"/>
-          </a:p>
-        </p:txBody>
-      </p:sp>
-      <p:pic>
-        <p:nvPicPr>
-          <p:cNvPr id="34820" name="Picture 4" descr="http://zoo-project.org/trac/raw-attachment/wiki/ZooWebSite/Identity/zoo-project-logotype-1000x400-300dpi.png"/>
-          <p:cNvPicPr>
-            <a:picLocks noChangeAspect="1" noChangeArrowheads="1"/>
-          </p:cNvPicPr>
-          <p:nvPr/>
-        </p:nvPicPr>
-        <p:blipFill>
-          <a:blip r:embed="rId3" cstate="print"/>
-          <a:srcRect/>
-          <a:stretch>
-            <a:fillRect/>
-          </a:stretch>
-        </p:blipFill>
-        <p:spPr bwMode="auto">
-          <a:xfrm>
-            <a:off x="4355976" y="4862601"/>
-            <a:ext cx="4988496" cy="1995399"/>
-          </a:xfrm>
-          <a:prstGeom prst="rect">
-            <a:avLst/>
-          </a:prstGeom>
-          <a:noFill/>
-        </p:spPr>
-      </p:pic>
-    </p:spTree>
-    <p:extLst>
-      <p:ext uri="{BB962C8B-B14F-4D97-AF65-F5344CB8AC3E}">
-        <p14:creationId xmlns:p14="http://schemas.microsoft.com/office/powerpoint/2010/main" val="2169148378"/>
-      </p:ext>
-    </p:extLst>
-  </p:cSld>
-  <p:clrMapOvr>
-    <a:masterClrMapping/>
-  </p:clrMapOvr>
-</p:sld>
-</file>
-
-<file path=ppt/slides/slide44.xml><?xml version="1.0" encoding="utf-8"?>
-<p:sld xmlns:a="http://schemas.openxmlformats.org/drawingml/2006/main" xmlns:r="http://schemas.openxmlformats.org/officeDocument/2006/relationships" xmlns:p="http://schemas.openxmlformats.org/presentationml/2006/main">
-  <p:cSld>
-    <p:spTree>
-      <p:nvGrpSpPr>
-        <p:cNvPr id="1" name=""/>
-        <p:cNvGrpSpPr/>
-        <p:nvPr/>
-      </p:nvGrpSpPr>
-      <p:grpSpPr>
-        <a:xfrm>
-          <a:off x="0" y="0"/>
-          <a:ext cx="0" cy="0"/>
-          <a:chOff x="0" y="0"/>
-          <a:chExt cx="0" cy="0"/>
-        </a:xfrm>
-      </p:grpSpPr>
-      <p:sp>
-        <p:nvSpPr>
-          <p:cNvPr id="2" name="1 Título"/>
-          <p:cNvSpPr>
-            <a:spLocks noGrp="1"/>
-          </p:cNvSpPr>
-          <p:nvPr>
-            <p:ph type="title"/>
-          </p:nvPr>
-        </p:nvSpPr>
-        <p:spPr/>
-        <p:txBody>
-          <a:bodyPr/>
-          <a:lstStyle/>
-          <a:p>
-            <a:pPr algn="ctr"/>
-            <a:r>
-              <a:rPr lang="es-ES" dirty="0"/>
-              <a:t>¿Preguntas?</a:t>
-            </a:r>
-          </a:p>
-        </p:txBody>
-      </p:sp>
-      <p:pic>
-        <p:nvPicPr>
-          <p:cNvPr id="4098" name="Picture 2" descr="http://2.bp.blogspot.com/-eQtCCwwu644/UEoa_snYIjI/AAAAAAAAAG8/24szB7zJynU/s1600/La+pregunta+te+aplasta.jpg"/>
-          <p:cNvPicPr>
-            <a:picLocks noChangeAspect="1" noChangeArrowheads="1"/>
-          </p:cNvPicPr>
-          <p:nvPr/>
-        </p:nvPicPr>
-        <p:blipFill>
-          <a:blip r:embed="rId3" cstate="print"/>
-          <a:srcRect l="12857" t="1429" r="10000" b="2857"/>
-          <a:stretch>
-            <a:fillRect/>
-          </a:stretch>
-        </p:blipFill>
-        <p:spPr bwMode="auto">
-          <a:xfrm>
-            <a:off x="2699792" y="1340768"/>
-            <a:ext cx="3888432" cy="4824536"/>
-          </a:xfrm>
-          <a:prstGeom prst="rect">
-            <a:avLst/>
-          </a:prstGeom>
-          <a:noFill/>
-        </p:spPr>
-      </p:pic>
     </p:spTree>
   </p:cSld>
   <p:clrMapOvr>
